--- a/Document/기획 발표자료.pptx
+++ b/Document/기획 발표자료.pptx
@@ -5,7 +5,7 @@
     <p:sldMasterId id="2147483648" r:id="rId1"/>
   </p:sldMasterIdLst>
   <p:notesMasterIdLst>
-    <p:notesMasterId r:id="rId24"/>
+    <p:notesMasterId r:id="rId22"/>
   </p:notesMasterIdLst>
   <p:sldIdLst>
     <p:sldId id="259" r:id="rId2"/>
@@ -21,15 +21,13 @@
     <p:sldId id="285" r:id="rId12"/>
     <p:sldId id="286" r:id="rId13"/>
     <p:sldId id="287" r:id="rId14"/>
-    <p:sldId id="291" r:id="rId15"/>
-    <p:sldId id="289" r:id="rId16"/>
-    <p:sldId id="290" r:id="rId17"/>
-    <p:sldId id="292" r:id="rId18"/>
-    <p:sldId id="269" r:id="rId19"/>
-    <p:sldId id="270" r:id="rId20"/>
-    <p:sldId id="271" r:id="rId21"/>
-    <p:sldId id="272" r:id="rId22"/>
-    <p:sldId id="260" r:id="rId23"/>
+    <p:sldId id="290" r:id="rId15"/>
+    <p:sldId id="292" r:id="rId16"/>
+    <p:sldId id="269" r:id="rId17"/>
+    <p:sldId id="270" r:id="rId18"/>
+    <p:sldId id="271" r:id="rId19"/>
+    <p:sldId id="272" r:id="rId20"/>
+    <p:sldId id="260" r:id="rId21"/>
   </p:sldIdLst>
   <p:sldSz cx="12192000" cy="6858000"/>
   <p:notesSz cx="6858000" cy="9144000"/>
@@ -130,7 +128,7 @@
   </p:defaultTextStyle>
   <p:extLst>
     <p:ext uri="{EFAFB233-063F-42B5-8137-9DF3F51BA10A}">
-      <p15:sldGuideLst xmlns:p15="http://schemas.microsoft.com/office/powerpoint/2012/main" xmlns="">
+      <p15:sldGuideLst xmlns="" xmlns:p15="http://schemas.microsoft.com/office/powerpoint/2012/main">
         <p15:guide id="1" orient="horz" pos="2183" userDrawn="1">
           <p15:clr>
             <a:srgbClr val="A4A3A4"/>
@@ -229,7 +227,7 @@
           <a:p>
             <a:fld id="{ACE10C9B-721B-4448-B204-75E23F90B65D}" type="datetimeFigureOut">
               <a:rPr lang="ko-KR" altLang="en-US" smtClean="0"/>
-              <a:t>2019-10-31</a:t>
+              <a:t>2020-01-29</a:t>
             </a:fld>
             <a:endParaRPr lang="ko-KR" altLang="en-US"/>
           </a:p>
@@ -518,7 +516,7 @@
           <p:cNvPr id="2" name="제목 1">
             <a:extLst>
               <a:ext uri="{FF2B5EF4-FFF2-40B4-BE49-F238E27FC236}">
-                <a16:creationId xmlns:a16="http://schemas.microsoft.com/office/drawing/2014/main" xmlns="" id="{9E91CDC5-C4AF-495F-A82C-9BBAC978DA86}"/>
+                <a16:creationId xmlns="" xmlns:a16="http://schemas.microsoft.com/office/drawing/2014/main" id="{9E91CDC5-C4AF-495F-A82C-9BBAC978DA86}"/>
               </a:ext>
             </a:extLst>
           </p:cNvPr>
@@ -555,7 +553,7 @@
           <p:cNvPr id="3" name="부제목 2">
             <a:extLst>
               <a:ext uri="{FF2B5EF4-FFF2-40B4-BE49-F238E27FC236}">
-                <a16:creationId xmlns:a16="http://schemas.microsoft.com/office/drawing/2014/main" xmlns="" id="{59167BE1-3C1E-4280-B5C8-7A8529E5ECD4}"/>
+                <a16:creationId xmlns="" xmlns:a16="http://schemas.microsoft.com/office/drawing/2014/main" id="{59167BE1-3C1E-4280-B5C8-7A8529E5ECD4}"/>
               </a:ext>
             </a:extLst>
           </p:cNvPr>
@@ -625,7 +623,7 @@
           <p:cNvPr id="4" name="날짜 개체 틀 3">
             <a:extLst>
               <a:ext uri="{FF2B5EF4-FFF2-40B4-BE49-F238E27FC236}">
-                <a16:creationId xmlns:a16="http://schemas.microsoft.com/office/drawing/2014/main" xmlns="" id="{47E1464F-6CFE-4504-846E-984CA11EC30E}"/>
+                <a16:creationId xmlns="" xmlns:a16="http://schemas.microsoft.com/office/drawing/2014/main" id="{47E1464F-6CFE-4504-846E-984CA11EC30E}"/>
               </a:ext>
             </a:extLst>
           </p:cNvPr>
@@ -643,7 +641,7 @@
           <a:p>
             <a:fld id="{83E65952-15AB-46E7-B424-73B9166D5BD5}" type="datetimeFigureOut">
               <a:rPr lang="ko-KR" altLang="en-US" smtClean="0"/>
-              <a:t>2019-10-31</a:t>
+              <a:t>2020-01-29</a:t>
             </a:fld>
             <a:endParaRPr lang="ko-KR" altLang="en-US"/>
           </a:p>
@@ -654,7 +652,7 @@
           <p:cNvPr id="5" name="바닥글 개체 틀 4">
             <a:extLst>
               <a:ext uri="{FF2B5EF4-FFF2-40B4-BE49-F238E27FC236}">
-                <a16:creationId xmlns:a16="http://schemas.microsoft.com/office/drawing/2014/main" xmlns="" id="{89C72ADD-2CA7-43DD-999A-FF195517EAB1}"/>
+                <a16:creationId xmlns="" xmlns:a16="http://schemas.microsoft.com/office/drawing/2014/main" id="{89C72ADD-2CA7-43DD-999A-FF195517EAB1}"/>
               </a:ext>
             </a:extLst>
           </p:cNvPr>
@@ -679,7 +677,7 @@
           <p:cNvPr id="6" name="슬라이드 번호 개체 틀 5">
             <a:extLst>
               <a:ext uri="{FF2B5EF4-FFF2-40B4-BE49-F238E27FC236}">
-                <a16:creationId xmlns:a16="http://schemas.microsoft.com/office/drawing/2014/main" xmlns="" id="{DD036878-F297-4225-BA27-94ECCD1F4BB6}"/>
+                <a16:creationId xmlns="" xmlns:a16="http://schemas.microsoft.com/office/drawing/2014/main" id="{DD036878-F297-4225-BA27-94ECCD1F4BB6}"/>
               </a:ext>
             </a:extLst>
           </p:cNvPr>
@@ -738,7 +736,7 @@
           <p:cNvPr id="2" name="제목 1">
             <a:extLst>
               <a:ext uri="{FF2B5EF4-FFF2-40B4-BE49-F238E27FC236}">
-                <a16:creationId xmlns:a16="http://schemas.microsoft.com/office/drawing/2014/main" xmlns="" id="{D812EFFD-2C44-4CF5-9C63-834517E2820E}"/>
+                <a16:creationId xmlns="" xmlns:a16="http://schemas.microsoft.com/office/drawing/2014/main" id="{D812EFFD-2C44-4CF5-9C63-834517E2820E}"/>
               </a:ext>
             </a:extLst>
           </p:cNvPr>
@@ -775,7 +773,7 @@
           <p:cNvPr id="3" name="그림 개체 틀 2">
             <a:extLst>
               <a:ext uri="{FF2B5EF4-FFF2-40B4-BE49-F238E27FC236}">
-                <a16:creationId xmlns:a16="http://schemas.microsoft.com/office/drawing/2014/main" xmlns="" id="{2771E371-E36F-4331-B9B9-87A5A2F8736B}"/>
+                <a16:creationId xmlns="" xmlns:a16="http://schemas.microsoft.com/office/drawing/2014/main" id="{2771E371-E36F-4331-B9B9-87A5A2F8736B}"/>
               </a:ext>
             </a:extLst>
           </p:cNvPr>
@@ -842,7 +840,7 @@
           <p:cNvPr id="4" name="텍스트 개체 틀 3">
             <a:extLst>
               <a:ext uri="{FF2B5EF4-FFF2-40B4-BE49-F238E27FC236}">
-                <a16:creationId xmlns:a16="http://schemas.microsoft.com/office/drawing/2014/main" xmlns="" id="{0535ABB1-E37E-4E84-B7B3-DEE70D47C87E}"/>
+                <a16:creationId xmlns="" xmlns:a16="http://schemas.microsoft.com/office/drawing/2014/main" id="{0535ABB1-E37E-4E84-B7B3-DEE70D47C87E}"/>
               </a:ext>
             </a:extLst>
           </p:cNvPr>
@@ -913,7 +911,7 @@
           <p:cNvPr id="5" name="날짜 개체 틀 4">
             <a:extLst>
               <a:ext uri="{FF2B5EF4-FFF2-40B4-BE49-F238E27FC236}">
-                <a16:creationId xmlns:a16="http://schemas.microsoft.com/office/drawing/2014/main" xmlns="" id="{6DF83503-808B-4CDD-A29E-524744AF42C2}"/>
+                <a16:creationId xmlns="" xmlns:a16="http://schemas.microsoft.com/office/drawing/2014/main" id="{6DF83503-808B-4CDD-A29E-524744AF42C2}"/>
               </a:ext>
             </a:extLst>
           </p:cNvPr>
@@ -931,7 +929,7 @@
           <a:p>
             <a:fld id="{83E65952-15AB-46E7-B424-73B9166D5BD5}" type="datetimeFigureOut">
               <a:rPr lang="ko-KR" altLang="en-US" smtClean="0"/>
-              <a:t>2019-10-31</a:t>
+              <a:t>2020-01-29</a:t>
             </a:fld>
             <a:endParaRPr lang="ko-KR" altLang="en-US"/>
           </a:p>
@@ -942,7 +940,7 @@
           <p:cNvPr id="6" name="바닥글 개체 틀 5">
             <a:extLst>
               <a:ext uri="{FF2B5EF4-FFF2-40B4-BE49-F238E27FC236}">
-                <a16:creationId xmlns:a16="http://schemas.microsoft.com/office/drawing/2014/main" xmlns="" id="{4F9330C6-35EC-452B-AA4D-686496D64A93}"/>
+                <a16:creationId xmlns="" xmlns:a16="http://schemas.microsoft.com/office/drawing/2014/main" id="{4F9330C6-35EC-452B-AA4D-686496D64A93}"/>
               </a:ext>
             </a:extLst>
           </p:cNvPr>
@@ -967,7 +965,7 @@
           <p:cNvPr id="7" name="슬라이드 번호 개체 틀 6">
             <a:extLst>
               <a:ext uri="{FF2B5EF4-FFF2-40B4-BE49-F238E27FC236}">
-                <a16:creationId xmlns:a16="http://schemas.microsoft.com/office/drawing/2014/main" xmlns="" id="{51E2BBE6-0646-4341-AF77-F4AA5C8E8350}"/>
+                <a16:creationId xmlns="" xmlns:a16="http://schemas.microsoft.com/office/drawing/2014/main" id="{51E2BBE6-0646-4341-AF77-F4AA5C8E8350}"/>
               </a:ext>
             </a:extLst>
           </p:cNvPr>
@@ -1026,7 +1024,7 @@
           <p:cNvPr id="2" name="제목 1">
             <a:extLst>
               <a:ext uri="{FF2B5EF4-FFF2-40B4-BE49-F238E27FC236}">
-                <a16:creationId xmlns:a16="http://schemas.microsoft.com/office/drawing/2014/main" xmlns="" id="{A4E6192F-16F7-4156-980D-9BC4689D37F3}"/>
+                <a16:creationId xmlns="" xmlns:a16="http://schemas.microsoft.com/office/drawing/2014/main" id="{A4E6192F-16F7-4156-980D-9BC4689D37F3}"/>
               </a:ext>
             </a:extLst>
           </p:cNvPr>
@@ -1054,7 +1052,7 @@
           <p:cNvPr id="3" name="세로 텍스트 개체 틀 2">
             <a:extLst>
               <a:ext uri="{FF2B5EF4-FFF2-40B4-BE49-F238E27FC236}">
-                <a16:creationId xmlns:a16="http://schemas.microsoft.com/office/drawing/2014/main" xmlns="" id="{0BF856BF-E6A0-427B-9743-BF1E7FF5CAD7}"/>
+                <a16:creationId xmlns="" xmlns:a16="http://schemas.microsoft.com/office/drawing/2014/main" id="{0BF856BF-E6A0-427B-9743-BF1E7FF5CAD7}"/>
               </a:ext>
             </a:extLst>
           </p:cNvPr>
@@ -1111,7 +1109,7 @@
           <p:cNvPr id="4" name="날짜 개체 틀 3">
             <a:extLst>
               <a:ext uri="{FF2B5EF4-FFF2-40B4-BE49-F238E27FC236}">
-                <a16:creationId xmlns:a16="http://schemas.microsoft.com/office/drawing/2014/main" xmlns="" id="{0DFFE4D9-2BF8-4E1E-AE82-B786BB4DF4DD}"/>
+                <a16:creationId xmlns="" xmlns:a16="http://schemas.microsoft.com/office/drawing/2014/main" id="{0DFFE4D9-2BF8-4E1E-AE82-B786BB4DF4DD}"/>
               </a:ext>
             </a:extLst>
           </p:cNvPr>
@@ -1129,7 +1127,7 @@
           <a:p>
             <a:fld id="{83E65952-15AB-46E7-B424-73B9166D5BD5}" type="datetimeFigureOut">
               <a:rPr lang="ko-KR" altLang="en-US" smtClean="0"/>
-              <a:t>2019-10-31</a:t>
+              <a:t>2020-01-29</a:t>
             </a:fld>
             <a:endParaRPr lang="ko-KR" altLang="en-US"/>
           </a:p>
@@ -1140,7 +1138,7 @@
           <p:cNvPr id="5" name="바닥글 개체 틀 4">
             <a:extLst>
               <a:ext uri="{FF2B5EF4-FFF2-40B4-BE49-F238E27FC236}">
-                <a16:creationId xmlns:a16="http://schemas.microsoft.com/office/drawing/2014/main" xmlns="" id="{A6E63A7A-1947-4DE4-9856-08522CA44F16}"/>
+                <a16:creationId xmlns="" xmlns:a16="http://schemas.microsoft.com/office/drawing/2014/main" id="{A6E63A7A-1947-4DE4-9856-08522CA44F16}"/>
               </a:ext>
             </a:extLst>
           </p:cNvPr>
@@ -1165,7 +1163,7 @@
           <p:cNvPr id="6" name="슬라이드 번호 개체 틀 5">
             <a:extLst>
               <a:ext uri="{FF2B5EF4-FFF2-40B4-BE49-F238E27FC236}">
-                <a16:creationId xmlns:a16="http://schemas.microsoft.com/office/drawing/2014/main" xmlns="" id="{EFABCBC7-7058-49AA-A7A6-7325A683B03F}"/>
+                <a16:creationId xmlns="" xmlns:a16="http://schemas.microsoft.com/office/drawing/2014/main" id="{EFABCBC7-7058-49AA-A7A6-7325A683B03F}"/>
               </a:ext>
             </a:extLst>
           </p:cNvPr>
@@ -1224,7 +1222,7 @@
           <p:cNvPr id="2" name="세로 제목 1">
             <a:extLst>
               <a:ext uri="{FF2B5EF4-FFF2-40B4-BE49-F238E27FC236}">
-                <a16:creationId xmlns:a16="http://schemas.microsoft.com/office/drawing/2014/main" xmlns="" id="{FD43799D-65B0-4C27-935C-B5ADC678A83B}"/>
+                <a16:creationId xmlns="" xmlns:a16="http://schemas.microsoft.com/office/drawing/2014/main" id="{FD43799D-65B0-4C27-935C-B5ADC678A83B}"/>
               </a:ext>
             </a:extLst>
           </p:cNvPr>
@@ -1257,7 +1255,7 @@
           <p:cNvPr id="3" name="세로 텍스트 개체 틀 2">
             <a:extLst>
               <a:ext uri="{FF2B5EF4-FFF2-40B4-BE49-F238E27FC236}">
-                <a16:creationId xmlns:a16="http://schemas.microsoft.com/office/drawing/2014/main" xmlns="" id="{A512EDD2-456F-4ECD-8D59-B82DE904176B}"/>
+                <a16:creationId xmlns="" xmlns:a16="http://schemas.microsoft.com/office/drawing/2014/main" id="{A512EDD2-456F-4ECD-8D59-B82DE904176B}"/>
               </a:ext>
             </a:extLst>
           </p:cNvPr>
@@ -1319,7 +1317,7 @@
           <p:cNvPr id="4" name="날짜 개체 틀 3">
             <a:extLst>
               <a:ext uri="{FF2B5EF4-FFF2-40B4-BE49-F238E27FC236}">
-                <a16:creationId xmlns:a16="http://schemas.microsoft.com/office/drawing/2014/main" xmlns="" id="{707E441A-B1AA-4483-8EAE-0E2161F6E926}"/>
+                <a16:creationId xmlns="" xmlns:a16="http://schemas.microsoft.com/office/drawing/2014/main" id="{707E441A-B1AA-4483-8EAE-0E2161F6E926}"/>
               </a:ext>
             </a:extLst>
           </p:cNvPr>
@@ -1337,7 +1335,7 @@
           <a:p>
             <a:fld id="{83E65952-15AB-46E7-B424-73B9166D5BD5}" type="datetimeFigureOut">
               <a:rPr lang="ko-KR" altLang="en-US" smtClean="0"/>
-              <a:t>2019-10-31</a:t>
+              <a:t>2020-01-29</a:t>
             </a:fld>
             <a:endParaRPr lang="ko-KR" altLang="en-US"/>
           </a:p>
@@ -1348,7 +1346,7 @@
           <p:cNvPr id="5" name="바닥글 개체 틀 4">
             <a:extLst>
               <a:ext uri="{FF2B5EF4-FFF2-40B4-BE49-F238E27FC236}">
-                <a16:creationId xmlns:a16="http://schemas.microsoft.com/office/drawing/2014/main" xmlns="" id="{97BB58B4-905A-4499-A703-717A03D445A6}"/>
+                <a16:creationId xmlns="" xmlns:a16="http://schemas.microsoft.com/office/drawing/2014/main" id="{97BB58B4-905A-4499-A703-717A03D445A6}"/>
               </a:ext>
             </a:extLst>
           </p:cNvPr>
@@ -1373,7 +1371,7 @@
           <p:cNvPr id="6" name="슬라이드 번호 개체 틀 5">
             <a:extLst>
               <a:ext uri="{FF2B5EF4-FFF2-40B4-BE49-F238E27FC236}">
-                <a16:creationId xmlns:a16="http://schemas.microsoft.com/office/drawing/2014/main" xmlns="" id="{689D1B0A-9198-4794-B122-59565E11F213}"/>
+                <a16:creationId xmlns="" xmlns:a16="http://schemas.microsoft.com/office/drawing/2014/main" id="{689D1B0A-9198-4794-B122-59565E11F213}"/>
               </a:ext>
             </a:extLst>
           </p:cNvPr>
@@ -1432,7 +1430,7 @@
           <p:cNvPr id="2" name="제목 1">
             <a:extLst>
               <a:ext uri="{FF2B5EF4-FFF2-40B4-BE49-F238E27FC236}">
-                <a16:creationId xmlns:a16="http://schemas.microsoft.com/office/drawing/2014/main" xmlns="" id="{7619C25F-D4C1-48C7-8550-36DA83BD74E7}"/>
+                <a16:creationId xmlns="" xmlns:a16="http://schemas.microsoft.com/office/drawing/2014/main" id="{7619C25F-D4C1-48C7-8550-36DA83BD74E7}"/>
               </a:ext>
             </a:extLst>
           </p:cNvPr>
@@ -1460,7 +1458,7 @@
           <p:cNvPr id="3" name="내용 개체 틀 2">
             <a:extLst>
               <a:ext uri="{FF2B5EF4-FFF2-40B4-BE49-F238E27FC236}">
-                <a16:creationId xmlns:a16="http://schemas.microsoft.com/office/drawing/2014/main" xmlns="" id="{210A4B44-B642-4041-81A5-C2E27B13BCDA}"/>
+                <a16:creationId xmlns="" xmlns:a16="http://schemas.microsoft.com/office/drawing/2014/main" id="{210A4B44-B642-4041-81A5-C2E27B13BCDA}"/>
               </a:ext>
             </a:extLst>
           </p:cNvPr>
@@ -1517,7 +1515,7 @@
           <p:cNvPr id="4" name="날짜 개체 틀 3">
             <a:extLst>
               <a:ext uri="{FF2B5EF4-FFF2-40B4-BE49-F238E27FC236}">
-                <a16:creationId xmlns:a16="http://schemas.microsoft.com/office/drawing/2014/main" xmlns="" id="{4B7D8DB0-BA70-465B-979A-E807A25FC998}"/>
+                <a16:creationId xmlns="" xmlns:a16="http://schemas.microsoft.com/office/drawing/2014/main" id="{4B7D8DB0-BA70-465B-979A-E807A25FC998}"/>
               </a:ext>
             </a:extLst>
           </p:cNvPr>
@@ -1535,7 +1533,7 @@
           <a:p>
             <a:fld id="{83E65952-15AB-46E7-B424-73B9166D5BD5}" type="datetimeFigureOut">
               <a:rPr lang="ko-KR" altLang="en-US" smtClean="0"/>
-              <a:t>2019-10-31</a:t>
+              <a:t>2020-01-29</a:t>
             </a:fld>
             <a:endParaRPr lang="ko-KR" altLang="en-US"/>
           </a:p>
@@ -1546,7 +1544,7 @@
           <p:cNvPr id="5" name="바닥글 개체 틀 4">
             <a:extLst>
               <a:ext uri="{FF2B5EF4-FFF2-40B4-BE49-F238E27FC236}">
-                <a16:creationId xmlns:a16="http://schemas.microsoft.com/office/drawing/2014/main" xmlns="" id="{E021F5CD-D06B-47CA-98E3-8E6ECA4D4541}"/>
+                <a16:creationId xmlns="" xmlns:a16="http://schemas.microsoft.com/office/drawing/2014/main" id="{E021F5CD-D06B-47CA-98E3-8E6ECA4D4541}"/>
               </a:ext>
             </a:extLst>
           </p:cNvPr>
@@ -1571,7 +1569,7 @@
           <p:cNvPr id="6" name="슬라이드 번호 개체 틀 5">
             <a:extLst>
               <a:ext uri="{FF2B5EF4-FFF2-40B4-BE49-F238E27FC236}">
-                <a16:creationId xmlns:a16="http://schemas.microsoft.com/office/drawing/2014/main" xmlns="" id="{9639434C-538B-4EFC-A59C-025960C8418E}"/>
+                <a16:creationId xmlns="" xmlns:a16="http://schemas.microsoft.com/office/drawing/2014/main" id="{9639434C-538B-4EFC-A59C-025960C8418E}"/>
               </a:ext>
             </a:extLst>
           </p:cNvPr>
@@ -1630,7 +1628,7 @@
           <p:cNvPr id="2" name="제목 1">
             <a:extLst>
               <a:ext uri="{FF2B5EF4-FFF2-40B4-BE49-F238E27FC236}">
-                <a16:creationId xmlns:a16="http://schemas.microsoft.com/office/drawing/2014/main" xmlns="" id="{47CB8FC9-79A6-4F59-901B-387E956322C4}"/>
+                <a16:creationId xmlns="" xmlns:a16="http://schemas.microsoft.com/office/drawing/2014/main" id="{47CB8FC9-79A6-4F59-901B-387E956322C4}"/>
               </a:ext>
             </a:extLst>
           </p:cNvPr>
@@ -1667,7 +1665,7 @@
           <p:cNvPr id="3" name="텍스트 개체 틀 2">
             <a:extLst>
               <a:ext uri="{FF2B5EF4-FFF2-40B4-BE49-F238E27FC236}">
-                <a16:creationId xmlns:a16="http://schemas.microsoft.com/office/drawing/2014/main" xmlns="" id="{CF374E13-91A7-459F-9F92-52279A00116B}"/>
+                <a16:creationId xmlns="" xmlns:a16="http://schemas.microsoft.com/office/drawing/2014/main" id="{CF374E13-91A7-459F-9F92-52279A00116B}"/>
               </a:ext>
             </a:extLst>
           </p:cNvPr>
@@ -1792,7 +1790,7 @@
           <p:cNvPr id="4" name="날짜 개체 틀 3">
             <a:extLst>
               <a:ext uri="{FF2B5EF4-FFF2-40B4-BE49-F238E27FC236}">
-                <a16:creationId xmlns:a16="http://schemas.microsoft.com/office/drawing/2014/main" xmlns="" id="{6251BF19-B66C-406A-8C88-234FBEE92F30}"/>
+                <a16:creationId xmlns="" xmlns:a16="http://schemas.microsoft.com/office/drawing/2014/main" id="{6251BF19-B66C-406A-8C88-234FBEE92F30}"/>
               </a:ext>
             </a:extLst>
           </p:cNvPr>
@@ -1810,7 +1808,7 @@
           <a:p>
             <a:fld id="{83E65952-15AB-46E7-B424-73B9166D5BD5}" type="datetimeFigureOut">
               <a:rPr lang="ko-KR" altLang="en-US" smtClean="0"/>
-              <a:t>2019-10-31</a:t>
+              <a:t>2020-01-29</a:t>
             </a:fld>
             <a:endParaRPr lang="ko-KR" altLang="en-US"/>
           </a:p>
@@ -1821,7 +1819,7 @@
           <p:cNvPr id="5" name="바닥글 개체 틀 4">
             <a:extLst>
               <a:ext uri="{FF2B5EF4-FFF2-40B4-BE49-F238E27FC236}">
-                <a16:creationId xmlns:a16="http://schemas.microsoft.com/office/drawing/2014/main" xmlns="" id="{A2FD0ACB-CAFB-4BC4-AEC9-CBE22E7A96CE}"/>
+                <a16:creationId xmlns="" xmlns:a16="http://schemas.microsoft.com/office/drawing/2014/main" id="{A2FD0ACB-CAFB-4BC4-AEC9-CBE22E7A96CE}"/>
               </a:ext>
             </a:extLst>
           </p:cNvPr>
@@ -1846,7 +1844,7 @@
           <p:cNvPr id="6" name="슬라이드 번호 개체 틀 5">
             <a:extLst>
               <a:ext uri="{FF2B5EF4-FFF2-40B4-BE49-F238E27FC236}">
-                <a16:creationId xmlns:a16="http://schemas.microsoft.com/office/drawing/2014/main" xmlns="" id="{FD8FFA3E-5D83-409D-85AE-A26DD94C1EAA}"/>
+                <a16:creationId xmlns="" xmlns:a16="http://schemas.microsoft.com/office/drawing/2014/main" id="{FD8FFA3E-5D83-409D-85AE-A26DD94C1EAA}"/>
               </a:ext>
             </a:extLst>
           </p:cNvPr>
@@ -1905,7 +1903,7 @@
           <p:cNvPr id="2" name="제목 1">
             <a:extLst>
               <a:ext uri="{FF2B5EF4-FFF2-40B4-BE49-F238E27FC236}">
-                <a16:creationId xmlns:a16="http://schemas.microsoft.com/office/drawing/2014/main" xmlns="" id="{9A4E10F1-A1BF-45B4-BDEA-E9BC488E36A2}"/>
+                <a16:creationId xmlns="" xmlns:a16="http://schemas.microsoft.com/office/drawing/2014/main" id="{9A4E10F1-A1BF-45B4-BDEA-E9BC488E36A2}"/>
               </a:ext>
             </a:extLst>
           </p:cNvPr>
@@ -1933,7 +1931,7 @@
           <p:cNvPr id="3" name="내용 개체 틀 2">
             <a:extLst>
               <a:ext uri="{FF2B5EF4-FFF2-40B4-BE49-F238E27FC236}">
-                <a16:creationId xmlns:a16="http://schemas.microsoft.com/office/drawing/2014/main" xmlns="" id="{F7876CB5-2C9E-4A91-A4AC-635D35402EBA}"/>
+                <a16:creationId xmlns="" xmlns:a16="http://schemas.microsoft.com/office/drawing/2014/main" id="{F7876CB5-2C9E-4A91-A4AC-635D35402EBA}"/>
               </a:ext>
             </a:extLst>
           </p:cNvPr>
@@ -1995,7 +1993,7 @@
           <p:cNvPr id="4" name="내용 개체 틀 3">
             <a:extLst>
               <a:ext uri="{FF2B5EF4-FFF2-40B4-BE49-F238E27FC236}">
-                <a16:creationId xmlns:a16="http://schemas.microsoft.com/office/drawing/2014/main" xmlns="" id="{DE5ED927-99CF-4776-9116-5C5CB9583B94}"/>
+                <a16:creationId xmlns="" xmlns:a16="http://schemas.microsoft.com/office/drawing/2014/main" id="{DE5ED927-99CF-4776-9116-5C5CB9583B94}"/>
               </a:ext>
             </a:extLst>
           </p:cNvPr>
@@ -2057,7 +2055,7 @@
           <p:cNvPr id="5" name="날짜 개체 틀 4">
             <a:extLst>
               <a:ext uri="{FF2B5EF4-FFF2-40B4-BE49-F238E27FC236}">
-                <a16:creationId xmlns:a16="http://schemas.microsoft.com/office/drawing/2014/main" xmlns="" id="{17A8313B-3679-43EC-AA63-4BD31C7E3F36}"/>
+                <a16:creationId xmlns="" xmlns:a16="http://schemas.microsoft.com/office/drawing/2014/main" id="{17A8313B-3679-43EC-AA63-4BD31C7E3F36}"/>
               </a:ext>
             </a:extLst>
           </p:cNvPr>
@@ -2075,7 +2073,7 @@
           <a:p>
             <a:fld id="{83E65952-15AB-46E7-B424-73B9166D5BD5}" type="datetimeFigureOut">
               <a:rPr lang="ko-KR" altLang="en-US" smtClean="0"/>
-              <a:t>2019-10-31</a:t>
+              <a:t>2020-01-29</a:t>
             </a:fld>
             <a:endParaRPr lang="ko-KR" altLang="en-US"/>
           </a:p>
@@ -2086,7 +2084,7 @@
           <p:cNvPr id="6" name="바닥글 개체 틀 5">
             <a:extLst>
               <a:ext uri="{FF2B5EF4-FFF2-40B4-BE49-F238E27FC236}">
-                <a16:creationId xmlns:a16="http://schemas.microsoft.com/office/drawing/2014/main" xmlns="" id="{CB829C10-0C89-485D-A298-8DCE439BDCA6}"/>
+                <a16:creationId xmlns="" xmlns:a16="http://schemas.microsoft.com/office/drawing/2014/main" id="{CB829C10-0C89-485D-A298-8DCE439BDCA6}"/>
               </a:ext>
             </a:extLst>
           </p:cNvPr>
@@ -2111,7 +2109,7 @@
           <p:cNvPr id="7" name="슬라이드 번호 개체 틀 6">
             <a:extLst>
               <a:ext uri="{FF2B5EF4-FFF2-40B4-BE49-F238E27FC236}">
-                <a16:creationId xmlns:a16="http://schemas.microsoft.com/office/drawing/2014/main" xmlns="" id="{7599E11A-D9D2-4AF0-8C11-B23B9732727F}"/>
+                <a16:creationId xmlns="" xmlns:a16="http://schemas.microsoft.com/office/drawing/2014/main" id="{7599E11A-D9D2-4AF0-8C11-B23B9732727F}"/>
               </a:ext>
             </a:extLst>
           </p:cNvPr>
@@ -2170,7 +2168,7 @@
           <p:cNvPr id="2" name="제목 1">
             <a:extLst>
               <a:ext uri="{FF2B5EF4-FFF2-40B4-BE49-F238E27FC236}">
-                <a16:creationId xmlns:a16="http://schemas.microsoft.com/office/drawing/2014/main" xmlns="" id="{DAA7C695-5C55-418F-9CB3-B9D561392EED}"/>
+                <a16:creationId xmlns="" xmlns:a16="http://schemas.microsoft.com/office/drawing/2014/main" id="{DAA7C695-5C55-418F-9CB3-B9D561392EED}"/>
               </a:ext>
             </a:extLst>
           </p:cNvPr>
@@ -2203,7 +2201,7 @@
           <p:cNvPr id="3" name="텍스트 개체 틀 2">
             <a:extLst>
               <a:ext uri="{FF2B5EF4-FFF2-40B4-BE49-F238E27FC236}">
-                <a16:creationId xmlns:a16="http://schemas.microsoft.com/office/drawing/2014/main" xmlns="" id="{6643B665-A833-430F-A833-B8773FC4AE69}"/>
+                <a16:creationId xmlns="" xmlns:a16="http://schemas.microsoft.com/office/drawing/2014/main" id="{6643B665-A833-430F-A833-B8773FC4AE69}"/>
               </a:ext>
             </a:extLst>
           </p:cNvPr>
@@ -2274,7 +2272,7 @@
           <p:cNvPr id="4" name="내용 개체 틀 3">
             <a:extLst>
               <a:ext uri="{FF2B5EF4-FFF2-40B4-BE49-F238E27FC236}">
-                <a16:creationId xmlns:a16="http://schemas.microsoft.com/office/drawing/2014/main" xmlns="" id="{C68EF6B3-CAC5-4330-9E2B-799EBC43882E}"/>
+                <a16:creationId xmlns="" xmlns:a16="http://schemas.microsoft.com/office/drawing/2014/main" id="{C68EF6B3-CAC5-4330-9E2B-799EBC43882E}"/>
               </a:ext>
             </a:extLst>
           </p:cNvPr>
@@ -2336,7 +2334,7 @@
           <p:cNvPr id="5" name="텍스트 개체 틀 4">
             <a:extLst>
               <a:ext uri="{FF2B5EF4-FFF2-40B4-BE49-F238E27FC236}">
-                <a16:creationId xmlns:a16="http://schemas.microsoft.com/office/drawing/2014/main" xmlns="" id="{602B5059-389F-40E6-8933-D542945DD7C2}"/>
+                <a16:creationId xmlns="" xmlns:a16="http://schemas.microsoft.com/office/drawing/2014/main" id="{602B5059-389F-40E6-8933-D542945DD7C2}"/>
               </a:ext>
             </a:extLst>
           </p:cNvPr>
@@ -2407,7 +2405,7 @@
           <p:cNvPr id="6" name="내용 개체 틀 5">
             <a:extLst>
               <a:ext uri="{FF2B5EF4-FFF2-40B4-BE49-F238E27FC236}">
-                <a16:creationId xmlns:a16="http://schemas.microsoft.com/office/drawing/2014/main" xmlns="" id="{0BDA89CE-5E2C-46DE-A67B-BBC8444EB605}"/>
+                <a16:creationId xmlns="" xmlns:a16="http://schemas.microsoft.com/office/drawing/2014/main" id="{0BDA89CE-5E2C-46DE-A67B-BBC8444EB605}"/>
               </a:ext>
             </a:extLst>
           </p:cNvPr>
@@ -2469,7 +2467,7 @@
           <p:cNvPr id="7" name="날짜 개체 틀 6">
             <a:extLst>
               <a:ext uri="{FF2B5EF4-FFF2-40B4-BE49-F238E27FC236}">
-                <a16:creationId xmlns:a16="http://schemas.microsoft.com/office/drawing/2014/main" xmlns="" id="{F84FC68A-BE51-485F-8C17-CE78BF80BFFD}"/>
+                <a16:creationId xmlns="" xmlns:a16="http://schemas.microsoft.com/office/drawing/2014/main" id="{F84FC68A-BE51-485F-8C17-CE78BF80BFFD}"/>
               </a:ext>
             </a:extLst>
           </p:cNvPr>
@@ -2487,7 +2485,7 @@
           <a:p>
             <a:fld id="{83E65952-15AB-46E7-B424-73B9166D5BD5}" type="datetimeFigureOut">
               <a:rPr lang="ko-KR" altLang="en-US" smtClean="0"/>
-              <a:t>2019-10-31</a:t>
+              <a:t>2020-01-29</a:t>
             </a:fld>
             <a:endParaRPr lang="ko-KR" altLang="en-US"/>
           </a:p>
@@ -2498,7 +2496,7 @@
           <p:cNvPr id="8" name="바닥글 개체 틀 7">
             <a:extLst>
               <a:ext uri="{FF2B5EF4-FFF2-40B4-BE49-F238E27FC236}">
-                <a16:creationId xmlns:a16="http://schemas.microsoft.com/office/drawing/2014/main" xmlns="" id="{1A09F476-F1B5-4639-912D-5A8740A3B5F6}"/>
+                <a16:creationId xmlns="" xmlns:a16="http://schemas.microsoft.com/office/drawing/2014/main" id="{1A09F476-F1B5-4639-912D-5A8740A3B5F6}"/>
               </a:ext>
             </a:extLst>
           </p:cNvPr>
@@ -2523,7 +2521,7 @@
           <p:cNvPr id="9" name="슬라이드 번호 개체 틀 8">
             <a:extLst>
               <a:ext uri="{FF2B5EF4-FFF2-40B4-BE49-F238E27FC236}">
-                <a16:creationId xmlns:a16="http://schemas.microsoft.com/office/drawing/2014/main" xmlns="" id="{C78E17CC-6223-4CA8-9429-2BE8F9D5D5C6}"/>
+                <a16:creationId xmlns="" xmlns:a16="http://schemas.microsoft.com/office/drawing/2014/main" id="{C78E17CC-6223-4CA8-9429-2BE8F9D5D5C6}"/>
               </a:ext>
             </a:extLst>
           </p:cNvPr>
@@ -2582,7 +2580,7 @@
           <p:cNvPr id="2" name="제목 1">
             <a:extLst>
               <a:ext uri="{FF2B5EF4-FFF2-40B4-BE49-F238E27FC236}">
-                <a16:creationId xmlns:a16="http://schemas.microsoft.com/office/drawing/2014/main" xmlns="" id="{F858DC61-F3C0-443B-B218-20B654E60979}"/>
+                <a16:creationId xmlns="" xmlns:a16="http://schemas.microsoft.com/office/drawing/2014/main" id="{F858DC61-F3C0-443B-B218-20B654E60979}"/>
               </a:ext>
             </a:extLst>
           </p:cNvPr>
@@ -2610,7 +2608,7 @@
           <p:cNvPr id="3" name="날짜 개체 틀 2">
             <a:extLst>
               <a:ext uri="{FF2B5EF4-FFF2-40B4-BE49-F238E27FC236}">
-                <a16:creationId xmlns:a16="http://schemas.microsoft.com/office/drawing/2014/main" xmlns="" id="{4E72E576-A139-48B1-8AE3-9C1285E3F483}"/>
+                <a16:creationId xmlns="" xmlns:a16="http://schemas.microsoft.com/office/drawing/2014/main" id="{4E72E576-A139-48B1-8AE3-9C1285E3F483}"/>
               </a:ext>
             </a:extLst>
           </p:cNvPr>
@@ -2628,7 +2626,7 @@
           <a:p>
             <a:fld id="{83E65952-15AB-46E7-B424-73B9166D5BD5}" type="datetimeFigureOut">
               <a:rPr lang="ko-KR" altLang="en-US" smtClean="0"/>
-              <a:t>2019-10-31</a:t>
+              <a:t>2020-01-29</a:t>
             </a:fld>
             <a:endParaRPr lang="ko-KR" altLang="en-US"/>
           </a:p>
@@ -2639,7 +2637,7 @@
           <p:cNvPr id="4" name="바닥글 개체 틀 3">
             <a:extLst>
               <a:ext uri="{FF2B5EF4-FFF2-40B4-BE49-F238E27FC236}">
-                <a16:creationId xmlns:a16="http://schemas.microsoft.com/office/drawing/2014/main" xmlns="" id="{AB07625C-D6E9-4D8E-8942-530AF08F4B8B}"/>
+                <a16:creationId xmlns="" xmlns:a16="http://schemas.microsoft.com/office/drawing/2014/main" id="{AB07625C-D6E9-4D8E-8942-530AF08F4B8B}"/>
               </a:ext>
             </a:extLst>
           </p:cNvPr>
@@ -2664,7 +2662,7 @@
           <p:cNvPr id="5" name="슬라이드 번호 개체 틀 4">
             <a:extLst>
               <a:ext uri="{FF2B5EF4-FFF2-40B4-BE49-F238E27FC236}">
-                <a16:creationId xmlns:a16="http://schemas.microsoft.com/office/drawing/2014/main" xmlns="" id="{BF74A675-8EAE-40F8-8508-391FBE91CC0D}"/>
+                <a16:creationId xmlns="" xmlns:a16="http://schemas.microsoft.com/office/drawing/2014/main" id="{BF74A675-8EAE-40F8-8508-391FBE91CC0D}"/>
               </a:ext>
             </a:extLst>
           </p:cNvPr>
@@ -2723,7 +2721,7 @@
           <p:cNvPr id="2" name="날짜 개체 틀 1">
             <a:extLst>
               <a:ext uri="{FF2B5EF4-FFF2-40B4-BE49-F238E27FC236}">
-                <a16:creationId xmlns:a16="http://schemas.microsoft.com/office/drawing/2014/main" xmlns="" id="{7BBCE153-304C-46C8-86F2-379BAD5AB8CE}"/>
+                <a16:creationId xmlns="" xmlns:a16="http://schemas.microsoft.com/office/drawing/2014/main" id="{7BBCE153-304C-46C8-86F2-379BAD5AB8CE}"/>
               </a:ext>
             </a:extLst>
           </p:cNvPr>
@@ -2741,7 +2739,7 @@
           <a:p>
             <a:fld id="{83E65952-15AB-46E7-B424-73B9166D5BD5}" type="datetimeFigureOut">
               <a:rPr lang="ko-KR" altLang="en-US" smtClean="0"/>
-              <a:t>2019-10-31</a:t>
+              <a:t>2020-01-29</a:t>
             </a:fld>
             <a:endParaRPr lang="ko-KR" altLang="en-US"/>
           </a:p>
@@ -2752,7 +2750,7 @@
           <p:cNvPr id="3" name="바닥글 개체 틀 2">
             <a:extLst>
               <a:ext uri="{FF2B5EF4-FFF2-40B4-BE49-F238E27FC236}">
-                <a16:creationId xmlns:a16="http://schemas.microsoft.com/office/drawing/2014/main" xmlns="" id="{B589C162-04F6-4462-81FE-9B483243ED48}"/>
+                <a16:creationId xmlns="" xmlns:a16="http://schemas.microsoft.com/office/drawing/2014/main" id="{B589C162-04F6-4462-81FE-9B483243ED48}"/>
               </a:ext>
             </a:extLst>
           </p:cNvPr>
@@ -2777,7 +2775,7 @@
           <p:cNvPr id="4" name="슬라이드 번호 개체 틀 3">
             <a:extLst>
               <a:ext uri="{FF2B5EF4-FFF2-40B4-BE49-F238E27FC236}">
-                <a16:creationId xmlns:a16="http://schemas.microsoft.com/office/drawing/2014/main" xmlns="" id="{E437322D-84B1-41E3-A180-6D707DC967C0}"/>
+                <a16:creationId xmlns="" xmlns:a16="http://schemas.microsoft.com/office/drawing/2014/main" id="{E437322D-84B1-41E3-A180-6D707DC967C0}"/>
               </a:ext>
             </a:extLst>
           </p:cNvPr>
@@ -2806,7 +2804,7 @@
           <p:cNvPr id="6" name="TextBox 5">
             <a:extLst>
               <a:ext uri="{FF2B5EF4-FFF2-40B4-BE49-F238E27FC236}">
-                <a16:creationId xmlns:a16="http://schemas.microsoft.com/office/drawing/2014/main" xmlns="" id="{EA1559A0-4CBE-4EF2-84C1-3D643003F365}"/>
+                <a16:creationId xmlns="" xmlns:a16="http://schemas.microsoft.com/office/drawing/2014/main" id="{EA1559A0-4CBE-4EF2-84C1-3D643003F365}"/>
               </a:ext>
             </a:extLst>
           </p:cNvPr>
@@ -2888,7 +2886,7 @@
           <p:cNvPr id="2" name="날짜 개체 틀 1">
             <a:extLst>
               <a:ext uri="{FF2B5EF4-FFF2-40B4-BE49-F238E27FC236}">
-                <a16:creationId xmlns:a16="http://schemas.microsoft.com/office/drawing/2014/main" xmlns="" id="{7BBCE153-304C-46C8-86F2-379BAD5AB8CE}"/>
+                <a16:creationId xmlns="" xmlns:a16="http://schemas.microsoft.com/office/drawing/2014/main" id="{7BBCE153-304C-46C8-86F2-379BAD5AB8CE}"/>
               </a:ext>
             </a:extLst>
           </p:cNvPr>
@@ -2906,7 +2904,7 @@
           <a:p>
             <a:fld id="{83E65952-15AB-46E7-B424-73B9166D5BD5}" type="datetimeFigureOut">
               <a:rPr lang="ko-KR" altLang="en-US" smtClean="0"/>
-              <a:t>2019-10-31</a:t>
+              <a:t>2020-01-29</a:t>
             </a:fld>
             <a:endParaRPr lang="ko-KR" altLang="en-US"/>
           </a:p>
@@ -2917,7 +2915,7 @@
           <p:cNvPr id="3" name="바닥글 개체 틀 2">
             <a:extLst>
               <a:ext uri="{FF2B5EF4-FFF2-40B4-BE49-F238E27FC236}">
-                <a16:creationId xmlns:a16="http://schemas.microsoft.com/office/drawing/2014/main" xmlns="" id="{B589C162-04F6-4462-81FE-9B483243ED48}"/>
+                <a16:creationId xmlns="" xmlns:a16="http://schemas.microsoft.com/office/drawing/2014/main" id="{B589C162-04F6-4462-81FE-9B483243ED48}"/>
               </a:ext>
             </a:extLst>
           </p:cNvPr>
@@ -2942,7 +2940,7 @@
           <p:cNvPr id="4" name="슬라이드 번호 개체 틀 3">
             <a:extLst>
               <a:ext uri="{FF2B5EF4-FFF2-40B4-BE49-F238E27FC236}">
-                <a16:creationId xmlns:a16="http://schemas.microsoft.com/office/drawing/2014/main" xmlns="" id="{E437322D-84B1-41E3-A180-6D707DC967C0}"/>
+                <a16:creationId xmlns="" xmlns:a16="http://schemas.microsoft.com/office/drawing/2014/main" id="{E437322D-84B1-41E3-A180-6D707DC967C0}"/>
               </a:ext>
             </a:extLst>
           </p:cNvPr>
@@ -2971,7 +2969,7 @@
           <p:cNvPr id="5" name="직사각형 4">
             <a:extLst>
               <a:ext uri="{FF2B5EF4-FFF2-40B4-BE49-F238E27FC236}">
-                <a16:creationId xmlns:a16="http://schemas.microsoft.com/office/drawing/2014/main" xmlns="" id="{C672B046-0BED-48B8-B0A1-3A7516FDA0CF}"/>
+                <a16:creationId xmlns="" xmlns:a16="http://schemas.microsoft.com/office/drawing/2014/main" id="{C672B046-0BED-48B8-B0A1-3A7516FDA0CF}"/>
               </a:ext>
             </a:extLst>
           </p:cNvPr>
@@ -3020,7 +3018,7 @@
           <p:cNvPr id="7" name="직선 연결선 6">
             <a:extLst>
               <a:ext uri="{FF2B5EF4-FFF2-40B4-BE49-F238E27FC236}">
-                <a16:creationId xmlns:a16="http://schemas.microsoft.com/office/drawing/2014/main" xmlns="" id="{B1EF740D-F6D4-46B7-8678-1D7C5E167101}"/>
+                <a16:creationId xmlns="" xmlns:a16="http://schemas.microsoft.com/office/drawing/2014/main" id="{B1EF740D-F6D4-46B7-8678-1D7C5E167101}"/>
               </a:ext>
             </a:extLst>
           </p:cNvPr>
@@ -3086,7 +3084,7 @@
           <p:cNvPr id="2" name="제목 1">
             <a:extLst>
               <a:ext uri="{FF2B5EF4-FFF2-40B4-BE49-F238E27FC236}">
-                <a16:creationId xmlns:a16="http://schemas.microsoft.com/office/drawing/2014/main" xmlns="" id="{A10127AB-4DD1-4B5A-9A0F-D5B9819067C4}"/>
+                <a16:creationId xmlns="" xmlns:a16="http://schemas.microsoft.com/office/drawing/2014/main" id="{A10127AB-4DD1-4B5A-9A0F-D5B9819067C4}"/>
               </a:ext>
             </a:extLst>
           </p:cNvPr>
@@ -3123,7 +3121,7 @@
           <p:cNvPr id="3" name="내용 개체 틀 2">
             <a:extLst>
               <a:ext uri="{FF2B5EF4-FFF2-40B4-BE49-F238E27FC236}">
-                <a16:creationId xmlns:a16="http://schemas.microsoft.com/office/drawing/2014/main" xmlns="" id="{0A4DF600-33EA-4D56-BB0F-20F468C63FFF}"/>
+                <a16:creationId xmlns="" xmlns:a16="http://schemas.microsoft.com/office/drawing/2014/main" id="{0A4DF600-33EA-4D56-BB0F-20F468C63FFF}"/>
               </a:ext>
             </a:extLst>
           </p:cNvPr>
@@ -3213,7 +3211,7 @@
           <p:cNvPr id="4" name="텍스트 개체 틀 3">
             <a:extLst>
               <a:ext uri="{FF2B5EF4-FFF2-40B4-BE49-F238E27FC236}">
-                <a16:creationId xmlns:a16="http://schemas.microsoft.com/office/drawing/2014/main" xmlns="" id="{4695F78C-48CF-40BE-A301-D10D936F5661}"/>
+                <a16:creationId xmlns="" xmlns:a16="http://schemas.microsoft.com/office/drawing/2014/main" id="{4695F78C-48CF-40BE-A301-D10D936F5661}"/>
               </a:ext>
             </a:extLst>
           </p:cNvPr>
@@ -3284,7 +3282,7 @@
           <p:cNvPr id="5" name="날짜 개체 틀 4">
             <a:extLst>
               <a:ext uri="{FF2B5EF4-FFF2-40B4-BE49-F238E27FC236}">
-                <a16:creationId xmlns:a16="http://schemas.microsoft.com/office/drawing/2014/main" xmlns="" id="{80A6ECAA-5EC0-4964-86F7-1B7368120CBF}"/>
+                <a16:creationId xmlns="" xmlns:a16="http://schemas.microsoft.com/office/drawing/2014/main" id="{80A6ECAA-5EC0-4964-86F7-1B7368120CBF}"/>
               </a:ext>
             </a:extLst>
           </p:cNvPr>
@@ -3302,7 +3300,7 @@
           <a:p>
             <a:fld id="{83E65952-15AB-46E7-B424-73B9166D5BD5}" type="datetimeFigureOut">
               <a:rPr lang="ko-KR" altLang="en-US" smtClean="0"/>
-              <a:t>2019-10-31</a:t>
+              <a:t>2020-01-29</a:t>
             </a:fld>
             <a:endParaRPr lang="ko-KR" altLang="en-US"/>
           </a:p>
@@ -3313,7 +3311,7 @@
           <p:cNvPr id="6" name="바닥글 개체 틀 5">
             <a:extLst>
               <a:ext uri="{FF2B5EF4-FFF2-40B4-BE49-F238E27FC236}">
-                <a16:creationId xmlns:a16="http://schemas.microsoft.com/office/drawing/2014/main" xmlns="" id="{2FD29CC7-3886-4A7D-AFBD-40F7F3286671}"/>
+                <a16:creationId xmlns="" xmlns:a16="http://schemas.microsoft.com/office/drawing/2014/main" id="{2FD29CC7-3886-4A7D-AFBD-40F7F3286671}"/>
               </a:ext>
             </a:extLst>
           </p:cNvPr>
@@ -3338,7 +3336,7 @@
           <p:cNvPr id="7" name="슬라이드 번호 개체 틀 6">
             <a:extLst>
               <a:ext uri="{FF2B5EF4-FFF2-40B4-BE49-F238E27FC236}">
-                <a16:creationId xmlns:a16="http://schemas.microsoft.com/office/drawing/2014/main" xmlns="" id="{2E786EEC-31F6-42F3-A43E-2AF0F04CA71E}"/>
+                <a16:creationId xmlns="" xmlns:a16="http://schemas.microsoft.com/office/drawing/2014/main" id="{2E786EEC-31F6-42F3-A43E-2AF0F04CA71E}"/>
               </a:ext>
             </a:extLst>
           </p:cNvPr>
@@ -3402,7 +3400,7 @@
           <p:cNvPr id="2" name="제목 개체 틀 1">
             <a:extLst>
               <a:ext uri="{FF2B5EF4-FFF2-40B4-BE49-F238E27FC236}">
-                <a16:creationId xmlns:a16="http://schemas.microsoft.com/office/drawing/2014/main" xmlns="" id="{1E45836A-B023-4C91-BC5F-CDABB59554FE}"/>
+                <a16:creationId xmlns="" xmlns:a16="http://schemas.microsoft.com/office/drawing/2014/main" id="{1E45836A-B023-4C91-BC5F-CDABB59554FE}"/>
               </a:ext>
             </a:extLst>
           </p:cNvPr>
@@ -3440,7 +3438,7 @@
           <p:cNvPr id="3" name="텍스트 개체 틀 2">
             <a:extLst>
               <a:ext uri="{FF2B5EF4-FFF2-40B4-BE49-F238E27FC236}">
-                <a16:creationId xmlns:a16="http://schemas.microsoft.com/office/drawing/2014/main" xmlns="" id="{39E9E701-F446-4710-B19E-CEEF272879C3}"/>
+                <a16:creationId xmlns="" xmlns:a16="http://schemas.microsoft.com/office/drawing/2014/main" id="{39E9E701-F446-4710-B19E-CEEF272879C3}"/>
               </a:ext>
             </a:extLst>
           </p:cNvPr>
@@ -3507,7 +3505,7 @@
           <p:cNvPr id="4" name="날짜 개체 틀 3">
             <a:extLst>
               <a:ext uri="{FF2B5EF4-FFF2-40B4-BE49-F238E27FC236}">
-                <a16:creationId xmlns:a16="http://schemas.microsoft.com/office/drawing/2014/main" xmlns="" id="{5C736A5A-3E0A-4497-9A09-57DDDF4ABFE3}"/>
+                <a16:creationId xmlns="" xmlns:a16="http://schemas.microsoft.com/office/drawing/2014/main" id="{5C736A5A-3E0A-4497-9A09-57DDDF4ABFE3}"/>
               </a:ext>
             </a:extLst>
           </p:cNvPr>
@@ -3543,7 +3541,7 @@
           <a:p>
             <a:fld id="{83E65952-15AB-46E7-B424-73B9166D5BD5}" type="datetimeFigureOut">
               <a:rPr lang="ko-KR" altLang="en-US" smtClean="0"/>
-              <a:t>2019-10-31</a:t>
+              <a:t>2020-01-29</a:t>
             </a:fld>
             <a:endParaRPr lang="ko-KR" altLang="en-US"/>
           </a:p>
@@ -3554,7 +3552,7 @@
           <p:cNvPr id="5" name="바닥글 개체 틀 4">
             <a:extLst>
               <a:ext uri="{FF2B5EF4-FFF2-40B4-BE49-F238E27FC236}">
-                <a16:creationId xmlns:a16="http://schemas.microsoft.com/office/drawing/2014/main" xmlns="" id="{C9D867AD-22ED-4DFA-B1E8-805FAA5BC01D}"/>
+                <a16:creationId xmlns="" xmlns:a16="http://schemas.microsoft.com/office/drawing/2014/main" id="{C9D867AD-22ED-4DFA-B1E8-805FAA5BC01D}"/>
               </a:ext>
             </a:extLst>
           </p:cNvPr>
@@ -3597,7 +3595,7 @@
           <p:cNvPr id="6" name="슬라이드 번호 개체 틀 5">
             <a:extLst>
               <a:ext uri="{FF2B5EF4-FFF2-40B4-BE49-F238E27FC236}">
-                <a16:creationId xmlns:a16="http://schemas.microsoft.com/office/drawing/2014/main" xmlns="" id="{CA530E4C-9130-42B5-98F3-F6B2A94F8324}"/>
+                <a16:creationId xmlns="" xmlns:a16="http://schemas.microsoft.com/office/drawing/2014/main" id="{CA530E4C-9130-42B5-98F3-F6B2A94F8324}"/>
               </a:ext>
             </a:extLst>
           </p:cNvPr>
@@ -3966,7 +3964,7 @@
           <p:cNvPr id="8" name="그림 7">
             <a:extLst>
               <a:ext uri="{FF2B5EF4-FFF2-40B4-BE49-F238E27FC236}">
-                <a16:creationId xmlns:a16="http://schemas.microsoft.com/office/drawing/2014/main" xmlns="" id="{87F07B2D-F042-4FF1-BC13-82D44E6988B9}"/>
+                <a16:creationId xmlns="" xmlns:a16="http://schemas.microsoft.com/office/drawing/2014/main" id="{87F07B2D-F042-4FF1-BC13-82D44E6988B9}"/>
               </a:ext>
             </a:extLst>
           </p:cNvPr>
@@ -4002,7 +4000,7 @@
           <p:cNvPr id="5" name="직사각형 4">
             <a:extLst>
               <a:ext uri="{FF2B5EF4-FFF2-40B4-BE49-F238E27FC236}">
-                <a16:creationId xmlns:a16="http://schemas.microsoft.com/office/drawing/2014/main" xmlns="" id="{7206CD00-DC72-469F-94C5-BD075FF21380}"/>
+                <a16:creationId xmlns="" xmlns:a16="http://schemas.microsoft.com/office/drawing/2014/main" id="{7206CD00-DC72-469F-94C5-BD075FF21380}"/>
               </a:ext>
             </a:extLst>
           </p:cNvPr>
@@ -4056,7 +4054,7 @@
           <p:cNvPr id="4" name="TextBox 3">
             <a:extLst>
               <a:ext uri="{FF2B5EF4-FFF2-40B4-BE49-F238E27FC236}">
-                <a16:creationId xmlns:a16="http://schemas.microsoft.com/office/drawing/2014/main" xmlns="" id="{01A885B9-1823-4A3F-8A93-1D59CF9EFC41}"/>
+                <a16:creationId xmlns="" xmlns:a16="http://schemas.microsoft.com/office/drawing/2014/main" id="{01A885B9-1823-4A3F-8A93-1D59CF9EFC41}"/>
               </a:ext>
             </a:extLst>
           </p:cNvPr>
@@ -4366,7 +4364,7 @@
           <p:cNvPr id="2" name="TextBox 1">
             <a:extLst>
               <a:ext uri="{FF2B5EF4-FFF2-40B4-BE49-F238E27FC236}">
-                <a16:creationId xmlns:a16="http://schemas.microsoft.com/office/drawing/2014/main" xmlns="" id="{31A5AC5C-D727-4084-9BA7-A2CDFEA8D97E}"/>
+                <a16:creationId xmlns="" xmlns:a16="http://schemas.microsoft.com/office/drawing/2014/main" id="{31A5AC5C-D727-4084-9BA7-A2CDFEA8D97E}"/>
               </a:ext>
             </a:extLst>
           </p:cNvPr>
@@ -4418,7 +4416,7 @@
           <p:cNvPr id="3" name="TextBox 2">
             <a:extLst>
               <a:ext uri="{FF2B5EF4-FFF2-40B4-BE49-F238E27FC236}">
-                <a16:creationId xmlns:a16="http://schemas.microsoft.com/office/drawing/2014/main" xmlns="" id="{1AF5377B-ADAB-436A-AF5E-3EE08A3BAC04}"/>
+                <a16:creationId xmlns="" xmlns:a16="http://schemas.microsoft.com/office/drawing/2014/main" id="{1AF5377B-ADAB-436A-AF5E-3EE08A3BAC04}"/>
               </a:ext>
             </a:extLst>
           </p:cNvPr>
@@ -4470,7 +4468,7 @@
           <p:cNvPr id="14" name="직사각형 13">
             <a:extLst>
               <a:ext uri="{FF2B5EF4-FFF2-40B4-BE49-F238E27FC236}">
-                <a16:creationId xmlns:a16="http://schemas.microsoft.com/office/drawing/2014/main" xmlns="" id="{55871BD9-92F1-4B0E-BB43-ACB4ADF09645}"/>
+                <a16:creationId xmlns="" xmlns:a16="http://schemas.microsoft.com/office/drawing/2014/main" id="{55871BD9-92F1-4B0E-BB43-ACB4ADF09645}"/>
               </a:ext>
             </a:extLst>
           </p:cNvPr>
@@ -4628,7 +4626,7 @@
             <p:cNvPr id="35" name="TextBox 34">
               <a:extLst>
                 <a:ext uri="{FF2B5EF4-FFF2-40B4-BE49-F238E27FC236}">
-                  <a16:creationId xmlns:a16="http://schemas.microsoft.com/office/drawing/2014/main" xmlns="" id="{0F5B2BAC-C6F6-4279-8224-B27B178BD07B}"/>
+                  <a16:creationId xmlns="" xmlns:a16="http://schemas.microsoft.com/office/drawing/2014/main" id="{0F5B2BAC-C6F6-4279-8224-B27B178BD07B}"/>
                 </a:ext>
               </a:extLst>
             </p:cNvPr>
@@ -4733,7 +4731,7 @@
             <p:cNvPr id="36" name="직선 연결선 35">
               <a:extLst>
                 <a:ext uri="{FF2B5EF4-FFF2-40B4-BE49-F238E27FC236}">
-                  <a16:creationId xmlns:a16="http://schemas.microsoft.com/office/drawing/2014/main" xmlns="" id="{62C2A2A0-6AD7-41C3-8981-DAFA06972EA6}"/>
+                  <a16:creationId xmlns="" xmlns:a16="http://schemas.microsoft.com/office/drawing/2014/main" id="{62C2A2A0-6AD7-41C3-8981-DAFA06972EA6}"/>
                 </a:ext>
               </a:extLst>
             </p:cNvPr>
@@ -4778,7 +4776,7 @@
             <p:cNvPr id="37" name="TextBox 36">
               <a:extLst>
                 <a:ext uri="{FF2B5EF4-FFF2-40B4-BE49-F238E27FC236}">
-                  <a16:creationId xmlns:a16="http://schemas.microsoft.com/office/drawing/2014/main" xmlns="" id="{099C952E-6D4E-4DB7-82C8-05415BEFA7D5}"/>
+                  <a16:creationId xmlns="" xmlns:a16="http://schemas.microsoft.com/office/drawing/2014/main" id="{099C952E-6D4E-4DB7-82C8-05415BEFA7D5}"/>
                 </a:ext>
               </a:extLst>
             </p:cNvPr>
@@ -6606,7 +6604,7 @@
           <p:cNvPr id="2" name="TextBox 1">
             <a:extLst>
               <a:ext uri="{FF2B5EF4-FFF2-40B4-BE49-F238E27FC236}">
-                <a16:creationId xmlns:a16="http://schemas.microsoft.com/office/drawing/2014/main" xmlns="" id="{31A5AC5C-D727-4084-9BA7-A2CDFEA8D97E}"/>
+                <a16:creationId xmlns="" xmlns:a16="http://schemas.microsoft.com/office/drawing/2014/main" id="{31A5AC5C-D727-4084-9BA7-A2CDFEA8D97E}"/>
               </a:ext>
             </a:extLst>
           </p:cNvPr>
@@ -6658,7 +6656,7 @@
           <p:cNvPr id="3" name="TextBox 2">
             <a:extLst>
               <a:ext uri="{FF2B5EF4-FFF2-40B4-BE49-F238E27FC236}">
-                <a16:creationId xmlns:a16="http://schemas.microsoft.com/office/drawing/2014/main" xmlns="" id="{1AF5377B-ADAB-436A-AF5E-3EE08A3BAC04}"/>
+                <a16:creationId xmlns="" xmlns:a16="http://schemas.microsoft.com/office/drawing/2014/main" id="{1AF5377B-ADAB-436A-AF5E-3EE08A3BAC04}"/>
               </a:ext>
             </a:extLst>
           </p:cNvPr>
@@ -6726,7 +6724,7 @@
             <p:cNvPr id="53" name="직사각형 52">
               <a:extLst>
                 <a:ext uri="{FF2B5EF4-FFF2-40B4-BE49-F238E27FC236}">
-                  <a16:creationId xmlns:a16="http://schemas.microsoft.com/office/drawing/2014/main" xmlns="" id="{55871BD9-92F1-4B0E-BB43-ACB4ADF09645}"/>
+                  <a16:creationId xmlns="" xmlns:a16="http://schemas.microsoft.com/office/drawing/2014/main" id="{55871BD9-92F1-4B0E-BB43-ACB4ADF09645}"/>
                 </a:ext>
               </a:extLst>
             </p:cNvPr>
@@ -7102,7 +7100,7 @@
             <p:cNvPr id="64" name="TextBox 63">
               <a:extLst>
                 <a:ext uri="{FF2B5EF4-FFF2-40B4-BE49-F238E27FC236}">
-                  <a16:creationId xmlns:a16="http://schemas.microsoft.com/office/drawing/2014/main" xmlns="" id="{0F5B2BAC-C6F6-4279-8224-B27B178BD07B}"/>
+                  <a16:creationId xmlns="" xmlns:a16="http://schemas.microsoft.com/office/drawing/2014/main" id="{0F5B2BAC-C6F6-4279-8224-B27B178BD07B}"/>
                 </a:ext>
               </a:extLst>
             </p:cNvPr>
@@ -7207,7 +7205,7 @@
             <p:cNvPr id="65" name="직선 연결선 64">
               <a:extLst>
                 <a:ext uri="{FF2B5EF4-FFF2-40B4-BE49-F238E27FC236}">
-                  <a16:creationId xmlns:a16="http://schemas.microsoft.com/office/drawing/2014/main" xmlns="" id="{62C2A2A0-6AD7-41C3-8981-DAFA06972EA6}"/>
+                  <a16:creationId xmlns="" xmlns:a16="http://schemas.microsoft.com/office/drawing/2014/main" id="{62C2A2A0-6AD7-41C3-8981-DAFA06972EA6}"/>
                 </a:ext>
               </a:extLst>
             </p:cNvPr>
@@ -7252,7 +7250,7 @@
             <p:cNvPr id="66" name="TextBox 65">
               <a:extLst>
                 <a:ext uri="{FF2B5EF4-FFF2-40B4-BE49-F238E27FC236}">
-                  <a16:creationId xmlns:a16="http://schemas.microsoft.com/office/drawing/2014/main" xmlns="" id="{099C952E-6D4E-4DB7-82C8-05415BEFA7D5}"/>
+                  <a16:creationId xmlns="" xmlns:a16="http://schemas.microsoft.com/office/drawing/2014/main" id="{099C952E-6D4E-4DB7-82C8-05415BEFA7D5}"/>
                 </a:ext>
               </a:extLst>
             </p:cNvPr>
@@ -7502,7 +7500,7 @@
           <p:cNvPr id="2" name="TextBox 1">
             <a:extLst>
               <a:ext uri="{FF2B5EF4-FFF2-40B4-BE49-F238E27FC236}">
-                <a16:creationId xmlns:a16="http://schemas.microsoft.com/office/drawing/2014/main" xmlns="" id="{31A5AC5C-D727-4084-9BA7-A2CDFEA8D97E}"/>
+                <a16:creationId xmlns="" xmlns:a16="http://schemas.microsoft.com/office/drawing/2014/main" id="{31A5AC5C-D727-4084-9BA7-A2CDFEA8D97E}"/>
               </a:ext>
             </a:extLst>
           </p:cNvPr>
@@ -7554,7 +7552,7 @@
           <p:cNvPr id="3" name="TextBox 2">
             <a:extLst>
               <a:ext uri="{FF2B5EF4-FFF2-40B4-BE49-F238E27FC236}">
-                <a16:creationId xmlns:a16="http://schemas.microsoft.com/office/drawing/2014/main" xmlns="" id="{1AF5377B-ADAB-436A-AF5E-3EE08A3BAC04}"/>
+                <a16:creationId xmlns="" xmlns:a16="http://schemas.microsoft.com/office/drawing/2014/main" id="{1AF5377B-ADAB-436A-AF5E-3EE08A3BAC04}"/>
               </a:ext>
             </a:extLst>
           </p:cNvPr>
@@ -7622,7 +7620,7 @@
             <p:cNvPr id="22" name="직사각형 21">
               <a:extLst>
                 <a:ext uri="{FF2B5EF4-FFF2-40B4-BE49-F238E27FC236}">
-                  <a16:creationId xmlns:a16="http://schemas.microsoft.com/office/drawing/2014/main" xmlns="" id="{55871BD9-92F1-4B0E-BB43-ACB4ADF09645}"/>
+                  <a16:creationId xmlns="" xmlns:a16="http://schemas.microsoft.com/office/drawing/2014/main" id="{55871BD9-92F1-4B0E-BB43-ACB4ADF09645}"/>
                 </a:ext>
               </a:extLst>
             </p:cNvPr>
@@ -7989,7 +7987,7 @@
             <p:cNvPr id="32" name="TextBox 31">
               <a:extLst>
                 <a:ext uri="{FF2B5EF4-FFF2-40B4-BE49-F238E27FC236}">
-                  <a16:creationId xmlns:a16="http://schemas.microsoft.com/office/drawing/2014/main" xmlns="" id="{0F5B2BAC-C6F6-4279-8224-B27B178BD07B}"/>
+                  <a16:creationId xmlns="" xmlns:a16="http://schemas.microsoft.com/office/drawing/2014/main" id="{0F5B2BAC-C6F6-4279-8224-B27B178BD07B}"/>
                 </a:ext>
               </a:extLst>
             </p:cNvPr>
@@ -8094,7 +8092,7 @@
             <p:cNvPr id="33" name="직선 연결선 32">
               <a:extLst>
                 <a:ext uri="{FF2B5EF4-FFF2-40B4-BE49-F238E27FC236}">
-                  <a16:creationId xmlns:a16="http://schemas.microsoft.com/office/drawing/2014/main" xmlns="" id="{62C2A2A0-6AD7-41C3-8981-DAFA06972EA6}"/>
+                  <a16:creationId xmlns="" xmlns:a16="http://schemas.microsoft.com/office/drawing/2014/main" id="{62C2A2A0-6AD7-41C3-8981-DAFA06972EA6}"/>
                 </a:ext>
               </a:extLst>
             </p:cNvPr>
@@ -8139,7 +8137,7 @@
             <p:cNvPr id="34" name="TextBox 33">
               <a:extLst>
                 <a:ext uri="{FF2B5EF4-FFF2-40B4-BE49-F238E27FC236}">
-                  <a16:creationId xmlns:a16="http://schemas.microsoft.com/office/drawing/2014/main" xmlns="" id="{099C952E-6D4E-4DB7-82C8-05415BEFA7D5}"/>
+                  <a16:creationId xmlns="" xmlns:a16="http://schemas.microsoft.com/office/drawing/2014/main" id="{099C952E-6D4E-4DB7-82C8-05415BEFA7D5}"/>
                 </a:ext>
               </a:extLst>
             </p:cNvPr>
@@ -8389,7 +8387,7 @@
           <p:cNvPr id="2" name="TextBox 1">
             <a:extLst>
               <a:ext uri="{FF2B5EF4-FFF2-40B4-BE49-F238E27FC236}">
-                <a16:creationId xmlns:a16="http://schemas.microsoft.com/office/drawing/2014/main" xmlns="" id="{31A5AC5C-D727-4084-9BA7-A2CDFEA8D97E}"/>
+                <a16:creationId xmlns="" xmlns:a16="http://schemas.microsoft.com/office/drawing/2014/main" id="{31A5AC5C-D727-4084-9BA7-A2CDFEA8D97E}"/>
               </a:ext>
             </a:extLst>
           </p:cNvPr>
@@ -8441,7 +8439,7 @@
           <p:cNvPr id="3" name="TextBox 2">
             <a:extLst>
               <a:ext uri="{FF2B5EF4-FFF2-40B4-BE49-F238E27FC236}">
-                <a16:creationId xmlns:a16="http://schemas.microsoft.com/office/drawing/2014/main" xmlns="" id="{1AF5377B-ADAB-436A-AF5E-3EE08A3BAC04}"/>
+                <a16:creationId xmlns="" xmlns:a16="http://schemas.microsoft.com/office/drawing/2014/main" id="{1AF5377B-ADAB-436A-AF5E-3EE08A3BAC04}"/>
               </a:ext>
             </a:extLst>
           </p:cNvPr>
@@ -8509,7 +8507,7 @@
             <p:cNvPr id="36" name="직사각형 35">
               <a:extLst>
                 <a:ext uri="{FF2B5EF4-FFF2-40B4-BE49-F238E27FC236}">
-                  <a16:creationId xmlns:a16="http://schemas.microsoft.com/office/drawing/2014/main" xmlns="" id="{55871BD9-92F1-4B0E-BB43-ACB4ADF09645}"/>
+                  <a16:creationId xmlns="" xmlns:a16="http://schemas.microsoft.com/office/drawing/2014/main" id="{55871BD9-92F1-4B0E-BB43-ACB4ADF09645}"/>
                 </a:ext>
               </a:extLst>
             </p:cNvPr>
@@ -8792,7 +8790,7 @@
             <p:cNvPr id="47" name="TextBox 46">
               <a:extLst>
                 <a:ext uri="{FF2B5EF4-FFF2-40B4-BE49-F238E27FC236}">
-                  <a16:creationId xmlns:a16="http://schemas.microsoft.com/office/drawing/2014/main" xmlns="" id="{0F5B2BAC-C6F6-4279-8224-B27B178BD07B}"/>
+                  <a16:creationId xmlns="" xmlns:a16="http://schemas.microsoft.com/office/drawing/2014/main" id="{0F5B2BAC-C6F6-4279-8224-B27B178BD07B}"/>
                 </a:ext>
               </a:extLst>
             </p:cNvPr>
@@ -8897,7 +8895,7 @@
             <p:cNvPr id="48" name="직선 연결선 47">
               <a:extLst>
                 <a:ext uri="{FF2B5EF4-FFF2-40B4-BE49-F238E27FC236}">
-                  <a16:creationId xmlns:a16="http://schemas.microsoft.com/office/drawing/2014/main" xmlns="" id="{62C2A2A0-6AD7-41C3-8981-DAFA06972EA6}"/>
+                  <a16:creationId xmlns="" xmlns:a16="http://schemas.microsoft.com/office/drawing/2014/main" id="{62C2A2A0-6AD7-41C3-8981-DAFA06972EA6}"/>
                 </a:ext>
               </a:extLst>
             </p:cNvPr>
@@ -8942,7 +8940,7 @@
             <p:cNvPr id="49" name="TextBox 48">
               <a:extLst>
                 <a:ext uri="{FF2B5EF4-FFF2-40B4-BE49-F238E27FC236}">
-                  <a16:creationId xmlns:a16="http://schemas.microsoft.com/office/drawing/2014/main" xmlns="" id="{099C952E-6D4E-4DB7-82C8-05415BEFA7D5}"/>
+                  <a16:creationId xmlns="" xmlns:a16="http://schemas.microsoft.com/office/drawing/2014/main" id="{099C952E-6D4E-4DB7-82C8-05415BEFA7D5}"/>
                 </a:ext>
               </a:extLst>
             </p:cNvPr>
@@ -9100,7 +9098,7 @@
           <p:cNvPr id="2" name="TextBox 1">
             <a:extLst>
               <a:ext uri="{FF2B5EF4-FFF2-40B4-BE49-F238E27FC236}">
-                <a16:creationId xmlns:a16="http://schemas.microsoft.com/office/drawing/2014/main" xmlns="" id="{31A5AC5C-D727-4084-9BA7-A2CDFEA8D97E}"/>
+                <a16:creationId xmlns="" xmlns:a16="http://schemas.microsoft.com/office/drawing/2014/main" id="{31A5AC5C-D727-4084-9BA7-A2CDFEA8D97E}"/>
               </a:ext>
             </a:extLst>
           </p:cNvPr>
@@ -9152,7 +9150,7 @@
           <p:cNvPr id="3" name="TextBox 2">
             <a:extLst>
               <a:ext uri="{FF2B5EF4-FFF2-40B4-BE49-F238E27FC236}">
-                <a16:creationId xmlns:a16="http://schemas.microsoft.com/office/drawing/2014/main" xmlns="" id="{1AF5377B-ADAB-436A-AF5E-3EE08A3BAC04}"/>
+                <a16:creationId xmlns="" xmlns:a16="http://schemas.microsoft.com/office/drawing/2014/main" id="{1AF5377B-ADAB-436A-AF5E-3EE08A3BAC04}"/>
               </a:ext>
             </a:extLst>
           </p:cNvPr>
@@ -9199,1539 +9197,6 @@
           </a:p>
         </p:txBody>
       </p:sp>
-      <p:sp>
-        <p:nvSpPr>
-          <p:cNvPr id="17" name="직사각형 16">
-            <a:extLst>
-              <a:ext uri="{FF2B5EF4-FFF2-40B4-BE49-F238E27FC236}">
-                <a16:creationId xmlns:a16="http://schemas.microsoft.com/office/drawing/2014/main" xmlns="" id="{CA27B7D0-EBD9-4613-9D31-3E0F60E07C28}"/>
-              </a:ext>
-            </a:extLst>
-          </p:cNvPr>
-          <p:cNvSpPr/>
-          <p:nvPr/>
-        </p:nvSpPr>
-        <p:spPr>
-          <a:xfrm>
-            <a:off x="239316" y="1884001"/>
-            <a:ext cx="5516210" cy="3778104"/>
-          </a:xfrm>
-          <a:prstGeom prst="rect">
-            <a:avLst/>
-          </a:prstGeom>
-          <a:solidFill>
-            <a:srgbClr val="FDDCCF"/>
-          </a:solidFill>
-          <a:ln>
-            <a:noFill/>
-          </a:ln>
-        </p:spPr>
-        <p:style>
-          <a:lnRef idx="2">
-            <a:schemeClr val="accent1">
-              <a:shade val="50000"/>
-            </a:schemeClr>
-          </a:lnRef>
-          <a:fillRef idx="1">
-            <a:schemeClr val="accent1"/>
-          </a:fillRef>
-          <a:effectRef idx="0">
-            <a:schemeClr val="accent1"/>
-          </a:effectRef>
-          <a:fontRef idx="minor">
-            <a:schemeClr val="lt1"/>
-          </a:fontRef>
-        </p:style>
-        <p:txBody>
-          <a:bodyPr rtlCol="0" anchor="ctr"/>
-          <a:lstStyle/>
-          <a:p>
-            <a:pPr algn="ctr"/>
-            <a:endParaRPr lang="ko-KR" altLang="en-US"/>
-          </a:p>
-        </p:txBody>
-      </p:sp>
-      <p:pic>
-        <p:nvPicPr>
-          <p:cNvPr id="18" name="Picture 2" descr="키오스크에 대한 이미지 검색결과"/>
-          <p:cNvPicPr>
-            <a:picLocks noChangeAspect="1" noChangeArrowheads="1"/>
-          </p:cNvPicPr>
-          <p:nvPr/>
-        </p:nvPicPr>
-        <p:blipFill>
-          <a:blip r:embed="rId2">
-            <a:extLst>
-              <a:ext uri="{28A0092B-C50C-407E-A947-70E740481C1C}">
-                <a14:useLocalDpi xmlns:a14="http://schemas.microsoft.com/office/drawing/2010/main" val="0"/>
-              </a:ext>
-            </a:extLst>
-          </a:blip>
-          <a:srcRect/>
-          <a:stretch>
-            <a:fillRect/>
-          </a:stretch>
-        </p:blipFill>
-        <p:spPr bwMode="auto">
-          <a:xfrm>
-            <a:off x="1977422" y="1884001"/>
-            <a:ext cx="3778104" cy="3778104"/>
-          </a:xfrm>
-          <a:prstGeom prst="rect">
-            <a:avLst/>
-          </a:prstGeom>
-          <a:noFill/>
-          <a:extLst>
-            <a:ext uri="{909E8E84-426E-40DD-AFC4-6F175D3DCCD1}">
-              <a14:hiddenFill xmlns:a14="http://schemas.microsoft.com/office/drawing/2010/main">
-                <a:solidFill>
-                  <a:srgbClr val="FFFFFF"/>
-                </a:solidFill>
-              </a14:hiddenFill>
-            </a:ext>
-          </a:extLst>
-        </p:spPr>
-      </p:pic>
-      <p:pic>
-        <p:nvPicPr>
-          <p:cNvPr id="19" name="Picture 4" descr="아이폰에 대한 이미지 검색결과"/>
-          <p:cNvPicPr>
-            <a:picLocks noChangeAspect="1" noChangeArrowheads="1"/>
-          </p:cNvPicPr>
-          <p:nvPr/>
-        </p:nvPicPr>
-        <p:blipFill rotWithShape="1">
-          <a:blip r:embed="rId3">
-            <a:extLst>
-              <a:ext uri="{28A0092B-C50C-407E-A947-70E740481C1C}">
-                <a14:useLocalDpi xmlns:a14="http://schemas.microsoft.com/office/drawing/2010/main" val="0"/>
-              </a:ext>
-            </a:extLst>
-          </a:blip>
-          <a:srcRect l="51458" t="4682" r="24271" b="5058"/>
-          <a:stretch/>
-        </p:blipFill>
-        <p:spPr bwMode="auto">
-          <a:xfrm>
-            <a:off x="1391634" y="2409201"/>
-            <a:ext cx="1303973" cy="2727704"/>
-          </a:xfrm>
-          <a:prstGeom prst="rect">
-            <a:avLst/>
-          </a:prstGeom>
-          <a:noFill/>
-          <a:effectLst>
-            <a:outerShdw blurRad="50800" dist="25400" dir="5400000" algn="ctr" rotWithShape="0">
-              <a:schemeClr val="tx1">
-                <a:alpha val="68000"/>
-              </a:schemeClr>
-            </a:outerShdw>
-          </a:effectLst>
-          <a:scene3d>
-            <a:camera prst="perspectiveContrastingLeftFacing" fov="3600000">
-              <a:rot lat="957453" lon="3547778" rev="21556429"/>
-            </a:camera>
-            <a:lightRig rig="threePt" dir="t"/>
-          </a:scene3d>
-          <a:extLst>
-            <a:ext uri="{909E8E84-426E-40DD-AFC4-6F175D3DCCD1}">
-              <a14:hiddenFill xmlns:a14="http://schemas.microsoft.com/office/drawing/2010/main">
-                <a:solidFill>
-                  <a:srgbClr val="FFFFFF"/>
-                </a:solidFill>
-              </a14:hiddenFill>
-            </a:ext>
-          </a:extLst>
-        </p:spPr>
-      </p:pic>
-      <p:grpSp>
-        <p:nvGrpSpPr>
-          <p:cNvPr id="6" name="그룹 5"/>
-          <p:cNvGrpSpPr/>
-          <p:nvPr/>
-        </p:nvGrpSpPr>
-        <p:grpSpPr>
-          <a:xfrm>
-            <a:off x="2407823" y="3283330"/>
-            <a:ext cx="900113" cy="1000125"/>
-            <a:chOff x="2407823" y="3283330"/>
-            <a:chExt cx="900113" cy="1000125"/>
-          </a:xfrm>
-        </p:grpSpPr>
-        <p:cxnSp>
-          <p:nvCxnSpPr>
-            <p:cNvPr id="21" name="직선 연결선 20"/>
-            <p:cNvCxnSpPr/>
-            <p:nvPr/>
-          </p:nvCxnSpPr>
-          <p:spPr>
-            <a:xfrm flipH="1">
-              <a:off x="2407823" y="3283330"/>
-              <a:ext cx="900113" cy="1000125"/>
-            </a:xfrm>
-            <a:prstGeom prst="line">
-              <a:avLst/>
-            </a:prstGeom>
-            <a:ln w="28575"/>
-          </p:spPr>
-          <p:style>
-            <a:lnRef idx="1">
-              <a:schemeClr val="accent1"/>
-            </a:lnRef>
-            <a:fillRef idx="0">
-              <a:schemeClr val="accent1"/>
-            </a:fillRef>
-            <a:effectRef idx="0">
-              <a:schemeClr val="accent1"/>
-            </a:effectRef>
-            <a:fontRef idx="minor">
-              <a:schemeClr val="tx1"/>
-            </a:fontRef>
-          </p:style>
-        </p:cxnSp>
-        <p:cxnSp>
-          <p:nvCxnSpPr>
-            <p:cNvPr id="22" name="직선 연결선 21"/>
-            <p:cNvCxnSpPr/>
-            <p:nvPr/>
-          </p:nvCxnSpPr>
-          <p:spPr>
-            <a:xfrm flipH="1">
-              <a:off x="2407823" y="3283330"/>
-              <a:ext cx="900113" cy="614363"/>
-            </a:xfrm>
-            <a:prstGeom prst="line">
-              <a:avLst/>
-            </a:prstGeom>
-            <a:ln w="28575"/>
-          </p:spPr>
-          <p:style>
-            <a:lnRef idx="1">
-              <a:schemeClr val="accent1"/>
-            </a:lnRef>
-            <a:fillRef idx="0">
-              <a:schemeClr val="accent1"/>
-            </a:fillRef>
-            <a:effectRef idx="0">
-              <a:schemeClr val="accent1"/>
-            </a:effectRef>
-            <a:fontRef idx="minor">
-              <a:schemeClr val="tx1"/>
-            </a:fontRef>
-          </p:style>
-        </p:cxnSp>
-        <p:cxnSp>
-          <p:nvCxnSpPr>
-            <p:cNvPr id="23" name="직선 연결선 22"/>
-            <p:cNvCxnSpPr/>
-            <p:nvPr/>
-          </p:nvCxnSpPr>
-          <p:spPr>
-            <a:xfrm flipH="1">
-              <a:off x="2407823" y="3283330"/>
-              <a:ext cx="900113" cy="307181"/>
-            </a:xfrm>
-            <a:prstGeom prst="line">
-              <a:avLst/>
-            </a:prstGeom>
-            <a:ln w="28575"/>
-          </p:spPr>
-          <p:style>
-            <a:lnRef idx="1">
-              <a:schemeClr val="accent1"/>
-            </a:lnRef>
-            <a:fillRef idx="0">
-              <a:schemeClr val="accent1"/>
-            </a:fillRef>
-            <a:effectRef idx="0">
-              <a:schemeClr val="accent1"/>
-            </a:effectRef>
-            <a:fontRef idx="minor">
-              <a:schemeClr val="tx1"/>
-            </a:fontRef>
-          </p:style>
-        </p:cxnSp>
-      </p:grpSp>
-      <p:grpSp>
-        <p:nvGrpSpPr>
-          <p:cNvPr id="28" name="그룹 27"/>
-          <p:cNvGrpSpPr/>
-          <p:nvPr/>
-        </p:nvGrpSpPr>
-        <p:grpSpPr>
-          <a:xfrm>
-            <a:off x="6954447" y="3026521"/>
-            <a:ext cx="3783294" cy="1798516"/>
-            <a:chOff x="8174579" y="4436441"/>
-            <a:chExt cx="3783294" cy="1798516"/>
-          </a:xfrm>
-        </p:grpSpPr>
-        <p:sp>
-          <p:nvSpPr>
-            <p:cNvPr id="29" name="TextBox 28">
-              <a:extLst>
-                <a:ext uri="{FF2B5EF4-FFF2-40B4-BE49-F238E27FC236}">
-                  <a16:creationId xmlns:a16="http://schemas.microsoft.com/office/drawing/2014/main" xmlns="" id="{E294F02C-A92E-4996-9F46-8AB10287263A}"/>
-                </a:ext>
-              </a:extLst>
-            </p:cNvPr>
-            <p:cNvSpPr txBox="1"/>
-            <p:nvPr/>
-          </p:nvSpPr>
-          <p:spPr>
-            <a:xfrm>
-              <a:off x="8174579" y="4436441"/>
-              <a:ext cx="3783294" cy="535531"/>
-            </a:xfrm>
-            <a:prstGeom prst="rect">
-              <a:avLst/>
-            </a:prstGeom>
-            <a:noFill/>
-          </p:spPr>
-          <p:txBody>
-            <a:bodyPr wrap="square" rtlCol="0">
-              <a:spAutoFit/>
-            </a:bodyPr>
-            <a:lstStyle/>
-            <a:p>
-              <a:pPr algn="ctr">
-                <a:lnSpc>
-                  <a:spcPct val="120000"/>
-                </a:lnSpc>
-              </a:pPr>
-              <a:r>
-                <a:rPr lang="en-US" altLang="ko-KR" sz="2400" b="1" dirty="0" smtClean="0">
-                  <a:solidFill>
-                    <a:schemeClr val="tx2">
-                      <a:lumMod val="50000"/>
-                    </a:schemeClr>
-                  </a:solidFill>
-                  <a:latin typeface="나눔고딕" pitchFamily="50" charset="-127"/>
-                  <a:ea typeface="나눔고딕" pitchFamily="50" charset="-127"/>
-                </a:rPr>
-                <a:t>3. </a:t>
-              </a:r>
-              <a:r>
-                <a:rPr lang="ko-KR" altLang="en-US" sz="2400" b="1" dirty="0" smtClean="0">
-                  <a:solidFill>
-                    <a:schemeClr val="tx2">
-                      <a:lumMod val="50000"/>
-                    </a:schemeClr>
-                  </a:solidFill>
-                  <a:latin typeface="나눔고딕" pitchFamily="50" charset="-127"/>
-                  <a:ea typeface="나눔고딕" pitchFamily="50" charset="-127"/>
-                </a:rPr>
-                <a:t>사용</a:t>
-              </a:r>
-              <a:r>
-                <a:rPr lang="en-US" altLang="ko-KR" sz="2400" b="1" dirty="0" smtClean="0">
-                  <a:solidFill>
-                    <a:schemeClr val="tx2">
-                      <a:lumMod val="50000"/>
-                    </a:schemeClr>
-                  </a:solidFill>
-                  <a:latin typeface="나눔고딕" pitchFamily="50" charset="-127"/>
-                  <a:ea typeface="나눔고딕" pitchFamily="50" charset="-127"/>
-                </a:rPr>
-                <a:t>(</a:t>
-              </a:r>
-              <a:r>
-                <a:rPr lang="ko-KR" altLang="en-US" sz="2400" b="1" dirty="0" smtClean="0">
-                  <a:solidFill>
-                    <a:schemeClr val="tx2">
-                      <a:lumMod val="50000"/>
-                    </a:schemeClr>
-                  </a:solidFill>
-                  <a:latin typeface="나눔고딕" pitchFamily="50" charset="-127"/>
-                  <a:ea typeface="나눔고딕" pitchFamily="50" charset="-127"/>
-                </a:rPr>
-                <a:t>선 결제</a:t>
-              </a:r>
-              <a:r>
-                <a:rPr lang="en-US" altLang="ko-KR" sz="2400" b="1" dirty="0" smtClean="0">
-                  <a:solidFill>
-                    <a:schemeClr val="tx2">
-                      <a:lumMod val="50000"/>
-                    </a:schemeClr>
-                  </a:solidFill>
-                  <a:latin typeface="나눔고딕" pitchFamily="50" charset="-127"/>
-                  <a:ea typeface="나눔고딕" pitchFamily="50" charset="-127"/>
-                </a:rPr>
-                <a:t>)</a:t>
-              </a:r>
-              <a:endParaRPr lang="en-US" altLang="ko-KR" sz="2400" b="1" dirty="0">
-                <a:solidFill>
-                  <a:schemeClr val="tx2">
-                    <a:lumMod val="50000"/>
-                  </a:schemeClr>
-                </a:solidFill>
-                <a:latin typeface="나눔고딕" pitchFamily="50" charset="-127"/>
-                <a:ea typeface="나눔고딕" pitchFamily="50" charset="-127"/>
-              </a:endParaRPr>
-            </a:p>
-          </p:txBody>
-        </p:sp>
-        <p:cxnSp>
-          <p:nvCxnSpPr>
-            <p:cNvPr id="30" name="직선 연결선 29">
-              <a:extLst>
-                <a:ext uri="{FF2B5EF4-FFF2-40B4-BE49-F238E27FC236}">
-                  <a16:creationId xmlns:a16="http://schemas.microsoft.com/office/drawing/2014/main" xmlns="" id="{0BE537EE-66B6-4F46-A073-4D39CD9D7D92}"/>
-                </a:ext>
-              </a:extLst>
-            </p:cNvPr>
-            <p:cNvCxnSpPr>
-              <a:cxnSpLocks/>
-            </p:cNvCxnSpPr>
-            <p:nvPr/>
-          </p:nvCxnSpPr>
-          <p:spPr>
-            <a:xfrm>
-              <a:off x="8174579" y="5071053"/>
-              <a:ext cx="3783294" cy="0"/>
-            </a:xfrm>
-            <a:prstGeom prst="line">
-              <a:avLst/>
-            </a:prstGeom>
-            <a:ln>
-              <a:solidFill>
-                <a:schemeClr val="tx2">
-                  <a:lumMod val="75000"/>
-                </a:schemeClr>
-              </a:solidFill>
-            </a:ln>
-          </p:spPr>
-          <p:style>
-            <a:lnRef idx="1">
-              <a:schemeClr val="accent1"/>
-            </a:lnRef>
-            <a:fillRef idx="0">
-              <a:schemeClr val="accent1"/>
-            </a:fillRef>
-            <a:effectRef idx="0">
-              <a:schemeClr val="accent1"/>
-            </a:effectRef>
-            <a:fontRef idx="minor">
-              <a:schemeClr val="tx1"/>
-            </a:fontRef>
-          </p:style>
-        </p:cxnSp>
-        <p:sp>
-          <p:nvSpPr>
-            <p:cNvPr id="31" name="TextBox 30">
-              <a:extLst>
-                <a:ext uri="{FF2B5EF4-FFF2-40B4-BE49-F238E27FC236}">
-                  <a16:creationId xmlns:a16="http://schemas.microsoft.com/office/drawing/2014/main" xmlns="" id="{49623981-F273-400F-98FB-8969C4EAA720}"/>
-                </a:ext>
-              </a:extLst>
-            </p:cNvPr>
-            <p:cNvSpPr txBox="1"/>
-            <p:nvPr/>
-          </p:nvSpPr>
-          <p:spPr>
-            <a:xfrm>
-              <a:off x="8174579" y="5145428"/>
-              <a:ext cx="3783294" cy="1089529"/>
-            </a:xfrm>
-            <a:prstGeom prst="rect">
-              <a:avLst/>
-            </a:prstGeom>
-            <a:noFill/>
-          </p:spPr>
-          <p:txBody>
-            <a:bodyPr wrap="square" rtlCol="0">
-              <a:spAutoFit/>
-            </a:bodyPr>
-            <a:lstStyle/>
-            <a:p>
-              <a:pPr algn="just">
-                <a:lnSpc>
-                  <a:spcPct val="120000"/>
-                </a:lnSpc>
-              </a:pPr>
-              <a:r>
-                <a:rPr lang="ko-KR" altLang="en-US" dirty="0" smtClean="0">
-                  <a:solidFill>
-                    <a:schemeClr val="tx2">
-                      <a:lumMod val="75000"/>
-                    </a:schemeClr>
-                  </a:solidFill>
-                  <a:latin typeface="나눔고딕" pitchFamily="50" charset="-127"/>
-                  <a:ea typeface="나눔고딕" pitchFamily="50" charset="-127"/>
-                </a:rPr>
-                <a:t>식장에 설치된 </a:t>
-              </a:r>
-              <a:r>
-                <a:rPr lang="en-US" altLang="ko-KR" dirty="0" smtClean="0">
-                  <a:solidFill>
-                    <a:schemeClr val="tx2">
-                      <a:lumMod val="75000"/>
-                    </a:schemeClr>
-                  </a:solidFill>
-                  <a:latin typeface="나눔고딕" pitchFamily="50" charset="-127"/>
-                  <a:ea typeface="나눔고딕" pitchFamily="50" charset="-127"/>
-                </a:rPr>
-                <a:t>POS</a:t>
-              </a:r>
-              <a:r>
-                <a:rPr lang="ko-KR" altLang="en-US" dirty="0" smtClean="0">
-                  <a:solidFill>
-                    <a:schemeClr val="tx2">
-                      <a:lumMod val="75000"/>
-                    </a:schemeClr>
-                  </a:solidFill>
-                  <a:latin typeface="나눔고딕" pitchFamily="50" charset="-127"/>
-                  <a:ea typeface="나눔고딕" pitchFamily="50" charset="-127"/>
-                </a:rPr>
-                <a:t>기기에 </a:t>
-              </a:r>
-              <a:r>
-                <a:rPr lang="en-US" altLang="ko-KR" dirty="0" err="1" smtClean="0">
-                  <a:solidFill>
-                    <a:schemeClr val="tx2">
-                      <a:lumMod val="75000"/>
-                    </a:schemeClr>
-                  </a:solidFill>
-                  <a:latin typeface="나눔고딕" pitchFamily="50" charset="-127"/>
-                  <a:ea typeface="나눔고딕" pitchFamily="50" charset="-127"/>
-                </a:rPr>
-                <a:t>QRCode</a:t>
-              </a:r>
-              <a:r>
-                <a:rPr lang="ko-KR" altLang="en-US" dirty="0" smtClean="0">
-                  <a:solidFill>
-                    <a:schemeClr val="tx2">
-                      <a:lumMod val="75000"/>
-                    </a:schemeClr>
-                  </a:solidFill>
-                  <a:latin typeface="나눔고딕" pitchFamily="50" charset="-127"/>
-                  <a:ea typeface="나눔고딕" pitchFamily="50" charset="-127"/>
-                </a:rPr>
-                <a:t>를 인식하면</a:t>
-              </a:r>
-              <a:r>
-                <a:rPr lang="en-US" altLang="ko-KR" dirty="0" smtClean="0">
-                  <a:solidFill>
-                    <a:schemeClr val="tx2">
-                      <a:lumMod val="75000"/>
-                    </a:schemeClr>
-                  </a:solidFill>
-                  <a:latin typeface="나눔고딕" pitchFamily="50" charset="-127"/>
-                  <a:ea typeface="나눔고딕" pitchFamily="50" charset="-127"/>
-                </a:rPr>
-                <a:t>,</a:t>
-              </a:r>
-              <a:r>
-                <a:rPr lang="ko-KR" altLang="en-US" dirty="0" smtClean="0">
-                  <a:solidFill>
-                    <a:schemeClr val="tx2">
-                      <a:lumMod val="75000"/>
-                    </a:schemeClr>
-                  </a:solidFill>
-                  <a:latin typeface="나눔고딕" pitchFamily="50" charset="-127"/>
-                  <a:ea typeface="나눔고딕" pitchFamily="50" charset="-127"/>
-                </a:rPr>
-                <a:t> 시설 이용권 발급 및 방명록 자동 기록이 된다</a:t>
-              </a:r>
-              <a:r>
-                <a:rPr lang="en-US" altLang="ko-KR" dirty="0" smtClean="0">
-                  <a:solidFill>
-                    <a:schemeClr val="tx2">
-                      <a:lumMod val="75000"/>
-                    </a:schemeClr>
-                  </a:solidFill>
-                  <a:latin typeface="나눔고딕" pitchFamily="50" charset="-127"/>
-                  <a:ea typeface="나눔고딕" pitchFamily="50" charset="-127"/>
-                </a:rPr>
-                <a:t>.</a:t>
-              </a:r>
-              <a:endParaRPr lang="en-US" altLang="ko-KR" dirty="0">
-                <a:solidFill>
-                  <a:schemeClr val="tx2">
-                    <a:lumMod val="75000"/>
-                  </a:schemeClr>
-                </a:solidFill>
-                <a:latin typeface="나눔고딕" pitchFamily="50" charset="-127"/>
-                <a:ea typeface="나눔고딕" pitchFamily="50" charset="-127"/>
-              </a:endParaRPr>
-            </a:p>
-          </p:txBody>
-        </p:sp>
-      </p:grpSp>
-    </p:spTree>
-    <p:extLst>
-      <p:ext uri="{BB962C8B-B14F-4D97-AF65-F5344CB8AC3E}">
-        <p14:creationId xmlns:p14="http://schemas.microsoft.com/office/powerpoint/2010/main" val="3182177060"/>
-      </p:ext>
-    </p:extLst>
-  </p:cSld>
-  <p:clrMapOvr>
-    <a:masterClrMapping/>
-  </p:clrMapOvr>
-  <p:transition spd="slow">
-    <p:fade/>
-  </p:transition>
-  <p:timing>
-    <p:tnLst>
-      <p:par>
-        <p:cTn id="1" dur="indefinite" restart="never" nodeType="tmRoot">
-          <p:childTnLst>
-            <p:seq concurrent="1" nextAc="seek">
-              <p:cTn id="2" dur="indefinite" nodeType="mainSeq">
-                <p:childTnLst>
-                  <p:par>
-                    <p:cTn id="3" fill="hold">
-                      <p:stCondLst>
-                        <p:cond delay="indefinite"/>
-                      </p:stCondLst>
-                      <p:childTnLst>
-                        <p:par>
-                          <p:cTn id="4" fill="hold">
-                            <p:stCondLst>
-                              <p:cond delay="0"/>
-                            </p:stCondLst>
-                            <p:childTnLst>
-                              <p:par>
-                                <p:cTn id="5" presetID="6" presetClass="emph" presetSubtype="0" fill="hold" nodeType="clickEffect">
-                                  <p:stCondLst>
-                                    <p:cond delay="500"/>
-                                  </p:stCondLst>
-                                  <p:childTnLst>
-                                    <p:animScale>
-                                      <p:cBhvr>
-                                        <p:cTn id="6" dur="2000" fill="hold"/>
-                                        <p:tgtEl>
-                                          <p:spTgt spid="19"/>
-                                        </p:tgtEl>
-                                      </p:cBhvr>
-                                      <p:by x="70000" y="70000"/>
-                                    </p:animScale>
-                                  </p:childTnLst>
-                                </p:cTn>
-                              </p:par>
-                              <p:par>
-                                <p:cTn id="7" presetID="63" presetClass="path" presetSubtype="0" accel="50000" decel="50000" fill="hold" nodeType="withEffect">
-                                  <p:stCondLst>
-                                    <p:cond delay="0"/>
-                                  </p:stCondLst>
-                                  <p:childTnLst>
-                                    <p:animMotion origin="layout" path="M 1.875E-6 -1.48148E-6 L 0.06953 -0.04444 " pathEditMode="relative" rAng="0" ptsTypes="AA">
-                                      <p:cBhvr>
-                                        <p:cTn id="8" dur="3000" fill="hold"/>
-                                        <p:tgtEl>
-                                          <p:spTgt spid="19"/>
-                                        </p:tgtEl>
-                                        <p:attrNameLst>
-                                          <p:attrName>ppt_x</p:attrName>
-                                          <p:attrName>ppt_y</p:attrName>
-                                        </p:attrNameLst>
-                                      </p:cBhvr>
-                                      <p:rCtr x="3477" y="-2222"/>
-                                    </p:animMotion>
-                                  </p:childTnLst>
-                                </p:cTn>
-                              </p:par>
-                              <p:par>
-                                <p:cTn id="9" presetID="22" presetClass="exit" presetSubtype="8" fill="hold" nodeType="withEffect">
-                                  <p:stCondLst>
-                                    <p:cond delay="0"/>
-                                  </p:stCondLst>
-                                  <p:childTnLst>
-                                    <p:animEffect transition="out" filter="wipe(left)">
-                                      <p:cBhvr>
-                                        <p:cTn id="10" dur="3000"/>
-                                        <p:tgtEl>
-                                          <p:spTgt spid="6"/>
-                                        </p:tgtEl>
-                                      </p:cBhvr>
-                                    </p:animEffect>
-                                    <p:set>
-                                      <p:cBhvr>
-                                        <p:cTn id="11" dur="1" fill="hold">
-                                          <p:stCondLst>
-                                            <p:cond delay="2999"/>
-                                          </p:stCondLst>
-                                        </p:cTn>
-                                        <p:tgtEl>
-                                          <p:spTgt spid="6"/>
-                                        </p:tgtEl>
-                                        <p:attrNameLst>
-                                          <p:attrName>style.visibility</p:attrName>
-                                        </p:attrNameLst>
-                                      </p:cBhvr>
-                                      <p:to>
-                                        <p:strVal val="hidden"/>
-                                      </p:to>
-                                    </p:set>
-                                  </p:childTnLst>
-                                </p:cTn>
-                              </p:par>
-                            </p:childTnLst>
-                          </p:cTn>
-                        </p:par>
-                      </p:childTnLst>
-                    </p:cTn>
-                  </p:par>
-                </p:childTnLst>
-              </p:cTn>
-              <p:prevCondLst>
-                <p:cond evt="onPrev" delay="0">
-                  <p:tgtEl>
-                    <p:sldTgt/>
-                  </p:tgtEl>
-                </p:cond>
-              </p:prevCondLst>
-              <p:nextCondLst>
-                <p:cond evt="onNext" delay="0">
-                  <p:tgtEl>
-                    <p:sldTgt/>
-                  </p:tgtEl>
-                </p:cond>
-              </p:nextCondLst>
-            </p:seq>
-          </p:childTnLst>
-        </p:cTn>
-      </p:par>
-    </p:tnLst>
-  </p:timing>
-</p:sld>
-</file>
-
-<file path=ppt/slides/slide15.xml><?xml version="1.0" encoding="utf-8"?>
-<p:sld xmlns:a="http://schemas.openxmlformats.org/drawingml/2006/main" xmlns:r="http://schemas.openxmlformats.org/officeDocument/2006/relationships" xmlns:p="http://schemas.openxmlformats.org/presentationml/2006/main">
-  <p:cSld>
-    <p:spTree>
-      <p:nvGrpSpPr>
-        <p:cNvPr id="1" name=""/>
-        <p:cNvGrpSpPr/>
-        <p:nvPr/>
-      </p:nvGrpSpPr>
-      <p:grpSpPr>
-        <a:xfrm>
-          <a:off x="0" y="0"/>
-          <a:ext cx="0" cy="0"/>
-          <a:chOff x="0" y="0"/>
-          <a:chExt cx="0" cy="0"/>
-        </a:xfrm>
-      </p:grpSpPr>
-      <p:sp>
-        <p:nvSpPr>
-          <p:cNvPr id="2" name="TextBox 1">
-            <a:extLst>
-              <a:ext uri="{FF2B5EF4-FFF2-40B4-BE49-F238E27FC236}">
-                <a16:creationId xmlns:a16="http://schemas.microsoft.com/office/drawing/2014/main" xmlns="" id="{31A5AC5C-D727-4084-9BA7-A2CDFEA8D97E}"/>
-              </a:ext>
-            </a:extLst>
-          </p:cNvPr>
-          <p:cNvSpPr txBox="1"/>
-          <p:nvPr/>
-        </p:nvSpPr>
-        <p:spPr>
-          <a:xfrm>
-            <a:off x="905716" y="321163"/>
-            <a:ext cx="867545" cy="769441"/>
-          </a:xfrm>
-          <a:prstGeom prst="rect">
-            <a:avLst/>
-          </a:prstGeom>
-          <a:noFill/>
-        </p:spPr>
-        <p:txBody>
-          <a:bodyPr wrap="none" rtlCol="0">
-            <a:spAutoFit/>
-          </a:bodyPr>
-          <a:lstStyle/>
-          <a:p>
-            <a:r>
-              <a:rPr lang="en-US" altLang="ko-KR" sz="4400" b="1" dirty="0" smtClean="0">
-                <a:solidFill>
-                  <a:schemeClr val="tx2">
-                    <a:lumMod val="50000"/>
-                  </a:schemeClr>
-                </a:solidFill>
-                <a:latin typeface="나눔고딕" pitchFamily="50" charset="-127"/>
-                <a:ea typeface="나눔고딕" pitchFamily="50" charset="-127"/>
-              </a:rPr>
-              <a:t>03</a:t>
-            </a:r>
-            <a:endParaRPr lang="ko-KR" altLang="en-US" sz="4400" b="1" dirty="0">
-              <a:solidFill>
-                <a:schemeClr val="tx2">
-                  <a:lumMod val="50000"/>
-                </a:schemeClr>
-              </a:solidFill>
-              <a:latin typeface="나눔고딕" pitchFamily="50" charset="-127"/>
-              <a:ea typeface="나눔고딕" pitchFamily="50" charset="-127"/>
-            </a:endParaRPr>
-          </a:p>
-        </p:txBody>
-      </p:sp>
-      <p:sp>
-        <p:nvSpPr>
-          <p:cNvPr id="3" name="TextBox 2">
-            <a:extLst>
-              <a:ext uri="{FF2B5EF4-FFF2-40B4-BE49-F238E27FC236}">
-                <a16:creationId xmlns:a16="http://schemas.microsoft.com/office/drawing/2014/main" xmlns="" id="{1AF5377B-ADAB-436A-AF5E-3EE08A3BAC04}"/>
-              </a:ext>
-            </a:extLst>
-          </p:cNvPr>
-          <p:cNvSpPr txBox="1"/>
-          <p:nvPr/>
-        </p:nvSpPr>
-        <p:spPr>
-          <a:xfrm>
-            <a:off x="2102484" y="321163"/>
-            <a:ext cx="2268570" cy="769441"/>
-          </a:xfrm>
-          <a:prstGeom prst="rect">
-            <a:avLst/>
-          </a:prstGeom>
-          <a:noFill/>
-        </p:spPr>
-        <p:txBody>
-          <a:bodyPr wrap="none" rtlCol="0">
-            <a:spAutoFit/>
-          </a:bodyPr>
-          <a:lstStyle/>
-          <a:p>
-            <a:r>
-              <a:rPr lang="ko-KR" altLang="en-US" sz="4400" b="1" dirty="0" smtClean="0">
-                <a:solidFill>
-                  <a:schemeClr val="tx2">
-                    <a:lumMod val="50000"/>
-                  </a:schemeClr>
-                </a:solidFill>
-                <a:latin typeface="나눔고딕" pitchFamily="50" charset="-127"/>
-                <a:ea typeface="나눔고딕" pitchFamily="50" charset="-127"/>
-              </a:rPr>
-              <a:t>시나리오</a:t>
-            </a:r>
-            <a:endParaRPr lang="ko-KR" altLang="en-US" sz="4400" b="1" dirty="0">
-              <a:solidFill>
-                <a:schemeClr val="tx2">
-                  <a:lumMod val="50000"/>
-                </a:schemeClr>
-              </a:solidFill>
-              <a:latin typeface="나눔고딕" pitchFamily="50" charset="-127"/>
-              <a:ea typeface="나눔고딕" pitchFamily="50" charset="-127"/>
-            </a:endParaRPr>
-          </a:p>
-        </p:txBody>
-      </p:sp>
-      <p:sp>
-        <p:nvSpPr>
-          <p:cNvPr id="34" name="직사각형 33">
-            <a:extLst>
-              <a:ext uri="{FF2B5EF4-FFF2-40B4-BE49-F238E27FC236}">
-                <a16:creationId xmlns:a16="http://schemas.microsoft.com/office/drawing/2014/main" xmlns="" id="{CA27B7D0-EBD9-4613-9D31-3E0F60E07C28}"/>
-              </a:ext>
-            </a:extLst>
-          </p:cNvPr>
-          <p:cNvSpPr/>
-          <p:nvPr/>
-        </p:nvSpPr>
-        <p:spPr>
-          <a:xfrm>
-            <a:off x="391715" y="1882518"/>
-            <a:ext cx="5516210" cy="3778104"/>
-          </a:xfrm>
-          <a:prstGeom prst="rect">
-            <a:avLst/>
-          </a:prstGeom>
-          <a:solidFill>
-            <a:srgbClr val="FDDCCF"/>
-          </a:solidFill>
-          <a:ln>
-            <a:noFill/>
-          </a:ln>
-        </p:spPr>
-        <p:style>
-          <a:lnRef idx="2">
-            <a:schemeClr val="accent1">
-              <a:shade val="50000"/>
-            </a:schemeClr>
-          </a:lnRef>
-          <a:fillRef idx="1">
-            <a:schemeClr val="accent1"/>
-          </a:fillRef>
-          <a:effectRef idx="0">
-            <a:schemeClr val="accent1"/>
-          </a:effectRef>
-          <a:fontRef idx="minor">
-            <a:schemeClr val="lt1"/>
-          </a:fontRef>
-        </p:style>
-        <p:txBody>
-          <a:bodyPr rtlCol="0" anchor="ctr"/>
-          <a:lstStyle/>
-          <a:p>
-            <a:pPr algn="ctr"/>
-            <a:endParaRPr lang="ko-KR" altLang="en-US"/>
-          </a:p>
-        </p:txBody>
-      </p:sp>
-      <p:pic>
-        <p:nvPicPr>
-          <p:cNvPr id="35" name="Picture 2" descr="키오스크에 대한 이미지 검색결과"/>
-          <p:cNvPicPr>
-            <a:picLocks noChangeAspect="1" noChangeArrowheads="1"/>
-          </p:cNvPicPr>
-          <p:nvPr/>
-        </p:nvPicPr>
-        <p:blipFill>
-          <a:blip r:embed="rId2">
-            <a:extLst>
-              <a:ext uri="{28A0092B-C50C-407E-A947-70E740481C1C}">
-                <a14:useLocalDpi xmlns:a14="http://schemas.microsoft.com/office/drawing/2010/main" val="0"/>
-              </a:ext>
-            </a:extLst>
-          </a:blip>
-          <a:srcRect/>
-          <a:stretch>
-            <a:fillRect/>
-          </a:stretch>
-        </p:blipFill>
-        <p:spPr bwMode="auto">
-          <a:xfrm>
-            <a:off x="2129821" y="1882518"/>
-            <a:ext cx="3778104" cy="3778104"/>
-          </a:xfrm>
-          <a:prstGeom prst="rect">
-            <a:avLst/>
-          </a:prstGeom>
-          <a:noFill/>
-          <a:extLst>
-            <a:ext uri="{909E8E84-426E-40DD-AFC4-6F175D3DCCD1}">
-              <a14:hiddenFill xmlns:a14="http://schemas.microsoft.com/office/drawing/2010/main">
-                <a:solidFill>
-                  <a:srgbClr val="FFFFFF"/>
-                </a:solidFill>
-              </a14:hiddenFill>
-            </a:ext>
-          </a:extLst>
-        </p:spPr>
-      </p:pic>
-      <p:pic>
-        <p:nvPicPr>
-          <p:cNvPr id="36" name="Picture 4" descr="현금에 대한 이미지 검색결과"/>
-          <p:cNvPicPr>
-            <a:picLocks noChangeAspect="1" noChangeArrowheads="1"/>
-          </p:cNvPicPr>
-          <p:nvPr/>
-        </p:nvPicPr>
-        <p:blipFill>
-          <a:blip r:embed="rId3" cstate="print">
-            <a:extLst>
-              <a:ext uri="{28A0092B-C50C-407E-A947-70E740481C1C}">
-                <a14:useLocalDpi xmlns:a14="http://schemas.microsoft.com/office/drawing/2010/main" val="0"/>
-              </a:ext>
-            </a:extLst>
-          </a:blip>
-          <a:srcRect/>
-          <a:stretch>
-            <a:fillRect/>
-          </a:stretch>
-        </p:blipFill>
-        <p:spPr bwMode="auto">
-          <a:xfrm>
-            <a:off x="420290" y="2738127"/>
-            <a:ext cx="2837471" cy="2355851"/>
-          </a:xfrm>
-          <a:prstGeom prst="rect">
-            <a:avLst/>
-          </a:prstGeom>
-          <a:noFill/>
-          <a:extLst>
-            <a:ext uri="{909E8E84-426E-40DD-AFC4-6F175D3DCCD1}">
-              <a14:hiddenFill xmlns:a14="http://schemas.microsoft.com/office/drawing/2010/main">
-                <a:solidFill>
-                  <a:srgbClr val="FFFFFF"/>
-                </a:solidFill>
-              </a14:hiddenFill>
-            </a:ext>
-          </a:extLst>
-        </p:spPr>
-      </p:pic>
-      <p:grpSp>
-        <p:nvGrpSpPr>
-          <p:cNvPr id="43" name="그룹 42"/>
-          <p:cNvGrpSpPr/>
-          <p:nvPr/>
-        </p:nvGrpSpPr>
-        <p:grpSpPr>
-          <a:xfrm>
-            <a:off x="6954447" y="3019464"/>
-            <a:ext cx="3783294" cy="2130915"/>
-            <a:chOff x="8174579" y="4436441"/>
-            <a:chExt cx="3783294" cy="2130915"/>
-          </a:xfrm>
-        </p:grpSpPr>
-        <p:sp>
-          <p:nvSpPr>
-            <p:cNvPr id="44" name="TextBox 43">
-              <a:extLst>
-                <a:ext uri="{FF2B5EF4-FFF2-40B4-BE49-F238E27FC236}">
-                  <a16:creationId xmlns:a16="http://schemas.microsoft.com/office/drawing/2014/main" xmlns="" id="{E294F02C-A92E-4996-9F46-8AB10287263A}"/>
-                </a:ext>
-              </a:extLst>
-            </p:cNvPr>
-            <p:cNvSpPr txBox="1"/>
-            <p:nvPr/>
-          </p:nvSpPr>
-          <p:spPr>
-            <a:xfrm>
-              <a:off x="8174579" y="4436441"/>
-              <a:ext cx="3783294" cy="535531"/>
-            </a:xfrm>
-            <a:prstGeom prst="rect">
-              <a:avLst/>
-            </a:prstGeom>
-            <a:noFill/>
-          </p:spPr>
-          <p:txBody>
-            <a:bodyPr wrap="square" rtlCol="0">
-              <a:spAutoFit/>
-            </a:bodyPr>
-            <a:lstStyle/>
-            <a:p>
-              <a:pPr algn="ctr">
-                <a:lnSpc>
-                  <a:spcPct val="120000"/>
-                </a:lnSpc>
-              </a:pPr>
-              <a:r>
-                <a:rPr lang="en-US" altLang="ko-KR" sz="2400" b="1" dirty="0" smtClean="0">
-                  <a:solidFill>
-                    <a:schemeClr val="tx2">
-                      <a:lumMod val="50000"/>
-                    </a:schemeClr>
-                  </a:solidFill>
-                  <a:latin typeface="나눔고딕" pitchFamily="50" charset="-127"/>
-                  <a:ea typeface="나눔고딕" pitchFamily="50" charset="-127"/>
-                </a:rPr>
-                <a:t>3. </a:t>
-              </a:r>
-              <a:r>
-                <a:rPr lang="ko-KR" altLang="en-US" sz="2400" b="1" dirty="0" smtClean="0">
-                  <a:solidFill>
-                    <a:schemeClr val="tx2">
-                      <a:lumMod val="50000"/>
-                    </a:schemeClr>
-                  </a:solidFill>
-                  <a:latin typeface="나눔고딕" pitchFamily="50" charset="-127"/>
-                  <a:ea typeface="나눔고딕" pitchFamily="50" charset="-127"/>
-                </a:rPr>
-                <a:t>사용</a:t>
-              </a:r>
-              <a:r>
-                <a:rPr lang="en-US" altLang="ko-KR" sz="2400" b="1" dirty="0" smtClean="0">
-                  <a:solidFill>
-                    <a:schemeClr val="tx2">
-                      <a:lumMod val="50000"/>
-                    </a:schemeClr>
-                  </a:solidFill>
-                  <a:latin typeface="나눔고딕" pitchFamily="50" charset="-127"/>
-                  <a:ea typeface="나눔고딕" pitchFamily="50" charset="-127"/>
-                </a:rPr>
-                <a:t>(</a:t>
-              </a:r>
-              <a:r>
-                <a:rPr lang="ko-KR" altLang="en-US" sz="2400" b="1" dirty="0" smtClean="0">
-                  <a:solidFill>
-                    <a:schemeClr val="tx2">
-                      <a:lumMod val="50000"/>
-                    </a:schemeClr>
-                  </a:solidFill>
-                  <a:latin typeface="나눔고딕" pitchFamily="50" charset="-127"/>
-                  <a:ea typeface="나눔고딕" pitchFamily="50" charset="-127"/>
-                </a:rPr>
-                <a:t>후 결제</a:t>
-              </a:r>
-              <a:r>
-                <a:rPr lang="en-US" altLang="ko-KR" sz="2400" b="1" dirty="0" smtClean="0">
-                  <a:solidFill>
-                    <a:schemeClr val="tx2">
-                      <a:lumMod val="50000"/>
-                    </a:schemeClr>
-                  </a:solidFill>
-                  <a:latin typeface="나눔고딕" pitchFamily="50" charset="-127"/>
-                  <a:ea typeface="나눔고딕" pitchFamily="50" charset="-127"/>
-                </a:rPr>
-                <a:t>)</a:t>
-              </a:r>
-              <a:endParaRPr lang="en-US" altLang="ko-KR" sz="2400" b="1" dirty="0">
-                <a:solidFill>
-                  <a:schemeClr val="tx2">
-                    <a:lumMod val="50000"/>
-                  </a:schemeClr>
-                </a:solidFill>
-                <a:latin typeface="나눔고딕" pitchFamily="50" charset="-127"/>
-                <a:ea typeface="나눔고딕" pitchFamily="50" charset="-127"/>
-              </a:endParaRPr>
-            </a:p>
-          </p:txBody>
-        </p:sp>
-        <p:cxnSp>
-          <p:nvCxnSpPr>
-            <p:cNvPr id="45" name="직선 연결선 44">
-              <a:extLst>
-                <a:ext uri="{FF2B5EF4-FFF2-40B4-BE49-F238E27FC236}">
-                  <a16:creationId xmlns:a16="http://schemas.microsoft.com/office/drawing/2014/main" xmlns="" id="{0BE537EE-66B6-4F46-A073-4D39CD9D7D92}"/>
-                </a:ext>
-              </a:extLst>
-            </p:cNvPr>
-            <p:cNvCxnSpPr>
-              <a:cxnSpLocks/>
-            </p:cNvCxnSpPr>
-            <p:nvPr/>
-          </p:nvCxnSpPr>
-          <p:spPr>
-            <a:xfrm>
-              <a:off x="8174579" y="5071053"/>
-              <a:ext cx="3783294" cy="0"/>
-            </a:xfrm>
-            <a:prstGeom prst="line">
-              <a:avLst/>
-            </a:prstGeom>
-            <a:ln>
-              <a:solidFill>
-                <a:schemeClr val="tx2">
-                  <a:lumMod val="75000"/>
-                </a:schemeClr>
-              </a:solidFill>
-            </a:ln>
-          </p:spPr>
-          <p:style>
-            <a:lnRef idx="1">
-              <a:schemeClr val="accent1"/>
-            </a:lnRef>
-            <a:fillRef idx="0">
-              <a:schemeClr val="accent1"/>
-            </a:fillRef>
-            <a:effectRef idx="0">
-              <a:schemeClr val="accent1"/>
-            </a:effectRef>
-            <a:fontRef idx="minor">
-              <a:schemeClr val="tx1"/>
-            </a:fontRef>
-          </p:style>
-        </p:cxnSp>
-        <p:sp>
-          <p:nvSpPr>
-            <p:cNvPr id="46" name="TextBox 45">
-              <a:extLst>
-                <a:ext uri="{FF2B5EF4-FFF2-40B4-BE49-F238E27FC236}">
-                  <a16:creationId xmlns:a16="http://schemas.microsoft.com/office/drawing/2014/main" xmlns="" id="{49623981-F273-400F-98FB-8969C4EAA720}"/>
-                </a:ext>
-              </a:extLst>
-            </p:cNvPr>
-            <p:cNvSpPr txBox="1"/>
-            <p:nvPr/>
-          </p:nvSpPr>
-          <p:spPr>
-            <a:xfrm>
-              <a:off x="8174579" y="5145428"/>
-              <a:ext cx="3783294" cy="1421928"/>
-            </a:xfrm>
-            <a:prstGeom prst="rect">
-              <a:avLst/>
-            </a:prstGeom>
-            <a:noFill/>
-          </p:spPr>
-          <p:txBody>
-            <a:bodyPr wrap="square" rtlCol="0">
-              <a:spAutoFit/>
-            </a:bodyPr>
-            <a:lstStyle/>
-            <a:p>
-              <a:pPr algn="just">
-                <a:lnSpc>
-                  <a:spcPct val="120000"/>
-                </a:lnSpc>
-              </a:pPr>
-              <a:r>
-                <a:rPr lang="ko-KR" altLang="en-US" dirty="0" smtClean="0">
-                  <a:solidFill>
-                    <a:schemeClr val="tx2">
-                      <a:lumMod val="75000"/>
-                    </a:schemeClr>
-                  </a:solidFill>
-                  <a:latin typeface="나눔고딕" pitchFamily="50" charset="-127"/>
-                  <a:ea typeface="나눔고딕" pitchFamily="50" charset="-127"/>
-                </a:rPr>
-                <a:t>선 결제 하지 않은 사람도 현장에서 </a:t>
-              </a:r>
-              <a:r>
-                <a:rPr lang="en-US" altLang="ko-KR" dirty="0" smtClean="0">
-                  <a:solidFill>
-                    <a:schemeClr val="tx2">
-                      <a:lumMod val="75000"/>
-                    </a:schemeClr>
-                  </a:solidFill>
-                  <a:latin typeface="나눔고딕" pitchFamily="50" charset="-127"/>
-                  <a:ea typeface="나눔고딕" pitchFamily="50" charset="-127"/>
-                </a:rPr>
-                <a:t>POS</a:t>
-              </a:r>
-              <a:r>
-                <a:rPr lang="ko-KR" altLang="en-US" dirty="0" smtClean="0">
-                  <a:solidFill>
-                    <a:schemeClr val="tx2">
-                      <a:lumMod val="75000"/>
-                    </a:schemeClr>
-                  </a:solidFill>
-                  <a:latin typeface="나눔고딕" pitchFamily="50" charset="-127"/>
-                  <a:ea typeface="나눔고딕" pitchFamily="50" charset="-127"/>
-                </a:rPr>
-                <a:t>로 현금 결제가 가능하다</a:t>
-              </a:r>
-              <a:r>
-                <a:rPr lang="en-US" altLang="ko-KR" dirty="0" smtClean="0">
-                  <a:solidFill>
-                    <a:schemeClr val="tx2">
-                      <a:lumMod val="75000"/>
-                    </a:schemeClr>
-                  </a:solidFill>
-                  <a:latin typeface="나눔고딕" pitchFamily="50" charset="-127"/>
-                  <a:ea typeface="나눔고딕" pitchFamily="50" charset="-127"/>
-                </a:rPr>
-                <a:t>.</a:t>
-              </a:r>
-            </a:p>
-            <a:p>
-              <a:pPr algn="just">
-                <a:lnSpc>
-                  <a:spcPct val="120000"/>
-                </a:lnSpc>
-              </a:pPr>
-              <a:r>
-                <a:rPr lang="ko-KR" altLang="en-US" dirty="0" smtClean="0">
-                  <a:solidFill>
-                    <a:schemeClr val="tx2">
-                      <a:lumMod val="75000"/>
-                    </a:schemeClr>
-                  </a:solidFill>
-                  <a:latin typeface="나눔고딕" pitchFamily="50" charset="-127"/>
-                  <a:ea typeface="나눔고딕" pitchFamily="50" charset="-127"/>
-                </a:rPr>
-                <a:t>또한 결제 후에 시설 이용권을 제공한다</a:t>
-              </a:r>
-              <a:r>
-                <a:rPr lang="en-US" altLang="ko-KR" dirty="0" smtClean="0">
-                  <a:solidFill>
-                    <a:schemeClr val="tx2">
-                      <a:lumMod val="75000"/>
-                    </a:schemeClr>
-                  </a:solidFill>
-                  <a:latin typeface="나눔고딕" pitchFamily="50" charset="-127"/>
-                  <a:ea typeface="나눔고딕" pitchFamily="50" charset="-127"/>
-                </a:rPr>
-                <a:t>.</a:t>
-              </a:r>
-              <a:endParaRPr lang="en-US" altLang="ko-KR" dirty="0">
-                <a:solidFill>
-                  <a:schemeClr val="tx2">
-                    <a:lumMod val="75000"/>
-                  </a:schemeClr>
-                </a:solidFill>
-                <a:latin typeface="나눔고딕" pitchFamily="50" charset="-127"/>
-                <a:ea typeface="나눔고딕" pitchFamily="50" charset="-127"/>
-              </a:endParaRPr>
-            </a:p>
-          </p:txBody>
-        </p:sp>
-      </p:grpSp>
-    </p:spTree>
-    <p:extLst>
-      <p:ext uri="{BB962C8B-B14F-4D97-AF65-F5344CB8AC3E}">
-        <p14:creationId xmlns:p14="http://schemas.microsoft.com/office/powerpoint/2010/main" val="3477717324"/>
-      </p:ext>
-    </p:extLst>
-  </p:cSld>
-  <p:clrMapOvr>
-    <a:masterClrMapping/>
-  </p:clrMapOvr>
-  <p:transition spd="slow">
-    <p:fade/>
-  </p:transition>
-  <p:timing>
-    <p:tnLst>
-      <p:par>
-        <p:cTn id="1" dur="indefinite" restart="never" nodeType="tmRoot">
-          <p:childTnLst>
-            <p:seq concurrent="1" nextAc="seek">
-              <p:cTn id="2" dur="indefinite" nodeType="mainSeq">
-                <p:childTnLst>
-                  <p:par>
-                    <p:cTn id="3" fill="hold">
-                      <p:stCondLst>
-                        <p:cond delay="indefinite"/>
-                        <p:cond evt="onBegin" delay="0">
-                          <p:tn val="2"/>
-                        </p:cond>
-                      </p:stCondLst>
-                      <p:childTnLst>
-                        <p:par>
-                          <p:cTn id="4" fill="hold">
-                            <p:stCondLst>
-                              <p:cond delay="0"/>
-                            </p:stCondLst>
-                            <p:childTnLst>
-                              <p:par>
-                                <p:cTn id="5" presetID="63" presetClass="path" presetSubtype="0" accel="50000" decel="50000" fill="hold" nodeType="withEffect">
-                                  <p:stCondLst>
-                                    <p:cond delay="0"/>
-                                  </p:stCondLst>
-                                  <p:childTnLst>
-                                    <p:animMotion origin="layout" path="M -1.25E-6 -4.81481E-6 L 0.12422 0.00278 " pathEditMode="relative" rAng="0" ptsTypes="AA">
-                                      <p:cBhvr>
-                                        <p:cTn id="6" dur="2000" fill="hold"/>
-                                        <p:tgtEl>
-                                          <p:spTgt spid="36"/>
-                                        </p:tgtEl>
-                                        <p:attrNameLst>
-                                          <p:attrName>ppt_x</p:attrName>
-                                          <p:attrName>ppt_y</p:attrName>
-                                        </p:attrNameLst>
-                                      </p:cBhvr>
-                                      <p:rCtr x="6211" y="139"/>
-                                    </p:animMotion>
-                                  </p:childTnLst>
-                                </p:cTn>
-                              </p:par>
-                              <p:par>
-                                <p:cTn id="7" presetID="53" presetClass="exit" presetSubtype="32" fill="hold" nodeType="withEffect">
-                                  <p:stCondLst>
-                                    <p:cond delay="500"/>
-                                  </p:stCondLst>
-                                  <p:childTnLst>
-                                    <p:anim calcmode="lin" valueType="num">
-                                      <p:cBhvr>
-                                        <p:cTn id="8" dur="2000"/>
-                                        <p:tgtEl>
-                                          <p:spTgt spid="36"/>
-                                        </p:tgtEl>
-                                        <p:attrNameLst>
-                                          <p:attrName>ppt_w</p:attrName>
-                                        </p:attrNameLst>
-                                      </p:cBhvr>
-                                      <p:tavLst>
-                                        <p:tav tm="0">
-                                          <p:val>
-                                            <p:strVal val="ppt_w"/>
-                                          </p:val>
-                                        </p:tav>
-                                        <p:tav tm="100000">
-                                          <p:val>
-                                            <p:fltVal val="0"/>
-                                          </p:val>
-                                        </p:tav>
-                                      </p:tavLst>
-                                    </p:anim>
-                                    <p:anim calcmode="lin" valueType="num">
-                                      <p:cBhvr>
-                                        <p:cTn id="9" dur="2000"/>
-                                        <p:tgtEl>
-                                          <p:spTgt spid="36"/>
-                                        </p:tgtEl>
-                                        <p:attrNameLst>
-                                          <p:attrName>ppt_h</p:attrName>
-                                        </p:attrNameLst>
-                                      </p:cBhvr>
-                                      <p:tavLst>
-                                        <p:tav tm="0">
-                                          <p:val>
-                                            <p:strVal val="ppt_h"/>
-                                          </p:val>
-                                        </p:tav>
-                                        <p:tav tm="100000">
-                                          <p:val>
-                                            <p:fltVal val="0"/>
-                                          </p:val>
-                                        </p:tav>
-                                      </p:tavLst>
-                                    </p:anim>
-                                    <p:animEffect transition="out" filter="fade">
-                                      <p:cBhvr>
-                                        <p:cTn id="10" dur="2000"/>
-                                        <p:tgtEl>
-                                          <p:spTgt spid="36"/>
-                                        </p:tgtEl>
-                                      </p:cBhvr>
-                                    </p:animEffect>
-                                    <p:set>
-                                      <p:cBhvr>
-                                        <p:cTn id="11" dur="1" fill="hold">
-                                          <p:stCondLst>
-                                            <p:cond delay="1999"/>
-                                          </p:stCondLst>
-                                        </p:cTn>
-                                        <p:tgtEl>
-                                          <p:spTgt spid="36"/>
-                                        </p:tgtEl>
-                                        <p:attrNameLst>
-                                          <p:attrName>style.visibility</p:attrName>
-                                        </p:attrNameLst>
-                                      </p:cBhvr>
-                                      <p:to>
-                                        <p:strVal val="hidden"/>
-                                      </p:to>
-                                    </p:set>
-                                  </p:childTnLst>
-                                </p:cTn>
-                              </p:par>
-                            </p:childTnLst>
-                          </p:cTn>
-                        </p:par>
-                      </p:childTnLst>
-                    </p:cTn>
-                  </p:par>
-                </p:childTnLst>
-              </p:cTn>
-              <p:prevCondLst>
-                <p:cond evt="onPrev" delay="0">
-                  <p:tgtEl>
-                    <p:sldTgt/>
-                  </p:tgtEl>
-                </p:cond>
-              </p:prevCondLst>
-              <p:nextCondLst>
-                <p:cond evt="onNext" delay="0">
-                  <p:tgtEl>
-                    <p:sldTgt/>
-                  </p:tgtEl>
-                </p:cond>
-              </p:nextCondLst>
-            </p:seq>
-          </p:childTnLst>
-        </p:cTn>
-      </p:par>
-    </p:tnLst>
-  </p:timing>
-</p:sld>
-</file>
-
-<file path=ppt/slides/slide16.xml><?xml version="1.0" encoding="utf-8"?>
-<p:sld xmlns:a="http://schemas.openxmlformats.org/drawingml/2006/main" xmlns:r="http://schemas.openxmlformats.org/officeDocument/2006/relationships" xmlns:p="http://schemas.openxmlformats.org/presentationml/2006/main">
-  <p:cSld>
-    <p:spTree>
-      <p:nvGrpSpPr>
-        <p:cNvPr id="1" name=""/>
-        <p:cNvGrpSpPr/>
-        <p:nvPr/>
-      </p:nvGrpSpPr>
-      <p:grpSpPr>
-        <a:xfrm>
-          <a:off x="0" y="0"/>
-          <a:ext cx="0" cy="0"/>
-          <a:chOff x="0" y="0"/>
-          <a:chExt cx="0" cy="0"/>
-        </a:xfrm>
-      </p:grpSpPr>
-      <p:sp>
-        <p:nvSpPr>
-          <p:cNvPr id="2" name="TextBox 1">
-            <a:extLst>
-              <a:ext uri="{FF2B5EF4-FFF2-40B4-BE49-F238E27FC236}">
-                <a16:creationId xmlns:a16="http://schemas.microsoft.com/office/drawing/2014/main" xmlns="" id="{31A5AC5C-D727-4084-9BA7-A2CDFEA8D97E}"/>
-              </a:ext>
-            </a:extLst>
-          </p:cNvPr>
-          <p:cNvSpPr txBox="1"/>
-          <p:nvPr/>
-        </p:nvSpPr>
-        <p:spPr>
-          <a:xfrm>
-            <a:off x="905716" y="321163"/>
-            <a:ext cx="867545" cy="769441"/>
-          </a:xfrm>
-          <a:prstGeom prst="rect">
-            <a:avLst/>
-          </a:prstGeom>
-          <a:noFill/>
-        </p:spPr>
-        <p:txBody>
-          <a:bodyPr wrap="none" rtlCol="0">
-            <a:spAutoFit/>
-          </a:bodyPr>
-          <a:lstStyle/>
-          <a:p>
-            <a:r>
-              <a:rPr lang="en-US" altLang="ko-KR" sz="4400" b="1" dirty="0" smtClean="0">
-                <a:solidFill>
-                  <a:schemeClr val="tx2">
-                    <a:lumMod val="50000"/>
-                  </a:schemeClr>
-                </a:solidFill>
-                <a:latin typeface="나눔고딕" pitchFamily="50" charset="-127"/>
-                <a:ea typeface="나눔고딕" pitchFamily="50" charset="-127"/>
-              </a:rPr>
-              <a:t>03</a:t>
-            </a:r>
-            <a:endParaRPr lang="ko-KR" altLang="en-US" sz="4400" b="1" dirty="0">
-              <a:solidFill>
-                <a:schemeClr val="tx2">
-                  <a:lumMod val="50000"/>
-                </a:schemeClr>
-              </a:solidFill>
-              <a:latin typeface="나눔고딕" pitchFamily="50" charset="-127"/>
-              <a:ea typeface="나눔고딕" pitchFamily="50" charset="-127"/>
-            </a:endParaRPr>
-          </a:p>
-        </p:txBody>
-      </p:sp>
-      <p:sp>
-        <p:nvSpPr>
-          <p:cNvPr id="3" name="TextBox 2">
-            <a:extLst>
-              <a:ext uri="{FF2B5EF4-FFF2-40B4-BE49-F238E27FC236}">
-                <a16:creationId xmlns:a16="http://schemas.microsoft.com/office/drawing/2014/main" xmlns="" id="{1AF5377B-ADAB-436A-AF5E-3EE08A3BAC04}"/>
-              </a:ext>
-            </a:extLst>
-          </p:cNvPr>
-          <p:cNvSpPr txBox="1"/>
-          <p:nvPr/>
-        </p:nvSpPr>
-        <p:spPr>
-          <a:xfrm>
-            <a:off x="2102484" y="321163"/>
-            <a:ext cx="2268570" cy="769441"/>
-          </a:xfrm>
-          <a:prstGeom prst="rect">
-            <a:avLst/>
-          </a:prstGeom>
-          <a:noFill/>
-        </p:spPr>
-        <p:txBody>
-          <a:bodyPr wrap="none" rtlCol="0">
-            <a:spAutoFit/>
-          </a:bodyPr>
-          <a:lstStyle/>
-          <a:p>
-            <a:r>
-              <a:rPr lang="ko-KR" altLang="en-US" sz="4400" b="1" dirty="0" smtClean="0">
-                <a:solidFill>
-                  <a:schemeClr val="tx2">
-                    <a:lumMod val="50000"/>
-                  </a:schemeClr>
-                </a:solidFill>
-                <a:latin typeface="나눔고딕" pitchFamily="50" charset="-127"/>
-                <a:ea typeface="나눔고딕" pitchFamily="50" charset="-127"/>
-              </a:rPr>
-              <a:t>시나리오</a:t>
-            </a:r>
-            <a:endParaRPr lang="ko-KR" altLang="en-US" sz="4400" b="1" dirty="0">
-              <a:solidFill>
-                <a:schemeClr val="tx2">
-                  <a:lumMod val="50000"/>
-                </a:schemeClr>
-              </a:solidFill>
-              <a:latin typeface="나눔고딕" pitchFamily="50" charset="-127"/>
-              <a:ea typeface="나눔고딕" pitchFamily="50" charset="-127"/>
-            </a:endParaRPr>
-          </a:p>
-        </p:txBody>
-      </p:sp>
       <p:grpSp>
         <p:nvGrpSpPr>
           <p:cNvPr id="5" name="그룹 4"/>
@@ -10751,7 +9216,7 @@
             <p:cNvPr id="15" name="직사각형 14">
               <a:extLst>
                 <a:ext uri="{FF2B5EF4-FFF2-40B4-BE49-F238E27FC236}">
-                  <a16:creationId xmlns:a16="http://schemas.microsoft.com/office/drawing/2014/main" xmlns="" id="{CA27B7D0-EBD9-4613-9D31-3E0F60E07C28}"/>
+                  <a16:creationId xmlns="" xmlns:a16="http://schemas.microsoft.com/office/drawing/2014/main" id="{CA27B7D0-EBD9-4613-9D31-3E0F60E07C28}"/>
                 </a:ext>
               </a:extLst>
             </p:cNvPr>
@@ -11492,7 +9957,7 @@
             <p:cNvPr id="23" name="TextBox 22">
               <a:extLst>
                 <a:ext uri="{FF2B5EF4-FFF2-40B4-BE49-F238E27FC236}">
-                  <a16:creationId xmlns:a16="http://schemas.microsoft.com/office/drawing/2014/main" xmlns="" id="{E294F02C-A92E-4996-9F46-8AB10287263A}"/>
+                  <a16:creationId xmlns="" xmlns:a16="http://schemas.microsoft.com/office/drawing/2014/main" id="{E294F02C-A92E-4996-9F46-8AB10287263A}"/>
                 </a:ext>
               </a:extLst>
             </p:cNvPr>
@@ -11609,7 +10074,7 @@
             <p:cNvPr id="24" name="직선 연결선 23">
               <a:extLst>
                 <a:ext uri="{FF2B5EF4-FFF2-40B4-BE49-F238E27FC236}">
-                  <a16:creationId xmlns:a16="http://schemas.microsoft.com/office/drawing/2014/main" xmlns="" id="{0BE537EE-66B6-4F46-A073-4D39CD9D7D92}"/>
+                  <a16:creationId xmlns="" xmlns:a16="http://schemas.microsoft.com/office/drawing/2014/main" id="{0BE537EE-66B6-4F46-A073-4D39CD9D7D92}"/>
                 </a:ext>
               </a:extLst>
             </p:cNvPr>
@@ -11654,7 +10119,7 @@
             <p:cNvPr id="25" name="TextBox 24">
               <a:extLst>
                 <a:ext uri="{FF2B5EF4-FFF2-40B4-BE49-F238E27FC236}">
-                  <a16:creationId xmlns:a16="http://schemas.microsoft.com/office/drawing/2014/main" xmlns="" id="{49623981-F273-400F-98FB-8969C4EAA720}"/>
+                  <a16:creationId xmlns="" xmlns:a16="http://schemas.microsoft.com/office/drawing/2014/main" id="{49623981-F273-400F-98FB-8969C4EAA720}"/>
                 </a:ext>
               </a:extLst>
             </p:cNvPr>
@@ -11766,7 +10231,7 @@
 </p:sld>
 </file>
 
-<file path=ppt/slides/slide17.xml><?xml version="1.0" encoding="utf-8"?>
+<file path=ppt/slides/slide15.xml><?xml version="1.0" encoding="utf-8"?>
 <p:sld xmlns:a="http://schemas.openxmlformats.org/drawingml/2006/main" xmlns:r="http://schemas.openxmlformats.org/officeDocument/2006/relationships" xmlns:p="http://schemas.openxmlformats.org/presentationml/2006/main">
   <p:cSld>
     <p:spTree>
@@ -11788,7 +10253,7 @@
           <p:cNvPr id="2" name="TextBox 1">
             <a:extLst>
               <a:ext uri="{FF2B5EF4-FFF2-40B4-BE49-F238E27FC236}">
-                <a16:creationId xmlns:a16="http://schemas.microsoft.com/office/drawing/2014/main" xmlns="" id="{31A5AC5C-D727-4084-9BA7-A2CDFEA8D97E}"/>
+                <a16:creationId xmlns="" xmlns:a16="http://schemas.microsoft.com/office/drawing/2014/main" id="{31A5AC5C-D727-4084-9BA7-A2CDFEA8D97E}"/>
               </a:ext>
             </a:extLst>
           </p:cNvPr>
@@ -11840,7 +10305,7 @@
           <p:cNvPr id="3" name="TextBox 2">
             <a:extLst>
               <a:ext uri="{FF2B5EF4-FFF2-40B4-BE49-F238E27FC236}">
-                <a16:creationId xmlns:a16="http://schemas.microsoft.com/office/drawing/2014/main" xmlns="" id="{1AF5377B-ADAB-436A-AF5E-3EE08A3BAC04}"/>
+                <a16:creationId xmlns="" xmlns:a16="http://schemas.microsoft.com/office/drawing/2014/main" id="{1AF5377B-ADAB-436A-AF5E-3EE08A3BAC04}"/>
               </a:ext>
             </a:extLst>
           </p:cNvPr>
@@ -11895,7 +10360,7 @@
           <p:cNvPr id="5" name="직사각형 4">
             <a:extLst>
               <a:ext uri="{FF2B5EF4-FFF2-40B4-BE49-F238E27FC236}">
-                <a16:creationId xmlns:a16="http://schemas.microsoft.com/office/drawing/2014/main" xmlns="" id="{F7EC1B8F-B43B-498E-B130-39B18DE49D5E}"/>
+                <a16:creationId xmlns="" xmlns:a16="http://schemas.microsoft.com/office/drawing/2014/main" id="{F7EC1B8F-B43B-498E-B130-39B18DE49D5E}"/>
               </a:ext>
             </a:extLst>
           </p:cNvPr>
@@ -12834,7 +11299,7 @@
 </p:sld>
 </file>
 
-<file path=ppt/slides/slide18.xml><?xml version="1.0" encoding="utf-8"?>
+<file path=ppt/slides/slide16.xml><?xml version="1.0" encoding="utf-8"?>
 <p:sld xmlns:a="http://schemas.openxmlformats.org/drawingml/2006/main" xmlns:r="http://schemas.openxmlformats.org/officeDocument/2006/relationships" xmlns:p="http://schemas.openxmlformats.org/presentationml/2006/main">
   <p:cSld>
     <p:spTree>
@@ -12856,7 +11321,7 @@
           <p:cNvPr id="21" name="직사각형 20">
             <a:extLst>
               <a:ext uri="{FF2B5EF4-FFF2-40B4-BE49-F238E27FC236}">
-                <a16:creationId xmlns:a16="http://schemas.microsoft.com/office/drawing/2014/main" xmlns="" id="{DA3295B1-C51B-4562-B50A-B91A54108E14}"/>
+                <a16:creationId xmlns="" xmlns:a16="http://schemas.microsoft.com/office/drawing/2014/main" id="{DA3295B1-C51B-4562-B50A-B91A54108E14}"/>
               </a:ext>
             </a:extLst>
           </p:cNvPr>
@@ -12908,7 +11373,7 @@
           <p:cNvPr id="2" name="TextBox 1">
             <a:extLst>
               <a:ext uri="{FF2B5EF4-FFF2-40B4-BE49-F238E27FC236}">
-                <a16:creationId xmlns:a16="http://schemas.microsoft.com/office/drawing/2014/main" xmlns="" id="{31A5AC5C-D727-4084-9BA7-A2CDFEA8D97E}"/>
+                <a16:creationId xmlns="" xmlns:a16="http://schemas.microsoft.com/office/drawing/2014/main" id="{31A5AC5C-D727-4084-9BA7-A2CDFEA8D97E}"/>
               </a:ext>
             </a:extLst>
           </p:cNvPr>
@@ -12960,7 +11425,7 @@
           <p:cNvPr id="3" name="TextBox 2">
             <a:extLst>
               <a:ext uri="{FF2B5EF4-FFF2-40B4-BE49-F238E27FC236}">
-                <a16:creationId xmlns:a16="http://schemas.microsoft.com/office/drawing/2014/main" xmlns="" id="{1AF5377B-ADAB-436A-AF5E-3EE08A3BAC04}"/>
+                <a16:creationId xmlns="" xmlns:a16="http://schemas.microsoft.com/office/drawing/2014/main" id="{1AF5377B-ADAB-436A-AF5E-3EE08A3BAC04}"/>
               </a:ext>
             </a:extLst>
           </p:cNvPr>
@@ -13024,7 +11489,7 @@
           <p:cNvPr id="8" name="화살표: 왼쪽/오른쪽/위쪽/아래쪽 7">
             <a:extLst>
               <a:ext uri="{FF2B5EF4-FFF2-40B4-BE49-F238E27FC236}">
-                <a16:creationId xmlns:a16="http://schemas.microsoft.com/office/drawing/2014/main" xmlns="" id="{A66CF545-FC95-4F8B-84BF-457D310B110F}"/>
+                <a16:creationId xmlns="" xmlns:a16="http://schemas.microsoft.com/office/drawing/2014/main" id="{A66CF545-FC95-4F8B-84BF-457D310B110F}"/>
               </a:ext>
             </a:extLst>
           </p:cNvPr>
@@ -13086,7 +11551,7 @@
           <p:cNvPr id="9" name="자유형: 도형 8">
             <a:extLst>
               <a:ext uri="{FF2B5EF4-FFF2-40B4-BE49-F238E27FC236}">
-                <a16:creationId xmlns:a16="http://schemas.microsoft.com/office/drawing/2014/main" xmlns="" id="{BBCD3977-56EF-4ECE-AE45-68FAAD17D69B}"/>
+                <a16:creationId xmlns="" xmlns:a16="http://schemas.microsoft.com/office/drawing/2014/main" id="{BBCD3977-56EF-4ECE-AE45-68FAAD17D69B}"/>
               </a:ext>
             </a:extLst>
           </p:cNvPr>
@@ -13253,7 +11718,7 @@
           <p:cNvPr id="10" name="자유형: 도형 9">
             <a:extLst>
               <a:ext uri="{FF2B5EF4-FFF2-40B4-BE49-F238E27FC236}">
-                <a16:creationId xmlns:a16="http://schemas.microsoft.com/office/drawing/2014/main" xmlns="" id="{BC094EF9-638E-47D5-878E-3CA9319979CD}"/>
+                <a16:creationId xmlns="" xmlns:a16="http://schemas.microsoft.com/office/drawing/2014/main" id="{BC094EF9-638E-47D5-878E-3CA9319979CD}"/>
               </a:ext>
             </a:extLst>
           </p:cNvPr>
@@ -13416,7 +11881,7 @@
           <p:cNvPr id="11" name="자유형: 도형 10">
             <a:extLst>
               <a:ext uri="{FF2B5EF4-FFF2-40B4-BE49-F238E27FC236}">
-                <a16:creationId xmlns:a16="http://schemas.microsoft.com/office/drawing/2014/main" xmlns="" id="{64694E24-F42D-436F-847A-801F979961F1}"/>
+                <a16:creationId xmlns="" xmlns:a16="http://schemas.microsoft.com/office/drawing/2014/main" id="{64694E24-F42D-436F-847A-801F979961F1}"/>
               </a:ext>
             </a:extLst>
           </p:cNvPr>
@@ -13579,7 +12044,7 @@
           <p:cNvPr id="16" name="자유형: 도형 15">
             <a:extLst>
               <a:ext uri="{FF2B5EF4-FFF2-40B4-BE49-F238E27FC236}">
-                <a16:creationId xmlns:a16="http://schemas.microsoft.com/office/drawing/2014/main" xmlns="" id="{853DAF57-F3EF-49B8-B175-11E77BC9617A}"/>
+                <a16:creationId xmlns="" xmlns:a16="http://schemas.microsoft.com/office/drawing/2014/main" id="{853DAF57-F3EF-49B8-B175-11E77BC9617A}"/>
               </a:ext>
             </a:extLst>
           </p:cNvPr>
@@ -13742,7 +12207,7 @@
           <p:cNvPr id="18" name="TextBox 17">
             <a:extLst>
               <a:ext uri="{FF2B5EF4-FFF2-40B4-BE49-F238E27FC236}">
-                <a16:creationId xmlns:a16="http://schemas.microsoft.com/office/drawing/2014/main" xmlns="" id="{A58FE1A7-E27C-48B0-8251-139B9D547520}"/>
+                <a16:creationId xmlns="" xmlns:a16="http://schemas.microsoft.com/office/drawing/2014/main" id="{A58FE1A7-E27C-48B0-8251-139B9D547520}"/>
               </a:ext>
             </a:extLst>
           </p:cNvPr>
@@ -13859,7 +12324,7 @@
           <p:cNvPr id="19" name="TextBox 18">
             <a:extLst>
               <a:ext uri="{FF2B5EF4-FFF2-40B4-BE49-F238E27FC236}">
-                <a16:creationId xmlns:a16="http://schemas.microsoft.com/office/drawing/2014/main" xmlns="" id="{AA95C253-8790-48B5-A58C-F17D810649CA}"/>
+                <a16:creationId xmlns="" xmlns:a16="http://schemas.microsoft.com/office/drawing/2014/main" id="{AA95C253-8790-48B5-A58C-F17D810649CA}"/>
               </a:ext>
             </a:extLst>
           </p:cNvPr>
@@ -14045,7 +12510,7 @@
           <p:cNvPr id="20" name="직선 연결선 19">
             <a:extLst>
               <a:ext uri="{FF2B5EF4-FFF2-40B4-BE49-F238E27FC236}">
-                <a16:creationId xmlns:a16="http://schemas.microsoft.com/office/drawing/2014/main" xmlns="" id="{E1750C7E-0415-4964-955E-CD4A12301413}"/>
+                <a16:creationId xmlns="" xmlns:a16="http://schemas.microsoft.com/office/drawing/2014/main" id="{E1750C7E-0415-4964-955E-CD4A12301413}"/>
               </a:ext>
             </a:extLst>
           </p:cNvPr>
@@ -14106,7 +12571,7 @@
 </p:sld>
 </file>
 
-<file path=ppt/slides/slide19.xml><?xml version="1.0" encoding="utf-8"?>
+<file path=ppt/slides/slide17.xml><?xml version="1.0" encoding="utf-8"?>
 <p:sld xmlns:a="http://schemas.openxmlformats.org/drawingml/2006/main" xmlns:r="http://schemas.openxmlformats.org/officeDocument/2006/relationships" xmlns:p="http://schemas.openxmlformats.org/presentationml/2006/main">
   <p:cSld>
     <p:spTree>
@@ -14128,7 +12593,7 @@
           <p:cNvPr id="21" name="직사각형 20">
             <a:extLst>
               <a:ext uri="{FF2B5EF4-FFF2-40B4-BE49-F238E27FC236}">
-                <a16:creationId xmlns:a16="http://schemas.microsoft.com/office/drawing/2014/main" xmlns="" id="{DA3295B1-C51B-4562-B50A-B91A54108E14}"/>
+                <a16:creationId xmlns="" xmlns:a16="http://schemas.microsoft.com/office/drawing/2014/main" id="{DA3295B1-C51B-4562-B50A-B91A54108E14}"/>
               </a:ext>
             </a:extLst>
           </p:cNvPr>
@@ -14180,7 +12645,7 @@
           <p:cNvPr id="2" name="TextBox 1">
             <a:extLst>
               <a:ext uri="{FF2B5EF4-FFF2-40B4-BE49-F238E27FC236}">
-                <a16:creationId xmlns:a16="http://schemas.microsoft.com/office/drawing/2014/main" xmlns="" id="{31A5AC5C-D727-4084-9BA7-A2CDFEA8D97E}"/>
+                <a16:creationId xmlns="" xmlns:a16="http://schemas.microsoft.com/office/drawing/2014/main" id="{31A5AC5C-D727-4084-9BA7-A2CDFEA8D97E}"/>
               </a:ext>
             </a:extLst>
           </p:cNvPr>
@@ -14232,7 +12697,7 @@
           <p:cNvPr id="3" name="TextBox 2">
             <a:extLst>
               <a:ext uri="{FF2B5EF4-FFF2-40B4-BE49-F238E27FC236}">
-                <a16:creationId xmlns:a16="http://schemas.microsoft.com/office/drawing/2014/main" xmlns="" id="{1AF5377B-ADAB-436A-AF5E-3EE08A3BAC04}"/>
+                <a16:creationId xmlns="" xmlns:a16="http://schemas.microsoft.com/office/drawing/2014/main" id="{1AF5377B-ADAB-436A-AF5E-3EE08A3BAC04}"/>
               </a:ext>
             </a:extLst>
           </p:cNvPr>
@@ -14296,7 +12761,7 @@
           <p:cNvPr id="8" name="화살표: 왼쪽/오른쪽/위쪽/아래쪽 7">
             <a:extLst>
               <a:ext uri="{FF2B5EF4-FFF2-40B4-BE49-F238E27FC236}">
-                <a16:creationId xmlns:a16="http://schemas.microsoft.com/office/drawing/2014/main" xmlns="" id="{A66CF545-FC95-4F8B-84BF-457D310B110F}"/>
+                <a16:creationId xmlns="" xmlns:a16="http://schemas.microsoft.com/office/drawing/2014/main" id="{A66CF545-FC95-4F8B-84BF-457D310B110F}"/>
               </a:ext>
             </a:extLst>
           </p:cNvPr>
@@ -14358,7 +12823,7 @@
           <p:cNvPr id="9" name="자유형: 도형 8">
             <a:extLst>
               <a:ext uri="{FF2B5EF4-FFF2-40B4-BE49-F238E27FC236}">
-                <a16:creationId xmlns:a16="http://schemas.microsoft.com/office/drawing/2014/main" xmlns="" id="{BBCD3977-56EF-4ECE-AE45-68FAAD17D69B}"/>
+                <a16:creationId xmlns="" xmlns:a16="http://schemas.microsoft.com/office/drawing/2014/main" id="{BBCD3977-56EF-4ECE-AE45-68FAAD17D69B}"/>
               </a:ext>
             </a:extLst>
           </p:cNvPr>
@@ -14521,7 +12986,7 @@
           <p:cNvPr id="10" name="자유형: 도형 9">
             <a:extLst>
               <a:ext uri="{FF2B5EF4-FFF2-40B4-BE49-F238E27FC236}">
-                <a16:creationId xmlns:a16="http://schemas.microsoft.com/office/drawing/2014/main" xmlns="" id="{BC094EF9-638E-47D5-878E-3CA9319979CD}"/>
+                <a16:creationId xmlns="" xmlns:a16="http://schemas.microsoft.com/office/drawing/2014/main" id="{BC094EF9-638E-47D5-878E-3CA9319979CD}"/>
               </a:ext>
             </a:extLst>
           </p:cNvPr>
@@ -14688,7 +13153,7 @@
           <p:cNvPr id="11" name="자유형: 도형 10">
             <a:extLst>
               <a:ext uri="{FF2B5EF4-FFF2-40B4-BE49-F238E27FC236}">
-                <a16:creationId xmlns:a16="http://schemas.microsoft.com/office/drawing/2014/main" xmlns="" id="{64694E24-F42D-436F-847A-801F979961F1}"/>
+                <a16:creationId xmlns="" xmlns:a16="http://schemas.microsoft.com/office/drawing/2014/main" id="{64694E24-F42D-436F-847A-801F979961F1}"/>
               </a:ext>
             </a:extLst>
           </p:cNvPr>
@@ -14851,7 +13316,7 @@
           <p:cNvPr id="16" name="자유형: 도형 15">
             <a:extLst>
               <a:ext uri="{FF2B5EF4-FFF2-40B4-BE49-F238E27FC236}">
-                <a16:creationId xmlns:a16="http://schemas.microsoft.com/office/drawing/2014/main" xmlns="" id="{853DAF57-F3EF-49B8-B175-11E77BC9617A}"/>
+                <a16:creationId xmlns="" xmlns:a16="http://schemas.microsoft.com/office/drawing/2014/main" id="{853DAF57-F3EF-49B8-B175-11E77BC9617A}"/>
               </a:ext>
             </a:extLst>
           </p:cNvPr>
@@ -15014,7 +13479,7 @@
           <p:cNvPr id="18" name="TextBox 17">
             <a:extLst>
               <a:ext uri="{FF2B5EF4-FFF2-40B4-BE49-F238E27FC236}">
-                <a16:creationId xmlns:a16="http://schemas.microsoft.com/office/drawing/2014/main" xmlns="" id="{A58FE1A7-E27C-48B0-8251-139B9D547520}"/>
+                <a16:creationId xmlns="" xmlns:a16="http://schemas.microsoft.com/office/drawing/2014/main" id="{A58FE1A7-E27C-48B0-8251-139B9D547520}"/>
               </a:ext>
             </a:extLst>
           </p:cNvPr>
@@ -15131,7 +13596,7 @@
           <p:cNvPr id="19" name="TextBox 18">
             <a:extLst>
               <a:ext uri="{FF2B5EF4-FFF2-40B4-BE49-F238E27FC236}">
-                <a16:creationId xmlns:a16="http://schemas.microsoft.com/office/drawing/2014/main" xmlns="" id="{AA95C253-8790-48B5-A58C-F17D810649CA}"/>
+                <a16:creationId xmlns="" xmlns:a16="http://schemas.microsoft.com/office/drawing/2014/main" id="{AA95C253-8790-48B5-A58C-F17D810649CA}"/>
               </a:ext>
             </a:extLst>
           </p:cNvPr>
@@ -15259,7 +13724,7 @@
           <p:cNvPr id="20" name="직선 연결선 19">
             <a:extLst>
               <a:ext uri="{FF2B5EF4-FFF2-40B4-BE49-F238E27FC236}">
-                <a16:creationId xmlns:a16="http://schemas.microsoft.com/office/drawing/2014/main" xmlns="" id="{E1750C7E-0415-4964-955E-CD4A12301413}"/>
+                <a16:creationId xmlns="" xmlns:a16="http://schemas.microsoft.com/office/drawing/2014/main" id="{E1750C7E-0415-4964-955E-CD4A12301413}"/>
               </a:ext>
             </a:extLst>
           </p:cNvPr>
@@ -15320,438 +13785,7 @@
 </p:sld>
 </file>
 
-<file path=ppt/slides/slide2.xml><?xml version="1.0" encoding="utf-8"?>
-<p:sld xmlns:a="http://schemas.openxmlformats.org/drawingml/2006/main" xmlns:r="http://schemas.openxmlformats.org/officeDocument/2006/relationships" xmlns:p="http://schemas.openxmlformats.org/presentationml/2006/main">
-  <p:cSld>
-    <p:spTree>
-      <p:nvGrpSpPr>
-        <p:cNvPr id="1" name=""/>
-        <p:cNvGrpSpPr/>
-        <p:nvPr/>
-      </p:nvGrpSpPr>
-      <p:grpSpPr>
-        <a:xfrm>
-          <a:off x="0" y="0"/>
-          <a:ext cx="0" cy="0"/>
-          <a:chOff x="0" y="0"/>
-          <a:chExt cx="0" cy="0"/>
-        </a:xfrm>
-      </p:grpSpPr>
-      <p:sp>
-        <p:nvSpPr>
-          <p:cNvPr id="3" name="TextBox 2">
-            <a:extLst>
-              <a:ext uri="{FF2B5EF4-FFF2-40B4-BE49-F238E27FC236}">
-                <a16:creationId xmlns:a16="http://schemas.microsoft.com/office/drawing/2014/main" xmlns="" id="{1AF5377B-ADAB-436A-AF5E-3EE08A3BAC04}"/>
-              </a:ext>
-            </a:extLst>
-          </p:cNvPr>
-          <p:cNvSpPr txBox="1"/>
-          <p:nvPr/>
-        </p:nvSpPr>
-        <p:spPr>
-          <a:xfrm>
-            <a:off x="2102484" y="321163"/>
-            <a:ext cx="1290738" cy="769441"/>
-          </a:xfrm>
-          <a:prstGeom prst="rect">
-            <a:avLst/>
-          </a:prstGeom>
-          <a:noFill/>
-        </p:spPr>
-        <p:txBody>
-          <a:bodyPr wrap="none" rtlCol="0">
-            <a:spAutoFit/>
-          </a:bodyPr>
-          <a:lstStyle/>
-          <a:p>
-            <a:r>
-              <a:rPr lang="ko-KR" altLang="en-US" sz="4400" b="1" dirty="0" smtClean="0">
-                <a:solidFill>
-                  <a:schemeClr val="tx2">
-                    <a:lumMod val="50000"/>
-                  </a:schemeClr>
-                </a:solidFill>
-                <a:latin typeface="나눔고딕" pitchFamily="50" charset="-127"/>
-                <a:ea typeface="나눔고딕" pitchFamily="50" charset="-127"/>
-              </a:rPr>
-              <a:t>목</a:t>
-            </a:r>
-            <a:r>
-              <a:rPr lang="ko-KR" altLang="en-US" sz="4400" b="1" dirty="0">
-                <a:solidFill>
-                  <a:schemeClr val="tx2">
-                    <a:lumMod val="50000"/>
-                  </a:schemeClr>
-                </a:solidFill>
-                <a:latin typeface="나눔고딕" pitchFamily="50" charset="-127"/>
-                <a:ea typeface="나눔고딕" pitchFamily="50" charset="-127"/>
-              </a:rPr>
-              <a:t>차</a:t>
-            </a:r>
-          </a:p>
-        </p:txBody>
-      </p:sp>
-      <p:sp>
-        <p:nvSpPr>
-          <p:cNvPr id="4" name="TextBox 3">
-            <a:extLst>
-              <a:ext uri="{FF2B5EF4-FFF2-40B4-BE49-F238E27FC236}">
-                <a16:creationId xmlns:a16="http://schemas.microsoft.com/office/drawing/2014/main" xmlns="" id="{B37C9F2A-B226-447A-BBA7-8625ED0EF60C}"/>
-              </a:ext>
-            </a:extLst>
-          </p:cNvPr>
-          <p:cNvSpPr txBox="1"/>
-          <p:nvPr/>
-        </p:nvSpPr>
-        <p:spPr>
-          <a:xfrm>
-            <a:off x="2102484" y="1054372"/>
-            <a:ext cx="2270173" cy="400110"/>
-          </a:xfrm>
-          <a:prstGeom prst="rect">
-            <a:avLst/>
-          </a:prstGeom>
-          <a:noFill/>
-        </p:spPr>
-        <p:txBody>
-          <a:bodyPr wrap="none" rtlCol="0">
-            <a:spAutoFit/>
-          </a:bodyPr>
-          <a:lstStyle/>
-          <a:p>
-            <a:r>
-              <a:rPr lang="ko-KR" altLang="en-US" sz="2000" dirty="0" smtClean="0">
-                <a:solidFill>
-                  <a:schemeClr val="bg2">
-                    <a:lumMod val="50000"/>
-                  </a:schemeClr>
-                </a:solidFill>
-                <a:latin typeface="나눔고딕" pitchFamily="50" charset="-127"/>
-                <a:ea typeface="나눔고딕" pitchFamily="50" charset="-127"/>
-              </a:rPr>
-              <a:t>경조사 </a:t>
-            </a:r>
-            <a:r>
-              <a:rPr lang="ko-KR" altLang="en-US" sz="2000" dirty="0" err="1" smtClean="0">
-                <a:solidFill>
-                  <a:schemeClr val="bg2">
-                    <a:lumMod val="50000"/>
-                  </a:schemeClr>
-                </a:solidFill>
-                <a:latin typeface="나눔고딕" pitchFamily="50" charset="-127"/>
-                <a:ea typeface="나눔고딕" pitchFamily="50" charset="-127"/>
-              </a:rPr>
-              <a:t>빌링</a:t>
-            </a:r>
-            <a:r>
-              <a:rPr lang="ko-KR" altLang="en-US" sz="2000" dirty="0" smtClean="0">
-                <a:solidFill>
-                  <a:schemeClr val="bg2">
-                    <a:lumMod val="50000"/>
-                  </a:schemeClr>
-                </a:solidFill>
-                <a:latin typeface="나눔고딕" pitchFamily="50" charset="-127"/>
-                <a:ea typeface="나눔고딕" pitchFamily="50" charset="-127"/>
-              </a:rPr>
-              <a:t> </a:t>
-            </a:r>
-            <a:r>
-              <a:rPr lang="en-US" altLang="ko-KR" sz="2000" dirty="0" smtClean="0">
-                <a:solidFill>
-                  <a:schemeClr val="bg2">
-                    <a:lumMod val="50000"/>
-                  </a:schemeClr>
-                </a:solidFill>
-                <a:latin typeface="나눔고딕" pitchFamily="50" charset="-127"/>
-                <a:ea typeface="나눔고딕" pitchFamily="50" charset="-127"/>
-              </a:rPr>
-              <a:t>&amp; </a:t>
-            </a:r>
-            <a:r>
-              <a:rPr lang="ko-KR" altLang="en-US" sz="2000" dirty="0" smtClean="0">
-                <a:solidFill>
-                  <a:schemeClr val="bg2">
-                    <a:lumMod val="50000"/>
-                  </a:schemeClr>
-                </a:solidFill>
-                <a:latin typeface="나눔고딕" pitchFamily="50" charset="-127"/>
-                <a:ea typeface="나눔고딕" pitchFamily="50" charset="-127"/>
-              </a:rPr>
-              <a:t>정산</a:t>
-            </a:r>
-            <a:endParaRPr lang="ko-KR" altLang="en-US" sz="2000" dirty="0">
-              <a:solidFill>
-                <a:schemeClr val="bg2">
-                  <a:lumMod val="50000"/>
-                </a:schemeClr>
-              </a:solidFill>
-              <a:latin typeface="나눔고딕" pitchFamily="50" charset="-127"/>
-              <a:ea typeface="나눔고딕" pitchFamily="50" charset="-127"/>
-            </a:endParaRPr>
-          </a:p>
-        </p:txBody>
-      </p:sp>
-      <p:sp>
-        <p:nvSpPr>
-          <p:cNvPr id="5" name="직사각형 4">
-            <a:extLst>
-              <a:ext uri="{FF2B5EF4-FFF2-40B4-BE49-F238E27FC236}">
-                <a16:creationId xmlns:a16="http://schemas.microsoft.com/office/drawing/2014/main" xmlns="" id="{F7EC1B8F-B43B-498E-B130-39B18DE49D5E}"/>
-              </a:ext>
-            </a:extLst>
-          </p:cNvPr>
-          <p:cNvSpPr/>
-          <p:nvPr/>
-        </p:nvSpPr>
-        <p:spPr>
-          <a:xfrm>
-            <a:off x="157019" y="1798584"/>
-            <a:ext cx="1865746" cy="4916252"/>
-          </a:xfrm>
-          <a:prstGeom prst="rect">
-            <a:avLst/>
-          </a:prstGeom>
-          <a:solidFill>
-            <a:srgbClr val="FEF3EC"/>
-          </a:solidFill>
-          <a:ln>
-            <a:noFill/>
-          </a:ln>
-        </p:spPr>
-        <p:style>
-          <a:lnRef idx="0">
-            <a:scrgbClr r="0" g="0" b="0"/>
-          </a:lnRef>
-          <a:fillRef idx="0">
-            <a:scrgbClr r="0" g="0" b="0"/>
-          </a:fillRef>
-          <a:effectRef idx="0">
-            <a:scrgbClr r="0" g="0" b="0"/>
-          </a:effectRef>
-          <a:fontRef idx="minor">
-            <a:schemeClr val="lt1"/>
-          </a:fontRef>
-        </p:style>
-        <p:txBody>
-          <a:bodyPr rtlCol="0" anchor="ctr"/>
-          <a:lstStyle/>
-          <a:p>
-            <a:pPr algn="ctr"/>
-            <a:endParaRPr lang="ko-KR" altLang="en-US"/>
-          </a:p>
-        </p:txBody>
-      </p:sp>
-      <p:sp>
-        <p:nvSpPr>
-          <p:cNvPr id="11" name="TextBox 10">
-            <a:extLst>
-              <a:ext uri="{FF2B5EF4-FFF2-40B4-BE49-F238E27FC236}">
-                <a16:creationId xmlns:a16="http://schemas.microsoft.com/office/drawing/2014/main" xmlns="" id="{772B8DA8-F095-4916-981E-62DE13CD89F7}"/>
-              </a:ext>
-            </a:extLst>
-          </p:cNvPr>
-          <p:cNvSpPr txBox="1"/>
-          <p:nvPr/>
-        </p:nvSpPr>
-        <p:spPr>
-          <a:xfrm>
-            <a:off x="2127708" y="2314561"/>
-            <a:ext cx="4874314" cy="3046988"/>
-          </a:xfrm>
-          <a:prstGeom prst="rect">
-            <a:avLst/>
-          </a:prstGeom>
-          <a:noFill/>
-        </p:spPr>
-        <p:txBody>
-          <a:bodyPr wrap="square" rtlCol="0">
-            <a:spAutoFit/>
-          </a:bodyPr>
-          <a:lstStyle/>
-          <a:p>
-            <a:pPr marL="514350" indent="-514350" algn="just">
-              <a:lnSpc>
-                <a:spcPct val="120000"/>
-              </a:lnSpc>
-              <a:buAutoNum type="arabicPeriod"/>
-            </a:pPr>
-            <a:r>
-              <a:rPr lang="ko-KR" altLang="en-US" sz="3200" b="1" dirty="0" smtClean="0">
-                <a:solidFill>
-                  <a:schemeClr val="bg2">
-                    <a:lumMod val="10000"/>
-                  </a:schemeClr>
-                </a:solidFill>
-                <a:latin typeface="나눔고딕" pitchFamily="50" charset="-127"/>
-                <a:ea typeface="나눔고딕" pitchFamily="50" charset="-127"/>
-              </a:rPr>
-              <a:t>개요</a:t>
-            </a:r>
-            <a:endParaRPr lang="en-US" altLang="ko-KR" sz="3200" b="1" dirty="0" smtClean="0">
-              <a:solidFill>
-                <a:schemeClr val="bg2">
-                  <a:lumMod val="10000"/>
-                </a:schemeClr>
-              </a:solidFill>
-              <a:latin typeface="나눔고딕" pitchFamily="50" charset="-127"/>
-              <a:ea typeface="나눔고딕" pitchFamily="50" charset="-127"/>
-            </a:endParaRPr>
-          </a:p>
-          <a:p>
-            <a:pPr marL="514350" indent="-514350" algn="just">
-              <a:lnSpc>
-                <a:spcPct val="120000"/>
-              </a:lnSpc>
-              <a:buAutoNum type="arabicPeriod"/>
-            </a:pPr>
-            <a:r>
-              <a:rPr lang="ko-KR" altLang="en-US" sz="3200" b="1" dirty="0" smtClean="0">
-                <a:solidFill>
-                  <a:schemeClr val="bg2">
-                    <a:lumMod val="10000"/>
-                  </a:schemeClr>
-                </a:solidFill>
-                <a:latin typeface="나눔고딕" pitchFamily="50" charset="-127"/>
-                <a:ea typeface="나눔고딕" pitchFamily="50" charset="-127"/>
-              </a:rPr>
-              <a:t>목적</a:t>
-            </a:r>
-            <a:endParaRPr lang="en-US" altLang="ko-KR" sz="3200" b="1" dirty="0" smtClean="0">
-              <a:solidFill>
-                <a:schemeClr val="bg2">
-                  <a:lumMod val="10000"/>
-                </a:schemeClr>
-              </a:solidFill>
-              <a:latin typeface="나눔고딕" pitchFamily="50" charset="-127"/>
-              <a:ea typeface="나눔고딕" pitchFamily="50" charset="-127"/>
-            </a:endParaRPr>
-          </a:p>
-          <a:p>
-            <a:pPr marL="514350" indent="-514350" algn="just">
-              <a:lnSpc>
-                <a:spcPct val="120000"/>
-              </a:lnSpc>
-              <a:buAutoNum type="arabicPeriod"/>
-            </a:pPr>
-            <a:r>
-              <a:rPr lang="ko-KR" altLang="en-US" sz="3200" b="1" dirty="0" smtClean="0">
-                <a:solidFill>
-                  <a:schemeClr val="bg2">
-                    <a:lumMod val="10000"/>
-                  </a:schemeClr>
-                </a:solidFill>
-                <a:latin typeface="나눔고딕" pitchFamily="50" charset="-127"/>
-                <a:ea typeface="나눔고딕" pitchFamily="50" charset="-127"/>
-              </a:rPr>
-              <a:t>시나리오</a:t>
-            </a:r>
-            <a:endParaRPr lang="en-US" altLang="ko-KR" sz="3200" b="1" dirty="0" smtClean="0">
-              <a:solidFill>
-                <a:schemeClr val="bg2">
-                  <a:lumMod val="10000"/>
-                </a:schemeClr>
-              </a:solidFill>
-              <a:latin typeface="나눔고딕" pitchFamily="50" charset="-127"/>
-              <a:ea typeface="나눔고딕" pitchFamily="50" charset="-127"/>
-            </a:endParaRPr>
-          </a:p>
-          <a:p>
-            <a:pPr marL="514350" indent="-514350" algn="just">
-              <a:lnSpc>
-                <a:spcPct val="120000"/>
-              </a:lnSpc>
-              <a:buAutoNum type="arabicPeriod"/>
-            </a:pPr>
-            <a:r>
-              <a:rPr lang="ko-KR" altLang="en-US" sz="3200" b="1" dirty="0" smtClean="0">
-                <a:solidFill>
-                  <a:schemeClr val="bg2">
-                    <a:lumMod val="10000"/>
-                  </a:schemeClr>
-                </a:solidFill>
-                <a:latin typeface="나눔고딕" pitchFamily="50" charset="-127"/>
-                <a:ea typeface="나눔고딕" pitchFamily="50" charset="-127"/>
-              </a:rPr>
-              <a:t>수익구조</a:t>
-            </a:r>
-            <a:endParaRPr lang="en-US" altLang="ko-KR" sz="3200" b="1" dirty="0" smtClean="0">
-              <a:solidFill>
-                <a:schemeClr val="bg2">
-                  <a:lumMod val="10000"/>
-                </a:schemeClr>
-              </a:solidFill>
-              <a:latin typeface="나눔고딕" pitchFamily="50" charset="-127"/>
-              <a:ea typeface="나눔고딕" pitchFamily="50" charset="-127"/>
-            </a:endParaRPr>
-          </a:p>
-          <a:p>
-            <a:pPr marL="514350" indent="-514350" algn="just">
-              <a:lnSpc>
-                <a:spcPct val="120000"/>
-              </a:lnSpc>
-              <a:buAutoNum type="arabicPeriod"/>
-            </a:pPr>
-            <a:r>
-              <a:rPr lang="en-US" altLang="ko-KR" sz="3200" b="1" dirty="0" smtClean="0">
-                <a:solidFill>
-                  <a:schemeClr val="bg2">
-                    <a:lumMod val="10000"/>
-                  </a:schemeClr>
-                </a:solidFill>
-                <a:latin typeface="나눔고딕" pitchFamily="50" charset="-127"/>
-                <a:ea typeface="나눔고딕" pitchFamily="50" charset="-127"/>
-              </a:rPr>
-              <a:t>SWOT </a:t>
-            </a:r>
-            <a:r>
-              <a:rPr lang="ko-KR" altLang="en-US" sz="3200" b="1" dirty="0" smtClean="0">
-                <a:solidFill>
-                  <a:schemeClr val="bg2">
-                    <a:lumMod val="10000"/>
-                  </a:schemeClr>
-                </a:solidFill>
-                <a:latin typeface="나눔고딕" pitchFamily="50" charset="-127"/>
-                <a:ea typeface="나눔고딕" pitchFamily="50" charset="-127"/>
-              </a:rPr>
-              <a:t>분석</a:t>
-            </a:r>
-            <a:endParaRPr lang="en-US" altLang="ko-KR" sz="3200" b="1" dirty="0" smtClean="0">
-              <a:solidFill>
-                <a:schemeClr val="bg2">
-                  <a:lumMod val="10000"/>
-                </a:schemeClr>
-              </a:solidFill>
-              <a:latin typeface="나눔고딕" pitchFamily="50" charset="-127"/>
-              <a:ea typeface="나눔고딕" pitchFamily="50" charset="-127"/>
-            </a:endParaRPr>
-          </a:p>
-        </p:txBody>
-      </p:sp>
-    </p:spTree>
-    <p:extLst>
-      <p:ext uri="{BB962C8B-B14F-4D97-AF65-F5344CB8AC3E}">
-        <p14:creationId xmlns:p14="http://schemas.microsoft.com/office/powerpoint/2010/main" val="455184247"/>
-      </p:ext>
-    </p:extLst>
-  </p:cSld>
-  <p:clrMapOvr>
-    <a:masterClrMapping/>
-  </p:clrMapOvr>
-  <p:transition spd="slow">
-    <p:fade/>
-  </p:transition>
-  <p:timing>
-    <p:tnLst>
-      <p:par>
-        <p:cTn id="1" dur="indefinite" restart="never" nodeType="tmRoot"/>
-      </p:par>
-    </p:tnLst>
-  </p:timing>
-</p:sld>
-</file>
-
-<file path=ppt/slides/slide20.xml><?xml version="1.0" encoding="utf-8"?>
+<file path=ppt/slides/slide18.xml><?xml version="1.0" encoding="utf-8"?>
 <p:sld xmlns:a="http://schemas.openxmlformats.org/drawingml/2006/main" xmlns:r="http://schemas.openxmlformats.org/officeDocument/2006/relationships" xmlns:p="http://schemas.openxmlformats.org/presentationml/2006/main">
   <p:cSld>
     <p:spTree>
@@ -15773,7 +13807,7 @@
           <p:cNvPr id="21" name="직사각형 20">
             <a:extLst>
               <a:ext uri="{FF2B5EF4-FFF2-40B4-BE49-F238E27FC236}">
-                <a16:creationId xmlns:a16="http://schemas.microsoft.com/office/drawing/2014/main" xmlns="" id="{DA3295B1-C51B-4562-B50A-B91A54108E14}"/>
+                <a16:creationId xmlns="" xmlns:a16="http://schemas.microsoft.com/office/drawing/2014/main" id="{DA3295B1-C51B-4562-B50A-B91A54108E14}"/>
               </a:ext>
             </a:extLst>
           </p:cNvPr>
@@ -15825,7 +13859,7 @@
           <p:cNvPr id="2" name="TextBox 1">
             <a:extLst>
               <a:ext uri="{FF2B5EF4-FFF2-40B4-BE49-F238E27FC236}">
-                <a16:creationId xmlns:a16="http://schemas.microsoft.com/office/drawing/2014/main" xmlns="" id="{31A5AC5C-D727-4084-9BA7-A2CDFEA8D97E}"/>
+                <a16:creationId xmlns="" xmlns:a16="http://schemas.microsoft.com/office/drawing/2014/main" id="{31A5AC5C-D727-4084-9BA7-A2CDFEA8D97E}"/>
               </a:ext>
             </a:extLst>
           </p:cNvPr>
@@ -15877,7 +13911,7 @@
           <p:cNvPr id="3" name="TextBox 2">
             <a:extLst>
               <a:ext uri="{FF2B5EF4-FFF2-40B4-BE49-F238E27FC236}">
-                <a16:creationId xmlns:a16="http://schemas.microsoft.com/office/drawing/2014/main" xmlns="" id="{1AF5377B-ADAB-436A-AF5E-3EE08A3BAC04}"/>
+                <a16:creationId xmlns="" xmlns:a16="http://schemas.microsoft.com/office/drawing/2014/main" id="{1AF5377B-ADAB-436A-AF5E-3EE08A3BAC04}"/>
               </a:ext>
             </a:extLst>
           </p:cNvPr>
@@ -15941,7 +13975,7 @@
           <p:cNvPr id="8" name="화살표: 왼쪽/오른쪽/위쪽/아래쪽 7">
             <a:extLst>
               <a:ext uri="{FF2B5EF4-FFF2-40B4-BE49-F238E27FC236}">
-                <a16:creationId xmlns:a16="http://schemas.microsoft.com/office/drawing/2014/main" xmlns="" id="{A66CF545-FC95-4F8B-84BF-457D310B110F}"/>
+                <a16:creationId xmlns="" xmlns:a16="http://schemas.microsoft.com/office/drawing/2014/main" id="{A66CF545-FC95-4F8B-84BF-457D310B110F}"/>
               </a:ext>
             </a:extLst>
           </p:cNvPr>
@@ -16003,7 +14037,7 @@
           <p:cNvPr id="9" name="자유형: 도형 8">
             <a:extLst>
               <a:ext uri="{FF2B5EF4-FFF2-40B4-BE49-F238E27FC236}">
-                <a16:creationId xmlns:a16="http://schemas.microsoft.com/office/drawing/2014/main" xmlns="" id="{BBCD3977-56EF-4ECE-AE45-68FAAD17D69B}"/>
+                <a16:creationId xmlns="" xmlns:a16="http://schemas.microsoft.com/office/drawing/2014/main" id="{BBCD3977-56EF-4ECE-AE45-68FAAD17D69B}"/>
               </a:ext>
             </a:extLst>
           </p:cNvPr>
@@ -16166,7 +14200,7 @@
           <p:cNvPr id="10" name="자유형: 도형 9">
             <a:extLst>
               <a:ext uri="{FF2B5EF4-FFF2-40B4-BE49-F238E27FC236}">
-                <a16:creationId xmlns:a16="http://schemas.microsoft.com/office/drawing/2014/main" xmlns="" id="{BC094EF9-638E-47D5-878E-3CA9319979CD}"/>
+                <a16:creationId xmlns="" xmlns:a16="http://schemas.microsoft.com/office/drawing/2014/main" id="{BC094EF9-638E-47D5-878E-3CA9319979CD}"/>
               </a:ext>
             </a:extLst>
           </p:cNvPr>
@@ -16329,7 +14363,7 @@
           <p:cNvPr id="11" name="자유형: 도형 10">
             <a:extLst>
               <a:ext uri="{FF2B5EF4-FFF2-40B4-BE49-F238E27FC236}">
-                <a16:creationId xmlns:a16="http://schemas.microsoft.com/office/drawing/2014/main" xmlns="" id="{64694E24-F42D-436F-847A-801F979961F1}"/>
+                <a16:creationId xmlns="" xmlns:a16="http://schemas.microsoft.com/office/drawing/2014/main" id="{64694E24-F42D-436F-847A-801F979961F1}"/>
               </a:ext>
             </a:extLst>
           </p:cNvPr>
@@ -16496,7 +14530,7 @@
           <p:cNvPr id="16" name="자유형: 도형 15">
             <a:extLst>
               <a:ext uri="{FF2B5EF4-FFF2-40B4-BE49-F238E27FC236}">
-                <a16:creationId xmlns:a16="http://schemas.microsoft.com/office/drawing/2014/main" xmlns="" id="{853DAF57-F3EF-49B8-B175-11E77BC9617A}"/>
+                <a16:creationId xmlns="" xmlns:a16="http://schemas.microsoft.com/office/drawing/2014/main" id="{853DAF57-F3EF-49B8-B175-11E77BC9617A}"/>
               </a:ext>
             </a:extLst>
           </p:cNvPr>
@@ -16659,7 +14693,7 @@
           <p:cNvPr id="18" name="TextBox 17">
             <a:extLst>
               <a:ext uri="{FF2B5EF4-FFF2-40B4-BE49-F238E27FC236}">
-                <a16:creationId xmlns:a16="http://schemas.microsoft.com/office/drawing/2014/main" xmlns="" id="{A58FE1A7-E27C-48B0-8251-139B9D547520}"/>
+                <a16:creationId xmlns="" xmlns:a16="http://schemas.microsoft.com/office/drawing/2014/main" id="{A58FE1A7-E27C-48B0-8251-139B9D547520}"/>
               </a:ext>
             </a:extLst>
           </p:cNvPr>
@@ -16776,7 +14810,7 @@
           <p:cNvPr id="19" name="TextBox 18">
             <a:extLst>
               <a:ext uri="{FF2B5EF4-FFF2-40B4-BE49-F238E27FC236}">
-                <a16:creationId xmlns:a16="http://schemas.microsoft.com/office/drawing/2014/main" xmlns="" id="{AA95C253-8790-48B5-A58C-F17D810649CA}"/>
+                <a16:creationId xmlns="" xmlns:a16="http://schemas.microsoft.com/office/drawing/2014/main" id="{AA95C253-8790-48B5-A58C-F17D810649CA}"/>
               </a:ext>
             </a:extLst>
           </p:cNvPr>
@@ -16960,7 +14994,7 @@
           <p:cNvPr id="20" name="직선 연결선 19">
             <a:extLst>
               <a:ext uri="{FF2B5EF4-FFF2-40B4-BE49-F238E27FC236}">
-                <a16:creationId xmlns:a16="http://schemas.microsoft.com/office/drawing/2014/main" xmlns="" id="{E1750C7E-0415-4964-955E-CD4A12301413}"/>
+                <a16:creationId xmlns="" xmlns:a16="http://schemas.microsoft.com/office/drawing/2014/main" id="{E1750C7E-0415-4964-955E-CD4A12301413}"/>
               </a:ext>
             </a:extLst>
           </p:cNvPr>
@@ -17021,7 +15055,7 @@
 </p:sld>
 </file>
 
-<file path=ppt/slides/slide21.xml><?xml version="1.0" encoding="utf-8"?>
+<file path=ppt/slides/slide19.xml><?xml version="1.0" encoding="utf-8"?>
 <p:sld xmlns:a="http://schemas.openxmlformats.org/drawingml/2006/main" xmlns:r="http://schemas.openxmlformats.org/officeDocument/2006/relationships" xmlns:p="http://schemas.openxmlformats.org/presentationml/2006/main">
   <p:cSld>
     <p:spTree>
@@ -17043,7 +15077,7 @@
           <p:cNvPr id="21" name="직사각형 20">
             <a:extLst>
               <a:ext uri="{FF2B5EF4-FFF2-40B4-BE49-F238E27FC236}">
-                <a16:creationId xmlns:a16="http://schemas.microsoft.com/office/drawing/2014/main" xmlns="" id="{DA3295B1-C51B-4562-B50A-B91A54108E14}"/>
+                <a16:creationId xmlns="" xmlns:a16="http://schemas.microsoft.com/office/drawing/2014/main" id="{DA3295B1-C51B-4562-B50A-B91A54108E14}"/>
               </a:ext>
             </a:extLst>
           </p:cNvPr>
@@ -17095,7 +15129,7 @@
           <p:cNvPr id="2" name="TextBox 1">
             <a:extLst>
               <a:ext uri="{FF2B5EF4-FFF2-40B4-BE49-F238E27FC236}">
-                <a16:creationId xmlns:a16="http://schemas.microsoft.com/office/drawing/2014/main" xmlns="" id="{31A5AC5C-D727-4084-9BA7-A2CDFEA8D97E}"/>
+                <a16:creationId xmlns="" xmlns:a16="http://schemas.microsoft.com/office/drawing/2014/main" id="{31A5AC5C-D727-4084-9BA7-A2CDFEA8D97E}"/>
               </a:ext>
             </a:extLst>
           </p:cNvPr>
@@ -17147,7 +15181,7 @@
           <p:cNvPr id="3" name="TextBox 2">
             <a:extLst>
               <a:ext uri="{FF2B5EF4-FFF2-40B4-BE49-F238E27FC236}">
-                <a16:creationId xmlns:a16="http://schemas.microsoft.com/office/drawing/2014/main" xmlns="" id="{1AF5377B-ADAB-436A-AF5E-3EE08A3BAC04}"/>
+                <a16:creationId xmlns="" xmlns:a16="http://schemas.microsoft.com/office/drawing/2014/main" id="{1AF5377B-ADAB-436A-AF5E-3EE08A3BAC04}"/>
               </a:ext>
             </a:extLst>
           </p:cNvPr>
@@ -17211,7 +15245,7 @@
           <p:cNvPr id="8" name="화살표: 왼쪽/오른쪽/위쪽/아래쪽 7">
             <a:extLst>
               <a:ext uri="{FF2B5EF4-FFF2-40B4-BE49-F238E27FC236}">
-                <a16:creationId xmlns:a16="http://schemas.microsoft.com/office/drawing/2014/main" xmlns="" id="{A66CF545-FC95-4F8B-84BF-457D310B110F}"/>
+                <a16:creationId xmlns="" xmlns:a16="http://schemas.microsoft.com/office/drawing/2014/main" id="{A66CF545-FC95-4F8B-84BF-457D310B110F}"/>
               </a:ext>
             </a:extLst>
           </p:cNvPr>
@@ -17273,7 +15307,7 @@
           <p:cNvPr id="9" name="자유형: 도형 8">
             <a:extLst>
               <a:ext uri="{FF2B5EF4-FFF2-40B4-BE49-F238E27FC236}">
-                <a16:creationId xmlns:a16="http://schemas.microsoft.com/office/drawing/2014/main" xmlns="" id="{BBCD3977-56EF-4ECE-AE45-68FAAD17D69B}"/>
+                <a16:creationId xmlns="" xmlns:a16="http://schemas.microsoft.com/office/drawing/2014/main" id="{BBCD3977-56EF-4ECE-AE45-68FAAD17D69B}"/>
               </a:ext>
             </a:extLst>
           </p:cNvPr>
@@ -17436,7 +15470,7 @@
           <p:cNvPr id="10" name="자유형: 도형 9">
             <a:extLst>
               <a:ext uri="{FF2B5EF4-FFF2-40B4-BE49-F238E27FC236}">
-                <a16:creationId xmlns:a16="http://schemas.microsoft.com/office/drawing/2014/main" xmlns="" id="{BC094EF9-638E-47D5-878E-3CA9319979CD}"/>
+                <a16:creationId xmlns="" xmlns:a16="http://schemas.microsoft.com/office/drawing/2014/main" id="{BC094EF9-638E-47D5-878E-3CA9319979CD}"/>
               </a:ext>
             </a:extLst>
           </p:cNvPr>
@@ -17599,7 +15633,7 @@
           <p:cNvPr id="11" name="자유형: 도형 10">
             <a:extLst>
               <a:ext uri="{FF2B5EF4-FFF2-40B4-BE49-F238E27FC236}">
-                <a16:creationId xmlns:a16="http://schemas.microsoft.com/office/drawing/2014/main" xmlns="" id="{64694E24-F42D-436F-847A-801F979961F1}"/>
+                <a16:creationId xmlns="" xmlns:a16="http://schemas.microsoft.com/office/drawing/2014/main" id="{64694E24-F42D-436F-847A-801F979961F1}"/>
               </a:ext>
             </a:extLst>
           </p:cNvPr>
@@ -17762,7 +15796,7 @@
           <p:cNvPr id="16" name="자유형: 도형 15">
             <a:extLst>
               <a:ext uri="{FF2B5EF4-FFF2-40B4-BE49-F238E27FC236}">
-                <a16:creationId xmlns:a16="http://schemas.microsoft.com/office/drawing/2014/main" xmlns="" id="{853DAF57-F3EF-49B8-B175-11E77BC9617A}"/>
+                <a16:creationId xmlns="" xmlns:a16="http://schemas.microsoft.com/office/drawing/2014/main" id="{853DAF57-F3EF-49B8-B175-11E77BC9617A}"/>
               </a:ext>
             </a:extLst>
           </p:cNvPr>
@@ -17929,7 +15963,7 @@
           <p:cNvPr id="18" name="TextBox 17">
             <a:extLst>
               <a:ext uri="{FF2B5EF4-FFF2-40B4-BE49-F238E27FC236}">
-                <a16:creationId xmlns:a16="http://schemas.microsoft.com/office/drawing/2014/main" xmlns="" id="{A58FE1A7-E27C-48B0-8251-139B9D547520}"/>
+                <a16:creationId xmlns="" xmlns:a16="http://schemas.microsoft.com/office/drawing/2014/main" id="{A58FE1A7-E27C-48B0-8251-139B9D547520}"/>
               </a:ext>
             </a:extLst>
           </p:cNvPr>
@@ -18046,7 +16080,7 @@
           <p:cNvPr id="19" name="TextBox 18">
             <a:extLst>
               <a:ext uri="{FF2B5EF4-FFF2-40B4-BE49-F238E27FC236}">
-                <a16:creationId xmlns:a16="http://schemas.microsoft.com/office/drawing/2014/main" xmlns="" id="{AA95C253-8790-48B5-A58C-F17D810649CA}"/>
+                <a16:creationId xmlns="" xmlns:a16="http://schemas.microsoft.com/office/drawing/2014/main" id="{AA95C253-8790-48B5-A58C-F17D810649CA}"/>
               </a:ext>
             </a:extLst>
           </p:cNvPr>
@@ -18157,7 +16191,7 @@
           <p:cNvPr id="20" name="직선 연결선 19">
             <a:extLst>
               <a:ext uri="{FF2B5EF4-FFF2-40B4-BE49-F238E27FC236}">
-                <a16:creationId xmlns:a16="http://schemas.microsoft.com/office/drawing/2014/main" xmlns="" id="{E1750C7E-0415-4964-955E-CD4A12301413}"/>
+                <a16:creationId xmlns="" xmlns:a16="http://schemas.microsoft.com/office/drawing/2014/main" id="{E1750C7E-0415-4964-955E-CD4A12301413}"/>
               </a:ext>
             </a:extLst>
           </p:cNvPr>
@@ -18218,7 +16252,438 @@
 </p:sld>
 </file>
 
-<file path=ppt/slides/slide22.xml><?xml version="1.0" encoding="utf-8"?>
+<file path=ppt/slides/slide2.xml><?xml version="1.0" encoding="utf-8"?>
+<p:sld xmlns:a="http://schemas.openxmlformats.org/drawingml/2006/main" xmlns:r="http://schemas.openxmlformats.org/officeDocument/2006/relationships" xmlns:p="http://schemas.openxmlformats.org/presentationml/2006/main">
+  <p:cSld>
+    <p:spTree>
+      <p:nvGrpSpPr>
+        <p:cNvPr id="1" name=""/>
+        <p:cNvGrpSpPr/>
+        <p:nvPr/>
+      </p:nvGrpSpPr>
+      <p:grpSpPr>
+        <a:xfrm>
+          <a:off x="0" y="0"/>
+          <a:ext cx="0" cy="0"/>
+          <a:chOff x="0" y="0"/>
+          <a:chExt cx="0" cy="0"/>
+        </a:xfrm>
+      </p:grpSpPr>
+      <p:sp>
+        <p:nvSpPr>
+          <p:cNvPr id="3" name="TextBox 2">
+            <a:extLst>
+              <a:ext uri="{FF2B5EF4-FFF2-40B4-BE49-F238E27FC236}">
+                <a16:creationId xmlns="" xmlns:a16="http://schemas.microsoft.com/office/drawing/2014/main" id="{1AF5377B-ADAB-436A-AF5E-3EE08A3BAC04}"/>
+              </a:ext>
+            </a:extLst>
+          </p:cNvPr>
+          <p:cNvSpPr txBox="1"/>
+          <p:nvPr/>
+        </p:nvSpPr>
+        <p:spPr>
+          <a:xfrm>
+            <a:off x="2102484" y="321163"/>
+            <a:ext cx="1290738" cy="769441"/>
+          </a:xfrm>
+          <a:prstGeom prst="rect">
+            <a:avLst/>
+          </a:prstGeom>
+          <a:noFill/>
+        </p:spPr>
+        <p:txBody>
+          <a:bodyPr wrap="none" rtlCol="0">
+            <a:spAutoFit/>
+          </a:bodyPr>
+          <a:lstStyle/>
+          <a:p>
+            <a:r>
+              <a:rPr lang="ko-KR" altLang="en-US" sz="4400" b="1" dirty="0" smtClean="0">
+                <a:solidFill>
+                  <a:schemeClr val="tx2">
+                    <a:lumMod val="50000"/>
+                  </a:schemeClr>
+                </a:solidFill>
+                <a:latin typeface="나눔고딕" pitchFamily="50" charset="-127"/>
+                <a:ea typeface="나눔고딕" pitchFamily="50" charset="-127"/>
+              </a:rPr>
+              <a:t>목</a:t>
+            </a:r>
+            <a:r>
+              <a:rPr lang="ko-KR" altLang="en-US" sz="4400" b="1" dirty="0">
+                <a:solidFill>
+                  <a:schemeClr val="tx2">
+                    <a:lumMod val="50000"/>
+                  </a:schemeClr>
+                </a:solidFill>
+                <a:latin typeface="나눔고딕" pitchFamily="50" charset="-127"/>
+                <a:ea typeface="나눔고딕" pitchFamily="50" charset="-127"/>
+              </a:rPr>
+              <a:t>차</a:t>
+            </a:r>
+          </a:p>
+        </p:txBody>
+      </p:sp>
+      <p:sp>
+        <p:nvSpPr>
+          <p:cNvPr id="4" name="TextBox 3">
+            <a:extLst>
+              <a:ext uri="{FF2B5EF4-FFF2-40B4-BE49-F238E27FC236}">
+                <a16:creationId xmlns="" xmlns:a16="http://schemas.microsoft.com/office/drawing/2014/main" id="{B37C9F2A-B226-447A-BBA7-8625ED0EF60C}"/>
+              </a:ext>
+            </a:extLst>
+          </p:cNvPr>
+          <p:cNvSpPr txBox="1"/>
+          <p:nvPr/>
+        </p:nvSpPr>
+        <p:spPr>
+          <a:xfrm>
+            <a:off x="2102484" y="1054372"/>
+            <a:ext cx="2270173" cy="400110"/>
+          </a:xfrm>
+          <a:prstGeom prst="rect">
+            <a:avLst/>
+          </a:prstGeom>
+          <a:noFill/>
+        </p:spPr>
+        <p:txBody>
+          <a:bodyPr wrap="none" rtlCol="0">
+            <a:spAutoFit/>
+          </a:bodyPr>
+          <a:lstStyle/>
+          <a:p>
+            <a:r>
+              <a:rPr lang="ko-KR" altLang="en-US" sz="2000" dirty="0" smtClean="0">
+                <a:solidFill>
+                  <a:schemeClr val="bg2">
+                    <a:lumMod val="50000"/>
+                  </a:schemeClr>
+                </a:solidFill>
+                <a:latin typeface="나눔고딕" pitchFamily="50" charset="-127"/>
+                <a:ea typeface="나눔고딕" pitchFamily="50" charset="-127"/>
+              </a:rPr>
+              <a:t>경조사 </a:t>
+            </a:r>
+            <a:r>
+              <a:rPr lang="ko-KR" altLang="en-US" sz="2000" dirty="0" err="1" smtClean="0">
+                <a:solidFill>
+                  <a:schemeClr val="bg2">
+                    <a:lumMod val="50000"/>
+                  </a:schemeClr>
+                </a:solidFill>
+                <a:latin typeface="나눔고딕" pitchFamily="50" charset="-127"/>
+                <a:ea typeface="나눔고딕" pitchFamily="50" charset="-127"/>
+              </a:rPr>
+              <a:t>빌링</a:t>
+            </a:r>
+            <a:r>
+              <a:rPr lang="ko-KR" altLang="en-US" sz="2000" dirty="0" smtClean="0">
+                <a:solidFill>
+                  <a:schemeClr val="bg2">
+                    <a:lumMod val="50000"/>
+                  </a:schemeClr>
+                </a:solidFill>
+                <a:latin typeface="나눔고딕" pitchFamily="50" charset="-127"/>
+                <a:ea typeface="나눔고딕" pitchFamily="50" charset="-127"/>
+              </a:rPr>
+              <a:t> </a:t>
+            </a:r>
+            <a:r>
+              <a:rPr lang="en-US" altLang="ko-KR" sz="2000" dirty="0" smtClean="0">
+                <a:solidFill>
+                  <a:schemeClr val="bg2">
+                    <a:lumMod val="50000"/>
+                  </a:schemeClr>
+                </a:solidFill>
+                <a:latin typeface="나눔고딕" pitchFamily="50" charset="-127"/>
+                <a:ea typeface="나눔고딕" pitchFamily="50" charset="-127"/>
+              </a:rPr>
+              <a:t>&amp; </a:t>
+            </a:r>
+            <a:r>
+              <a:rPr lang="ko-KR" altLang="en-US" sz="2000" dirty="0" smtClean="0">
+                <a:solidFill>
+                  <a:schemeClr val="bg2">
+                    <a:lumMod val="50000"/>
+                  </a:schemeClr>
+                </a:solidFill>
+                <a:latin typeface="나눔고딕" pitchFamily="50" charset="-127"/>
+                <a:ea typeface="나눔고딕" pitchFamily="50" charset="-127"/>
+              </a:rPr>
+              <a:t>정산</a:t>
+            </a:r>
+            <a:endParaRPr lang="ko-KR" altLang="en-US" sz="2000" dirty="0">
+              <a:solidFill>
+                <a:schemeClr val="bg2">
+                  <a:lumMod val="50000"/>
+                </a:schemeClr>
+              </a:solidFill>
+              <a:latin typeface="나눔고딕" pitchFamily="50" charset="-127"/>
+              <a:ea typeface="나눔고딕" pitchFamily="50" charset="-127"/>
+            </a:endParaRPr>
+          </a:p>
+        </p:txBody>
+      </p:sp>
+      <p:sp>
+        <p:nvSpPr>
+          <p:cNvPr id="5" name="직사각형 4">
+            <a:extLst>
+              <a:ext uri="{FF2B5EF4-FFF2-40B4-BE49-F238E27FC236}">
+                <a16:creationId xmlns="" xmlns:a16="http://schemas.microsoft.com/office/drawing/2014/main" id="{F7EC1B8F-B43B-498E-B130-39B18DE49D5E}"/>
+              </a:ext>
+            </a:extLst>
+          </p:cNvPr>
+          <p:cNvSpPr/>
+          <p:nvPr/>
+        </p:nvSpPr>
+        <p:spPr>
+          <a:xfrm>
+            <a:off x="157019" y="1798584"/>
+            <a:ext cx="1865746" cy="4916252"/>
+          </a:xfrm>
+          <a:prstGeom prst="rect">
+            <a:avLst/>
+          </a:prstGeom>
+          <a:solidFill>
+            <a:srgbClr val="FEF3EC"/>
+          </a:solidFill>
+          <a:ln>
+            <a:noFill/>
+          </a:ln>
+        </p:spPr>
+        <p:style>
+          <a:lnRef idx="0">
+            <a:scrgbClr r="0" g="0" b="0"/>
+          </a:lnRef>
+          <a:fillRef idx="0">
+            <a:scrgbClr r="0" g="0" b="0"/>
+          </a:fillRef>
+          <a:effectRef idx="0">
+            <a:scrgbClr r="0" g="0" b="0"/>
+          </a:effectRef>
+          <a:fontRef idx="minor">
+            <a:schemeClr val="lt1"/>
+          </a:fontRef>
+        </p:style>
+        <p:txBody>
+          <a:bodyPr rtlCol="0" anchor="ctr"/>
+          <a:lstStyle/>
+          <a:p>
+            <a:pPr algn="ctr"/>
+            <a:endParaRPr lang="ko-KR" altLang="en-US"/>
+          </a:p>
+        </p:txBody>
+      </p:sp>
+      <p:sp>
+        <p:nvSpPr>
+          <p:cNvPr id="11" name="TextBox 10">
+            <a:extLst>
+              <a:ext uri="{FF2B5EF4-FFF2-40B4-BE49-F238E27FC236}">
+                <a16:creationId xmlns="" xmlns:a16="http://schemas.microsoft.com/office/drawing/2014/main" id="{772B8DA8-F095-4916-981E-62DE13CD89F7}"/>
+              </a:ext>
+            </a:extLst>
+          </p:cNvPr>
+          <p:cNvSpPr txBox="1"/>
+          <p:nvPr/>
+        </p:nvSpPr>
+        <p:spPr>
+          <a:xfrm>
+            <a:off x="2127708" y="2314561"/>
+            <a:ext cx="4874314" cy="3046988"/>
+          </a:xfrm>
+          <a:prstGeom prst="rect">
+            <a:avLst/>
+          </a:prstGeom>
+          <a:noFill/>
+        </p:spPr>
+        <p:txBody>
+          <a:bodyPr wrap="square" rtlCol="0">
+            <a:spAutoFit/>
+          </a:bodyPr>
+          <a:lstStyle/>
+          <a:p>
+            <a:pPr marL="514350" indent="-514350" algn="just">
+              <a:lnSpc>
+                <a:spcPct val="120000"/>
+              </a:lnSpc>
+              <a:buAutoNum type="arabicPeriod"/>
+            </a:pPr>
+            <a:r>
+              <a:rPr lang="ko-KR" altLang="en-US" sz="3200" b="1" dirty="0" smtClean="0">
+                <a:solidFill>
+                  <a:schemeClr val="bg2">
+                    <a:lumMod val="10000"/>
+                  </a:schemeClr>
+                </a:solidFill>
+                <a:latin typeface="나눔고딕" pitchFamily="50" charset="-127"/>
+                <a:ea typeface="나눔고딕" pitchFamily="50" charset="-127"/>
+              </a:rPr>
+              <a:t>개요</a:t>
+            </a:r>
+            <a:endParaRPr lang="en-US" altLang="ko-KR" sz="3200" b="1" dirty="0" smtClean="0">
+              <a:solidFill>
+                <a:schemeClr val="bg2">
+                  <a:lumMod val="10000"/>
+                </a:schemeClr>
+              </a:solidFill>
+              <a:latin typeface="나눔고딕" pitchFamily="50" charset="-127"/>
+              <a:ea typeface="나눔고딕" pitchFamily="50" charset="-127"/>
+            </a:endParaRPr>
+          </a:p>
+          <a:p>
+            <a:pPr marL="514350" indent="-514350" algn="just">
+              <a:lnSpc>
+                <a:spcPct val="120000"/>
+              </a:lnSpc>
+              <a:buAutoNum type="arabicPeriod"/>
+            </a:pPr>
+            <a:r>
+              <a:rPr lang="ko-KR" altLang="en-US" sz="3200" b="1" dirty="0" smtClean="0">
+                <a:solidFill>
+                  <a:schemeClr val="bg2">
+                    <a:lumMod val="10000"/>
+                  </a:schemeClr>
+                </a:solidFill>
+                <a:latin typeface="나눔고딕" pitchFamily="50" charset="-127"/>
+                <a:ea typeface="나눔고딕" pitchFamily="50" charset="-127"/>
+              </a:rPr>
+              <a:t>목적</a:t>
+            </a:r>
+            <a:endParaRPr lang="en-US" altLang="ko-KR" sz="3200" b="1" dirty="0" smtClean="0">
+              <a:solidFill>
+                <a:schemeClr val="bg2">
+                  <a:lumMod val="10000"/>
+                </a:schemeClr>
+              </a:solidFill>
+              <a:latin typeface="나눔고딕" pitchFamily="50" charset="-127"/>
+              <a:ea typeface="나눔고딕" pitchFamily="50" charset="-127"/>
+            </a:endParaRPr>
+          </a:p>
+          <a:p>
+            <a:pPr marL="514350" indent="-514350" algn="just">
+              <a:lnSpc>
+                <a:spcPct val="120000"/>
+              </a:lnSpc>
+              <a:buAutoNum type="arabicPeriod"/>
+            </a:pPr>
+            <a:r>
+              <a:rPr lang="ko-KR" altLang="en-US" sz="3200" b="1" dirty="0" smtClean="0">
+                <a:solidFill>
+                  <a:schemeClr val="bg2">
+                    <a:lumMod val="10000"/>
+                  </a:schemeClr>
+                </a:solidFill>
+                <a:latin typeface="나눔고딕" pitchFamily="50" charset="-127"/>
+                <a:ea typeface="나눔고딕" pitchFamily="50" charset="-127"/>
+              </a:rPr>
+              <a:t>시나리오</a:t>
+            </a:r>
+            <a:endParaRPr lang="en-US" altLang="ko-KR" sz="3200" b="1" dirty="0" smtClean="0">
+              <a:solidFill>
+                <a:schemeClr val="bg2">
+                  <a:lumMod val="10000"/>
+                </a:schemeClr>
+              </a:solidFill>
+              <a:latin typeface="나눔고딕" pitchFamily="50" charset="-127"/>
+              <a:ea typeface="나눔고딕" pitchFamily="50" charset="-127"/>
+            </a:endParaRPr>
+          </a:p>
+          <a:p>
+            <a:pPr marL="514350" indent="-514350" algn="just">
+              <a:lnSpc>
+                <a:spcPct val="120000"/>
+              </a:lnSpc>
+              <a:buAutoNum type="arabicPeriod"/>
+            </a:pPr>
+            <a:r>
+              <a:rPr lang="ko-KR" altLang="en-US" sz="3200" b="1" dirty="0" smtClean="0">
+                <a:solidFill>
+                  <a:schemeClr val="bg2">
+                    <a:lumMod val="10000"/>
+                  </a:schemeClr>
+                </a:solidFill>
+                <a:latin typeface="나눔고딕" pitchFamily="50" charset="-127"/>
+                <a:ea typeface="나눔고딕" pitchFamily="50" charset="-127"/>
+              </a:rPr>
+              <a:t>수익구조</a:t>
+            </a:r>
+            <a:endParaRPr lang="en-US" altLang="ko-KR" sz="3200" b="1" dirty="0" smtClean="0">
+              <a:solidFill>
+                <a:schemeClr val="bg2">
+                  <a:lumMod val="10000"/>
+                </a:schemeClr>
+              </a:solidFill>
+              <a:latin typeface="나눔고딕" pitchFamily="50" charset="-127"/>
+              <a:ea typeface="나눔고딕" pitchFamily="50" charset="-127"/>
+            </a:endParaRPr>
+          </a:p>
+          <a:p>
+            <a:pPr marL="514350" indent="-514350" algn="just">
+              <a:lnSpc>
+                <a:spcPct val="120000"/>
+              </a:lnSpc>
+              <a:buAutoNum type="arabicPeriod"/>
+            </a:pPr>
+            <a:r>
+              <a:rPr lang="en-US" altLang="ko-KR" sz="3200" b="1" dirty="0" smtClean="0">
+                <a:solidFill>
+                  <a:schemeClr val="bg2">
+                    <a:lumMod val="10000"/>
+                  </a:schemeClr>
+                </a:solidFill>
+                <a:latin typeface="나눔고딕" pitchFamily="50" charset="-127"/>
+                <a:ea typeface="나눔고딕" pitchFamily="50" charset="-127"/>
+              </a:rPr>
+              <a:t>SWOT </a:t>
+            </a:r>
+            <a:r>
+              <a:rPr lang="ko-KR" altLang="en-US" sz="3200" b="1" dirty="0" smtClean="0">
+                <a:solidFill>
+                  <a:schemeClr val="bg2">
+                    <a:lumMod val="10000"/>
+                  </a:schemeClr>
+                </a:solidFill>
+                <a:latin typeface="나눔고딕" pitchFamily="50" charset="-127"/>
+                <a:ea typeface="나눔고딕" pitchFamily="50" charset="-127"/>
+              </a:rPr>
+              <a:t>분석</a:t>
+            </a:r>
+            <a:endParaRPr lang="en-US" altLang="ko-KR" sz="3200" b="1" dirty="0" smtClean="0">
+              <a:solidFill>
+                <a:schemeClr val="bg2">
+                  <a:lumMod val="10000"/>
+                </a:schemeClr>
+              </a:solidFill>
+              <a:latin typeface="나눔고딕" pitchFamily="50" charset="-127"/>
+              <a:ea typeface="나눔고딕" pitchFamily="50" charset="-127"/>
+            </a:endParaRPr>
+          </a:p>
+        </p:txBody>
+      </p:sp>
+    </p:spTree>
+    <p:extLst>
+      <p:ext uri="{BB962C8B-B14F-4D97-AF65-F5344CB8AC3E}">
+        <p14:creationId xmlns:p14="http://schemas.microsoft.com/office/powerpoint/2010/main" val="455184247"/>
+      </p:ext>
+    </p:extLst>
+  </p:cSld>
+  <p:clrMapOvr>
+    <a:masterClrMapping/>
+  </p:clrMapOvr>
+  <p:transition spd="slow">
+    <p:fade/>
+  </p:transition>
+  <p:timing>
+    <p:tnLst>
+      <p:par>
+        <p:cTn id="1" dur="indefinite" restart="never" nodeType="tmRoot"/>
+      </p:par>
+    </p:tnLst>
+  </p:timing>
+</p:sld>
+</file>
+
+<file path=ppt/slides/slide20.xml><?xml version="1.0" encoding="utf-8"?>
 <p:sld xmlns:a="http://schemas.openxmlformats.org/drawingml/2006/main" xmlns:r="http://schemas.openxmlformats.org/officeDocument/2006/relationships" xmlns:p="http://schemas.openxmlformats.org/presentationml/2006/main">
   <p:cSld>
     <p:bg>
@@ -18248,7 +16713,7 @@
           <p:cNvPr id="3" name="TextBox 2">
             <a:extLst>
               <a:ext uri="{FF2B5EF4-FFF2-40B4-BE49-F238E27FC236}">
-                <a16:creationId xmlns:a16="http://schemas.microsoft.com/office/drawing/2014/main" xmlns="" id="{0F686BC0-53D2-433E-ACBF-7E9A4538D745}"/>
+                <a16:creationId xmlns="" xmlns:a16="http://schemas.microsoft.com/office/drawing/2014/main" id="{0F686BC0-53D2-433E-ACBF-7E9A4538D745}"/>
               </a:ext>
             </a:extLst>
           </p:cNvPr>
@@ -18379,7 +16844,7 @@
           <p:cNvPr id="2" name="TextBox 1">
             <a:extLst>
               <a:ext uri="{FF2B5EF4-FFF2-40B4-BE49-F238E27FC236}">
-                <a16:creationId xmlns:a16="http://schemas.microsoft.com/office/drawing/2014/main" xmlns="" id="{31A5AC5C-D727-4084-9BA7-A2CDFEA8D97E}"/>
+                <a16:creationId xmlns="" xmlns:a16="http://schemas.microsoft.com/office/drawing/2014/main" id="{31A5AC5C-D727-4084-9BA7-A2CDFEA8D97E}"/>
               </a:ext>
             </a:extLst>
           </p:cNvPr>
@@ -18431,7 +16896,7 @@
           <p:cNvPr id="3" name="TextBox 2">
             <a:extLst>
               <a:ext uri="{FF2B5EF4-FFF2-40B4-BE49-F238E27FC236}">
-                <a16:creationId xmlns:a16="http://schemas.microsoft.com/office/drawing/2014/main" xmlns="" id="{1AF5377B-ADAB-436A-AF5E-3EE08A3BAC04}"/>
+                <a16:creationId xmlns="" xmlns:a16="http://schemas.microsoft.com/office/drawing/2014/main" id="{1AF5377B-ADAB-436A-AF5E-3EE08A3BAC04}"/>
               </a:ext>
             </a:extLst>
           </p:cNvPr>
@@ -18483,7 +16948,7 @@
           <p:cNvPr id="5" name="직사각형 4">
             <a:extLst>
               <a:ext uri="{FF2B5EF4-FFF2-40B4-BE49-F238E27FC236}">
-                <a16:creationId xmlns:a16="http://schemas.microsoft.com/office/drawing/2014/main" xmlns="" id="{F7EC1B8F-B43B-498E-B130-39B18DE49D5E}"/>
+                <a16:creationId xmlns="" xmlns:a16="http://schemas.microsoft.com/office/drawing/2014/main" id="{F7EC1B8F-B43B-498E-B130-39B18DE49D5E}"/>
               </a:ext>
             </a:extLst>
           </p:cNvPr>
@@ -18533,7 +16998,7 @@
           <p:cNvPr id="11" name="TextBox 10">
             <a:extLst>
               <a:ext uri="{FF2B5EF4-FFF2-40B4-BE49-F238E27FC236}">
-                <a16:creationId xmlns:a16="http://schemas.microsoft.com/office/drawing/2014/main" xmlns="" id="{772B8DA8-F095-4916-981E-62DE13CD89F7}"/>
+                <a16:creationId xmlns="" xmlns:a16="http://schemas.microsoft.com/office/drawing/2014/main" id="{772B8DA8-F095-4916-981E-62DE13CD89F7}"/>
               </a:ext>
             </a:extLst>
           </p:cNvPr>
@@ -18886,7 +17351,7 @@
           <p:cNvPr id="2" name="TextBox 1">
             <a:extLst>
               <a:ext uri="{FF2B5EF4-FFF2-40B4-BE49-F238E27FC236}">
-                <a16:creationId xmlns:a16="http://schemas.microsoft.com/office/drawing/2014/main" xmlns="" id="{31A5AC5C-D727-4084-9BA7-A2CDFEA8D97E}"/>
+                <a16:creationId xmlns="" xmlns:a16="http://schemas.microsoft.com/office/drawing/2014/main" id="{31A5AC5C-D727-4084-9BA7-A2CDFEA8D97E}"/>
               </a:ext>
             </a:extLst>
           </p:cNvPr>
@@ -18938,7 +17403,7 @@
           <p:cNvPr id="3" name="TextBox 2">
             <a:extLst>
               <a:ext uri="{FF2B5EF4-FFF2-40B4-BE49-F238E27FC236}">
-                <a16:creationId xmlns:a16="http://schemas.microsoft.com/office/drawing/2014/main" xmlns="" id="{1AF5377B-ADAB-436A-AF5E-3EE08A3BAC04}"/>
+                <a16:creationId xmlns="" xmlns:a16="http://schemas.microsoft.com/office/drawing/2014/main" id="{1AF5377B-ADAB-436A-AF5E-3EE08A3BAC04}"/>
               </a:ext>
             </a:extLst>
           </p:cNvPr>
@@ -18990,7 +17455,7 @@
           <p:cNvPr id="5" name="직사각형 4">
             <a:extLst>
               <a:ext uri="{FF2B5EF4-FFF2-40B4-BE49-F238E27FC236}">
-                <a16:creationId xmlns:a16="http://schemas.microsoft.com/office/drawing/2014/main" xmlns="" id="{F7EC1B8F-B43B-498E-B130-39B18DE49D5E}"/>
+                <a16:creationId xmlns="" xmlns:a16="http://schemas.microsoft.com/office/drawing/2014/main" id="{F7EC1B8F-B43B-498E-B130-39B18DE49D5E}"/>
               </a:ext>
             </a:extLst>
           </p:cNvPr>
@@ -19160,7 +17625,7 @@
           <p:cNvPr id="11" name="TextBox 10">
             <a:extLst>
               <a:ext uri="{FF2B5EF4-FFF2-40B4-BE49-F238E27FC236}">
-                <a16:creationId xmlns:a16="http://schemas.microsoft.com/office/drawing/2014/main" xmlns="" id="{772B8DA8-F095-4916-981E-62DE13CD89F7}"/>
+                <a16:creationId xmlns="" xmlns:a16="http://schemas.microsoft.com/office/drawing/2014/main" id="{772B8DA8-F095-4916-981E-62DE13CD89F7}"/>
               </a:ext>
             </a:extLst>
           </p:cNvPr>
@@ -19224,8 +17689,26 @@
                 <a:latin typeface="나눔고딕" pitchFamily="50" charset="-127"/>
                 <a:ea typeface="나눔고딕" pitchFamily="50" charset="-127"/>
               </a:rPr>
-              <a:t> 익숙한 </a:t>
-            </a:r>
+              <a:t> 익숙한 세대</a:t>
+            </a:r>
+            <a:endParaRPr lang="en-US" altLang="ko-KR" sz="2000" b="1" dirty="0" smtClean="0">
+              <a:solidFill>
+                <a:schemeClr val="bg2">
+                  <a:lumMod val="10000"/>
+                </a:schemeClr>
+              </a:solidFill>
+              <a:latin typeface="나눔고딕" pitchFamily="50" charset="-127"/>
+              <a:ea typeface="나눔고딕" pitchFamily="50" charset="-127"/>
+            </a:endParaRPr>
+          </a:p>
+          <a:p>
+            <a:pPr marL="342900" indent="-342900" algn="just">
+              <a:lnSpc>
+                <a:spcPct val="120000"/>
+              </a:lnSpc>
+              <a:buFontTx/>
+              <a:buChar char="-"/>
+            </a:pPr>
             <a:r>
               <a:rPr lang="ko-KR" altLang="en-US" sz="2000" b="1" dirty="0" smtClean="0">
                 <a:solidFill>
@@ -19236,61 +17719,7 @@
                 <a:latin typeface="나눔고딕" pitchFamily="50" charset="-127"/>
                 <a:ea typeface="나눔고딕" pitchFamily="50" charset="-127"/>
               </a:rPr>
-              <a:t>세대</a:t>
-            </a:r>
-            <a:endParaRPr lang="en-US" altLang="ko-KR" sz="2000" b="1" dirty="0" smtClean="0">
-              <a:solidFill>
-                <a:schemeClr val="bg2">
-                  <a:lumMod val="10000"/>
-                </a:schemeClr>
-              </a:solidFill>
-              <a:latin typeface="나눔고딕" pitchFamily="50" charset="-127"/>
-              <a:ea typeface="나눔고딕" pitchFamily="50" charset="-127"/>
-            </a:endParaRPr>
-          </a:p>
-          <a:p>
-            <a:pPr marL="342900" indent="-342900" algn="just">
-              <a:lnSpc>
-                <a:spcPct val="120000"/>
-              </a:lnSpc>
-              <a:buFontTx/>
-              <a:buChar char="-"/>
-            </a:pPr>
-            <a:r>
-              <a:rPr lang="ko-KR" altLang="en-US" sz="2000" b="1" dirty="0" smtClean="0">
-                <a:solidFill>
-                  <a:schemeClr val="bg2">
-                    <a:lumMod val="10000"/>
-                  </a:schemeClr>
-                </a:solidFill>
-                <a:latin typeface="나눔고딕" pitchFamily="50" charset="-127"/>
-                <a:ea typeface="나눔고딕" pitchFamily="50" charset="-127"/>
-              </a:rPr>
-              <a:t>경조사 문화의 </a:t>
-            </a:r>
-            <a:r>
-              <a:rPr lang="ko-KR" altLang="en-US" sz="2000" b="1" dirty="0" smtClean="0">
-                <a:solidFill>
-                  <a:schemeClr val="bg2">
-                    <a:lumMod val="10000"/>
-                  </a:schemeClr>
-                </a:solidFill>
-                <a:latin typeface="나눔고딕" pitchFamily="50" charset="-127"/>
-                <a:ea typeface="나눔고딕" pitchFamily="50" charset="-127"/>
-              </a:rPr>
-              <a:t>새로운 패러다임을 </a:t>
-            </a:r>
-            <a:r>
-              <a:rPr lang="ko-KR" altLang="en-US" sz="2000" b="1" dirty="0" smtClean="0">
-                <a:solidFill>
-                  <a:schemeClr val="bg2">
-                    <a:lumMod val="10000"/>
-                  </a:schemeClr>
-                </a:solidFill>
-                <a:latin typeface="나눔고딕" pitchFamily="50" charset="-127"/>
-                <a:ea typeface="나눔고딕" pitchFamily="50" charset="-127"/>
-              </a:rPr>
-              <a:t>만들 수 있는 기회</a:t>
+              <a:t>경조사 문화의 새로운 패러다임을 만들 수 있는 기회</a:t>
             </a:r>
             <a:endParaRPr lang="en-US" altLang="ko-KR" sz="2000" b="1" dirty="0" smtClean="0">
               <a:solidFill>
@@ -19439,7 +17868,7 @@
           <p:cNvPr id="2" name="TextBox 1">
             <a:extLst>
               <a:ext uri="{FF2B5EF4-FFF2-40B4-BE49-F238E27FC236}">
-                <a16:creationId xmlns:a16="http://schemas.microsoft.com/office/drawing/2014/main" xmlns="" id="{31A5AC5C-D727-4084-9BA7-A2CDFEA8D97E}"/>
+                <a16:creationId xmlns="" xmlns:a16="http://schemas.microsoft.com/office/drawing/2014/main" id="{31A5AC5C-D727-4084-9BA7-A2CDFEA8D97E}"/>
               </a:ext>
             </a:extLst>
           </p:cNvPr>
@@ -19491,7 +17920,7 @@
           <p:cNvPr id="3" name="TextBox 2">
             <a:extLst>
               <a:ext uri="{FF2B5EF4-FFF2-40B4-BE49-F238E27FC236}">
-                <a16:creationId xmlns:a16="http://schemas.microsoft.com/office/drawing/2014/main" xmlns="" id="{1AF5377B-ADAB-436A-AF5E-3EE08A3BAC04}"/>
+                <a16:creationId xmlns="" xmlns:a16="http://schemas.microsoft.com/office/drawing/2014/main" id="{1AF5377B-ADAB-436A-AF5E-3EE08A3BAC04}"/>
               </a:ext>
             </a:extLst>
           </p:cNvPr>
@@ -19543,7 +17972,7 @@
           <p:cNvPr id="5" name="직사각형 4">
             <a:extLst>
               <a:ext uri="{FF2B5EF4-FFF2-40B4-BE49-F238E27FC236}">
-                <a16:creationId xmlns:a16="http://schemas.microsoft.com/office/drawing/2014/main" xmlns="" id="{F7EC1B8F-B43B-498E-B130-39B18DE49D5E}"/>
+                <a16:creationId xmlns="" xmlns:a16="http://schemas.microsoft.com/office/drawing/2014/main" id="{F7EC1B8F-B43B-498E-B130-39B18DE49D5E}"/>
               </a:ext>
             </a:extLst>
           </p:cNvPr>
@@ -19593,7 +18022,7 @@
           <p:cNvPr id="10" name="TextBox 9">
             <a:extLst>
               <a:ext uri="{FF2B5EF4-FFF2-40B4-BE49-F238E27FC236}">
-                <a16:creationId xmlns:a16="http://schemas.microsoft.com/office/drawing/2014/main" xmlns="" id="{772B8DA8-F095-4916-981E-62DE13CD89F7}"/>
+                <a16:creationId xmlns="" xmlns:a16="http://schemas.microsoft.com/office/drawing/2014/main" id="{772B8DA8-F095-4916-981E-62DE13CD89F7}"/>
               </a:ext>
             </a:extLst>
           </p:cNvPr>
@@ -19671,15 +18100,6 @@
               </a:rPr>
               <a:t>X</a:t>
             </a:r>
-            <a:endParaRPr lang="en-US" altLang="ko-KR" sz="2000" b="1" dirty="0" smtClean="0">
-              <a:solidFill>
-                <a:schemeClr val="bg2">
-                  <a:lumMod val="10000"/>
-                </a:schemeClr>
-              </a:solidFill>
-              <a:latin typeface="나눔고딕" pitchFamily="50" charset="-127"/>
-              <a:ea typeface="나눔고딕" pitchFamily="50" charset="-127"/>
-            </a:endParaRPr>
           </a:p>
           <a:p>
             <a:pPr marL="342900" indent="-342900" algn="just">
@@ -19699,19 +18119,7 @@
                 <a:latin typeface="나눔고딕" pitchFamily="50" charset="-127"/>
                 <a:ea typeface="나눔고딕" pitchFamily="50" charset="-127"/>
               </a:rPr>
-              <a:t>방문자의 경조사비 결제 시 </a:t>
-            </a:r>
-            <a:r>
-              <a:rPr lang="ko-KR" altLang="en-US" sz="2000" b="1" dirty="0" smtClean="0">
-                <a:solidFill>
-                  <a:schemeClr val="bg2">
-                    <a:lumMod val="10000"/>
-                  </a:schemeClr>
-                </a:solidFill>
-                <a:latin typeface="나눔고딕" pitchFamily="50" charset="-127"/>
-                <a:ea typeface="나눔고딕" pitchFamily="50" charset="-127"/>
-              </a:rPr>
-              <a:t>다양한 결제수단 이용</a:t>
+              <a:t>방문자의 경조사비 결제 시 다양한 결제수단 이용</a:t>
             </a:r>
             <a:endParaRPr lang="en-US" altLang="ko-KR" sz="2000" b="1" dirty="0" smtClean="0">
               <a:solidFill>
@@ -19834,7 +18242,7 @@
           <p:cNvPr id="2" name="TextBox 1">
             <a:extLst>
               <a:ext uri="{FF2B5EF4-FFF2-40B4-BE49-F238E27FC236}">
-                <a16:creationId xmlns:a16="http://schemas.microsoft.com/office/drawing/2014/main" xmlns="" id="{31A5AC5C-D727-4084-9BA7-A2CDFEA8D97E}"/>
+                <a16:creationId xmlns="" xmlns:a16="http://schemas.microsoft.com/office/drawing/2014/main" id="{31A5AC5C-D727-4084-9BA7-A2CDFEA8D97E}"/>
               </a:ext>
             </a:extLst>
           </p:cNvPr>
@@ -19886,7 +18294,7 @@
           <p:cNvPr id="3" name="TextBox 2">
             <a:extLst>
               <a:ext uri="{FF2B5EF4-FFF2-40B4-BE49-F238E27FC236}">
-                <a16:creationId xmlns:a16="http://schemas.microsoft.com/office/drawing/2014/main" xmlns="" id="{1AF5377B-ADAB-436A-AF5E-3EE08A3BAC04}"/>
+                <a16:creationId xmlns="" xmlns:a16="http://schemas.microsoft.com/office/drawing/2014/main" id="{1AF5377B-ADAB-436A-AF5E-3EE08A3BAC04}"/>
               </a:ext>
             </a:extLst>
           </p:cNvPr>
@@ -19938,7 +18346,7 @@
           <p:cNvPr id="5" name="직사각형 4">
             <a:extLst>
               <a:ext uri="{FF2B5EF4-FFF2-40B4-BE49-F238E27FC236}">
-                <a16:creationId xmlns:a16="http://schemas.microsoft.com/office/drawing/2014/main" xmlns="" id="{F7EC1B8F-B43B-498E-B130-39B18DE49D5E}"/>
+                <a16:creationId xmlns="" xmlns:a16="http://schemas.microsoft.com/office/drawing/2014/main" id="{F7EC1B8F-B43B-498E-B130-39B18DE49D5E}"/>
               </a:ext>
             </a:extLst>
           </p:cNvPr>
@@ -20091,9 +18499,158 @@
           </a:extLst>
         </p:spPr>
       </p:pic>
+      <p:sp>
+        <p:nvSpPr>
+          <p:cNvPr id="8" name="TextBox 7">
+            <a:extLst>
+              <a:ext uri="{FF2B5EF4-FFF2-40B4-BE49-F238E27FC236}">
+                <a16:creationId xmlns="" xmlns:a16="http://schemas.microsoft.com/office/drawing/2014/main" id="{772B8DA8-F095-4916-981E-62DE13CD89F7}"/>
+              </a:ext>
+            </a:extLst>
+          </p:cNvPr>
+          <p:cNvSpPr txBox="1"/>
+          <p:nvPr/>
+        </p:nvSpPr>
+        <p:spPr>
+          <a:xfrm>
+            <a:off x="7906677" y="2983979"/>
+            <a:ext cx="4169994" cy="1115690"/>
+          </a:xfrm>
+          <a:prstGeom prst="rect">
+            <a:avLst/>
+          </a:prstGeom>
+          <a:noFill/>
+        </p:spPr>
+        <p:txBody>
+          <a:bodyPr wrap="square" rtlCol="0">
+            <a:spAutoFit/>
+          </a:bodyPr>
+          <a:lstStyle/>
+          <a:p>
+            <a:pPr marL="342900" indent="-342900" algn="just">
+              <a:lnSpc>
+                <a:spcPct val="120000"/>
+              </a:lnSpc>
+              <a:buFontTx/>
+              <a:buChar char="-"/>
+            </a:pPr>
+            <a:r>
+              <a:rPr lang="ko-KR" altLang="en-US" sz="1900" b="1" dirty="0" smtClean="0">
+                <a:solidFill>
+                  <a:schemeClr val="bg2">
+                    <a:lumMod val="10000"/>
+                  </a:schemeClr>
+                </a:solidFill>
+                <a:latin typeface="나눔고딕" pitchFamily="50" charset="-127"/>
+                <a:ea typeface="나눔고딕" pitchFamily="50" charset="-127"/>
+              </a:rPr>
+              <a:t>식권</a:t>
+            </a:r>
+            <a:r>
+              <a:rPr lang="en-US" altLang="ko-KR" sz="1900" b="1" dirty="0" smtClean="0">
+                <a:solidFill>
+                  <a:schemeClr val="bg2">
+                    <a:lumMod val="10000"/>
+                  </a:schemeClr>
+                </a:solidFill>
+                <a:latin typeface="나눔고딕" pitchFamily="50" charset="-127"/>
+                <a:ea typeface="나눔고딕" pitchFamily="50" charset="-127"/>
+              </a:rPr>
+              <a:t>, </a:t>
+            </a:r>
+            <a:r>
+              <a:rPr lang="ko-KR" altLang="en-US" sz="1900" b="1" dirty="0" err="1" smtClean="0">
+                <a:solidFill>
+                  <a:schemeClr val="bg2">
+                    <a:lumMod val="10000"/>
+                  </a:schemeClr>
+                </a:solidFill>
+                <a:latin typeface="나눔고딕" pitchFamily="50" charset="-127"/>
+                <a:ea typeface="나눔고딕" pitchFamily="50" charset="-127"/>
+              </a:rPr>
+              <a:t>주차권</a:t>
+            </a:r>
+            <a:r>
+              <a:rPr lang="ko-KR" altLang="en-US" sz="1900" b="1" dirty="0" smtClean="0">
+                <a:solidFill>
+                  <a:schemeClr val="bg2">
+                    <a:lumMod val="10000"/>
+                  </a:schemeClr>
+                </a:solidFill>
+                <a:latin typeface="나눔고딕" pitchFamily="50" charset="-127"/>
+                <a:ea typeface="나눔고딕" pitchFamily="50" charset="-127"/>
+              </a:rPr>
+              <a:t> 등의 시설 이용권</a:t>
+            </a:r>
+            <a:r>
+              <a:rPr lang="en-US" altLang="ko-KR" sz="1900" b="1" dirty="0">
+                <a:solidFill>
+                  <a:schemeClr val="bg2">
+                    <a:lumMod val="10000"/>
+                  </a:schemeClr>
+                </a:solidFill>
+                <a:latin typeface="나눔고딕" pitchFamily="50" charset="-127"/>
+                <a:ea typeface="나눔고딕" pitchFamily="50" charset="-127"/>
+              </a:rPr>
+              <a:t> </a:t>
+            </a:r>
+            <a:r>
+              <a:rPr lang="ko-KR" altLang="en-US" sz="1900" b="1" dirty="0" smtClean="0">
+                <a:solidFill>
+                  <a:schemeClr val="bg2">
+                    <a:lumMod val="10000"/>
+                  </a:schemeClr>
+                </a:solidFill>
+                <a:latin typeface="나눔고딕" pitchFamily="50" charset="-127"/>
+                <a:ea typeface="나눔고딕" pitchFamily="50" charset="-127"/>
+              </a:rPr>
+              <a:t>발급</a:t>
+            </a:r>
+            <a:endParaRPr lang="en-US" altLang="ko-KR" sz="1900" b="1" dirty="0" smtClean="0">
+              <a:solidFill>
+                <a:schemeClr val="bg2">
+                  <a:lumMod val="10000"/>
+                </a:schemeClr>
+              </a:solidFill>
+              <a:latin typeface="나눔고딕" pitchFamily="50" charset="-127"/>
+              <a:ea typeface="나눔고딕" pitchFamily="50" charset="-127"/>
+            </a:endParaRPr>
+          </a:p>
+          <a:p>
+            <a:pPr marL="342900" indent="-342900" algn="just">
+              <a:lnSpc>
+                <a:spcPct val="120000"/>
+              </a:lnSpc>
+              <a:buFontTx/>
+              <a:buChar char="-"/>
+            </a:pPr>
+            <a:r>
+              <a:rPr lang="ko-KR" altLang="en-US" sz="1900" b="1" dirty="0" smtClean="0">
+                <a:solidFill>
+                  <a:schemeClr val="bg2">
+                    <a:lumMod val="10000"/>
+                  </a:schemeClr>
+                </a:solidFill>
+                <a:latin typeface="나눔고딕" pitchFamily="50" charset="-127"/>
+                <a:ea typeface="나눔고딕" pitchFamily="50" charset="-127"/>
+              </a:rPr>
+              <a:t>시설 이용권으로 결혼식장 또는 장례식장의 시설을 편리하게 이용</a:t>
+            </a:r>
+            <a:endParaRPr lang="en-US" altLang="ko-KR" sz="1900" b="1" dirty="0" smtClean="0">
+              <a:solidFill>
+                <a:schemeClr val="bg2">
+                  <a:lumMod val="10000"/>
+                </a:schemeClr>
+              </a:solidFill>
+              <a:latin typeface="나눔고딕" pitchFamily="50" charset="-127"/>
+              <a:ea typeface="나눔고딕" pitchFamily="50" charset="-127"/>
+            </a:endParaRPr>
+          </a:p>
+        </p:txBody>
+      </p:sp>
       <p:pic>
         <p:nvPicPr>
-          <p:cNvPr id="1028" name="Picture 4"/>
+          <p:cNvPr id="4" name="Picture 2"/>
           <p:cNvPicPr>
             <a:picLocks noChangeAspect="1" noChangeArrowheads="1"/>
           </p:cNvPicPr>
@@ -20114,8 +18671,8 @@
         </p:blipFill>
         <p:spPr bwMode="auto">
           <a:xfrm>
-            <a:off x="6211227" y="2270870"/>
-            <a:ext cx="1695450" cy="3724275"/>
+            <a:off x="5813243" y="1966069"/>
+            <a:ext cx="1876425" cy="3781425"/>
           </a:xfrm>
           <a:prstGeom prst="rect">
             <a:avLst/>
@@ -20145,167 +18702,6 @@
           </a:extLst>
         </p:spPr>
       </p:pic>
-      <p:sp>
-        <p:nvSpPr>
-          <p:cNvPr id="8" name="TextBox 7">
-            <a:extLst>
-              <a:ext uri="{FF2B5EF4-FFF2-40B4-BE49-F238E27FC236}">
-                <a16:creationId xmlns:a16="http://schemas.microsoft.com/office/drawing/2014/main" xmlns="" id="{772B8DA8-F095-4916-981E-62DE13CD89F7}"/>
-              </a:ext>
-            </a:extLst>
-          </p:cNvPr>
-          <p:cNvSpPr txBox="1"/>
-          <p:nvPr/>
-        </p:nvSpPr>
-        <p:spPr>
-          <a:xfrm>
-            <a:off x="7906677" y="2983979"/>
-            <a:ext cx="4169994" cy="1115690"/>
-          </a:xfrm>
-          <a:prstGeom prst="rect">
-            <a:avLst/>
-          </a:prstGeom>
-          <a:noFill/>
-        </p:spPr>
-        <p:txBody>
-          <a:bodyPr wrap="square" rtlCol="0">
-            <a:spAutoFit/>
-          </a:bodyPr>
-          <a:lstStyle/>
-          <a:p>
-            <a:pPr marL="342900" indent="-342900" algn="just">
-              <a:lnSpc>
-                <a:spcPct val="120000"/>
-              </a:lnSpc>
-              <a:buFontTx/>
-              <a:buChar char="-"/>
-            </a:pPr>
-            <a:r>
-              <a:rPr lang="ko-KR" altLang="en-US" sz="1900" b="1" dirty="0" smtClean="0">
-                <a:solidFill>
-                  <a:schemeClr val="bg2">
-                    <a:lumMod val="10000"/>
-                  </a:schemeClr>
-                </a:solidFill>
-                <a:latin typeface="나눔고딕" pitchFamily="50" charset="-127"/>
-                <a:ea typeface="나눔고딕" pitchFamily="50" charset="-127"/>
-              </a:rPr>
-              <a:t>식권</a:t>
-            </a:r>
-            <a:r>
-              <a:rPr lang="en-US" altLang="ko-KR" sz="1900" b="1" dirty="0" smtClean="0">
-                <a:solidFill>
-                  <a:schemeClr val="bg2">
-                    <a:lumMod val="10000"/>
-                  </a:schemeClr>
-                </a:solidFill>
-                <a:latin typeface="나눔고딕" pitchFamily="50" charset="-127"/>
-                <a:ea typeface="나눔고딕" pitchFamily="50" charset="-127"/>
-              </a:rPr>
-              <a:t>, </a:t>
-            </a:r>
-            <a:r>
-              <a:rPr lang="ko-KR" altLang="en-US" sz="1900" b="1" dirty="0" err="1" smtClean="0">
-                <a:solidFill>
-                  <a:schemeClr val="bg2">
-                    <a:lumMod val="10000"/>
-                  </a:schemeClr>
-                </a:solidFill>
-                <a:latin typeface="나눔고딕" pitchFamily="50" charset="-127"/>
-                <a:ea typeface="나눔고딕" pitchFamily="50" charset="-127"/>
-              </a:rPr>
-              <a:t>주차권</a:t>
-            </a:r>
-            <a:r>
-              <a:rPr lang="ko-KR" altLang="en-US" sz="1900" b="1" dirty="0" smtClean="0">
-                <a:solidFill>
-                  <a:schemeClr val="bg2">
-                    <a:lumMod val="10000"/>
-                  </a:schemeClr>
-                </a:solidFill>
-                <a:latin typeface="나눔고딕" pitchFamily="50" charset="-127"/>
-                <a:ea typeface="나눔고딕" pitchFamily="50" charset="-127"/>
-              </a:rPr>
-              <a:t> 등의 시설 이용권</a:t>
-            </a:r>
-            <a:r>
-              <a:rPr lang="en-US" altLang="ko-KR" sz="1900" b="1" dirty="0">
-                <a:solidFill>
-                  <a:schemeClr val="bg2">
-                    <a:lumMod val="10000"/>
-                  </a:schemeClr>
-                </a:solidFill>
-                <a:latin typeface="나눔고딕" pitchFamily="50" charset="-127"/>
-                <a:ea typeface="나눔고딕" pitchFamily="50" charset="-127"/>
-              </a:rPr>
-              <a:t> </a:t>
-            </a:r>
-            <a:r>
-              <a:rPr lang="ko-KR" altLang="en-US" sz="1900" b="1" dirty="0" smtClean="0">
-                <a:solidFill>
-                  <a:schemeClr val="bg2">
-                    <a:lumMod val="10000"/>
-                  </a:schemeClr>
-                </a:solidFill>
-                <a:latin typeface="나눔고딕" pitchFamily="50" charset="-127"/>
-                <a:ea typeface="나눔고딕" pitchFamily="50" charset="-127"/>
-              </a:rPr>
-              <a:t>발급</a:t>
-            </a:r>
-            <a:endParaRPr lang="en-US" altLang="ko-KR" sz="1900" b="1" dirty="0" smtClean="0">
-              <a:solidFill>
-                <a:schemeClr val="bg2">
-                  <a:lumMod val="10000"/>
-                </a:schemeClr>
-              </a:solidFill>
-              <a:latin typeface="나눔고딕" pitchFamily="50" charset="-127"/>
-              <a:ea typeface="나눔고딕" pitchFamily="50" charset="-127"/>
-            </a:endParaRPr>
-          </a:p>
-          <a:p>
-            <a:pPr marL="342900" indent="-342900" algn="just">
-              <a:lnSpc>
-                <a:spcPct val="120000"/>
-              </a:lnSpc>
-              <a:buFontTx/>
-              <a:buChar char="-"/>
-            </a:pPr>
-            <a:r>
-              <a:rPr lang="ko-KR" altLang="en-US" sz="1900" b="1" dirty="0" smtClean="0">
-                <a:solidFill>
-                  <a:schemeClr val="bg2">
-                    <a:lumMod val="10000"/>
-                  </a:schemeClr>
-                </a:solidFill>
-                <a:latin typeface="나눔고딕" pitchFamily="50" charset="-127"/>
-                <a:ea typeface="나눔고딕" pitchFamily="50" charset="-127"/>
-              </a:rPr>
-              <a:t>시설 </a:t>
-            </a:r>
-            <a:r>
-              <a:rPr lang="ko-KR" altLang="en-US" sz="1900" b="1" dirty="0" smtClean="0">
-                <a:solidFill>
-                  <a:schemeClr val="bg2">
-                    <a:lumMod val="10000"/>
-                  </a:schemeClr>
-                </a:solidFill>
-                <a:latin typeface="나눔고딕" pitchFamily="50" charset="-127"/>
-                <a:ea typeface="나눔고딕" pitchFamily="50" charset="-127"/>
-              </a:rPr>
-              <a:t>이용권으로 결혼식장 또는 장례식장의 시설을 편리하게 이용</a:t>
-            </a:r>
-            <a:endParaRPr lang="en-US" altLang="ko-KR" sz="1900" b="1" dirty="0" smtClean="0">
-              <a:solidFill>
-                <a:schemeClr val="bg2">
-                  <a:lumMod val="10000"/>
-                </a:schemeClr>
-              </a:solidFill>
-              <a:latin typeface="나눔고딕" pitchFamily="50" charset="-127"/>
-              <a:ea typeface="나눔고딕" pitchFamily="50" charset="-127"/>
-            </a:endParaRPr>
-          </a:p>
-        </p:txBody>
-      </p:sp>
     </p:spTree>
     <p:extLst>
       <p:ext uri="{BB962C8B-B14F-4D97-AF65-F5344CB8AC3E}">
@@ -20662,7 +19058,7 @@
           <p:cNvPr id="2" name="TextBox 1">
             <a:extLst>
               <a:ext uri="{FF2B5EF4-FFF2-40B4-BE49-F238E27FC236}">
-                <a16:creationId xmlns:a16="http://schemas.microsoft.com/office/drawing/2014/main" xmlns="" id="{31A5AC5C-D727-4084-9BA7-A2CDFEA8D97E}"/>
+                <a16:creationId xmlns="" xmlns:a16="http://schemas.microsoft.com/office/drawing/2014/main" id="{31A5AC5C-D727-4084-9BA7-A2CDFEA8D97E}"/>
               </a:ext>
             </a:extLst>
           </p:cNvPr>
@@ -20714,7 +19110,7 @@
           <p:cNvPr id="3" name="TextBox 2">
             <a:extLst>
               <a:ext uri="{FF2B5EF4-FFF2-40B4-BE49-F238E27FC236}">
-                <a16:creationId xmlns:a16="http://schemas.microsoft.com/office/drawing/2014/main" xmlns="" id="{1AF5377B-ADAB-436A-AF5E-3EE08A3BAC04}"/>
+                <a16:creationId xmlns="" xmlns:a16="http://schemas.microsoft.com/office/drawing/2014/main" id="{1AF5377B-ADAB-436A-AF5E-3EE08A3BAC04}"/>
               </a:ext>
             </a:extLst>
           </p:cNvPr>
@@ -20766,7 +19162,7 @@
           <p:cNvPr id="5" name="직사각형 4">
             <a:extLst>
               <a:ext uri="{FF2B5EF4-FFF2-40B4-BE49-F238E27FC236}">
-                <a16:creationId xmlns:a16="http://schemas.microsoft.com/office/drawing/2014/main" xmlns="" id="{F7EC1B8F-B43B-498E-B130-39B18DE49D5E}"/>
+                <a16:creationId xmlns="" xmlns:a16="http://schemas.microsoft.com/office/drawing/2014/main" id="{F7EC1B8F-B43B-498E-B130-39B18DE49D5E}"/>
               </a:ext>
             </a:extLst>
           </p:cNvPr>
@@ -20951,7 +19347,7 @@
           <p:cNvPr id="2" name="TextBox 1">
             <a:extLst>
               <a:ext uri="{FF2B5EF4-FFF2-40B4-BE49-F238E27FC236}">
-                <a16:creationId xmlns:a16="http://schemas.microsoft.com/office/drawing/2014/main" xmlns="" id="{31A5AC5C-D727-4084-9BA7-A2CDFEA8D97E}"/>
+                <a16:creationId xmlns="" xmlns:a16="http://schemas.microsoft.com/office/drawing/2014/main" id="{31A5AC5C-D727-4084-9BA7-A2CDFEA8D97E}"/>
               </a:ext>
             </a:extLst>
           </p:cNvPr>
@@ -21003,7 +19399,7 @@
           <p:cNvPr id="3" name="TextBox 2">
             <a:extLst>
               <a:ext uri="{FF2B5EF4-FFF2-40B4-BE49-F238E27FC236}">
-                <a16:creationId xmlns:a16="http://schemas.microsoft.com/office/drawing/2014/main" xmlns="" id="{1AF5377B-ADAB-436A-AF5E-3EE08A3BAC04}"/>
+                <a16:creationId xmlns="" xmlns:a16="http://schemas.microsoft.com/office/drawing/2014/main" id="{1AF5377B-ADAB-436A-AF5E-3EE08A3BAC04}"/>
               </a:ext>
             </a:extLst>
           </p:cNvPr>
@@ -21069,7 +19465,7 @@
             <p:cNvPr id="17" name="TextBox 16">
               <a:extLst>
                 <a:ext uri="{FF2B5EF4-FFF2-40B4-BE49-F238E27FC236}">
-                  <a16:creationId xmlns:a16="http://schemas.microsoft.com/office/drawing/2014/main" xmlns="" id="{DE40AA2A-06C6-42CD-A134-C7A8FD5CDA9D}"/>
+                  <a16:creationId xmlns="" xmlns:a16="http://schemas.microsoft.com/office/drawing/2014/main" id="{DE40AA2A-06C6-42CD-A134-C7A8FD5CDA9D}"/>
                 </a:ext>
               </a:extLst>
             </p:cNvPr>
@@ -21174,7 +19570,7 @@
             <p:cNvPr id="21" name="TextBox 20">
               <a:extLst>
                 <a:ext uri="{FF2B5EF4-FFF2-40B4-BE49-F238E27FC236}">
-                  <a16:creationId xmlns:a16="http://schemas.microsoft.com/office/drawing/2014/main" xmlns="" id="{031669E7-0A75-4765-A3C9-535DBEFB2C6E}"/>
+                  <a16:creationId xmlns="" xmlns:a16="http://schemas.microsoft.com/office/drawing/2014/main" id="{031669E7-0A75-4765-A3C9-535DBEFB2C6E}"/>
                 </a:ext>
               </a:extLst>
             </p:cNvPr>
@@ -21267,7 +19663,7 @@
             <p:cNvPr id="22" name="직선 연결선 21">
               <a:extLst>
                 <a:ext uri="{FF2B5EF4-FFF2-40B4-BE49-F238E27FC236}">
-                  <a16:creationId xmlns:a16="http://schemas.microsoft.com/office/drawing/2014/main" xmlns="" id="{6E26D6E1-2459-45B0-B5E0-FB756942F9EC}"/>
+                  <a16:creationId xmlns="" xmlns:a16="http://schemas.microsoft.com/office/drawing/2014/main" id="{6E26D6E1-2459-45B0-B5E0-FB756942F9EC}"/>
                 </a:ext>
               </a:extLst>
             </p:cNvPr>
@@ -21327,7 +19723,7 @@
             <p:cNvPr id="29" name="직사각형 28">
               <a:extLst>
                 <a:ext uri="{FF2B5EF4-FFF2-40B4-BE49-F238E27FC236}">
-                  <a16:creationId xmlns:a16="http://schemas.microsoft.com/office/drawing/2014/main" xmlns="" id="{00E4F0BD-BA36-4D7C-9E39-07076F34FDF9}"/>
+                  <a16:creationId xmlns="" xmlns:a16="http://schemas.microsoft.com/office/drawing/2014/main" id="{00E4F0BD-BA36-4D7C-9E39-07076F34FDF9}"/>
                 </a:ext>
               </a:extLst>
             </p:cNvPr>
@@ -21767,7 +20163,7 @@
           <p:cNvPr id="2" name="TextBox 1">
             <a:extLst>
               <a:ext uri="{FF2B5EF4-FFF2-40B4-BE49-F238E27FC236}">
-                <a16:creationId xmlns:a16="http://schemas.microsoft.com/office/drawing/2014/main" xmlns="" id="{31A5AC5C-D727-4084-9BA7-A2CDFEA8D97E}"/>
+                <a16:creationId xmlns="" xmlns:a16="http://schemas.microsoft.com/office/drawing/2014/main" id="{31A5AC5C-D727-4084-9BA7-A2CDFEA8D97E}"/>
               </a:ext>
             </a:extLst>
           </p:cNvPr>
@@ -21819,7 +20215,7 @@
           <p:cNvPr id="3" name="TextBox 2">
             <a:extLst>
               <a:ext uri="{FF2B5EF4-FFF2-40B4-BE49-F238E27FC236}">
-                <a16:creationId xmlns:a16="http://schemas.microsoft.com/office/drawing/2014/main" xmlns="" id="{1AF5377B-ADAB-436A-AF5E-3EE08A3BAC04}"/>
+                <a16:creationId xmlns="" xmlns:a16="http://schemas.microsoft.com/office/drawing/2014/main" id="{1AF5377B-ADAB-436A-AF5E-3EE08A3BAC04}"/>
               </a:ext>
             </a:extLst>
           </p:cNvPr>
@@ -21885,7 +20281,7 @@
             <p:cNvPr id="17" name="TextBox 16">
               <a:extLst>
                 <a:ext uri="{FF2B5EF4-FFF2-40B4-BE49-F238E27FC236}">
-                  <a16:creationId xmlns:a16="http://schemas.microsoft.com/office/drawing/2014/main" xmlns="" id="{DE40AA2A-06C6-42CD-A134-C7A8FD5CDA9D}"/>
+                  <a16:creationId xmlns="" xmlns:a16="http://schemas.microsoft.com/office/drawing/2014/main" id="{DE40AA2A-06C6-42CD-A134-C7A8FD5CDA9D}"/>
                 </a:ext>
               </a:extLst>
             </p:cNvPr>
@@ -22002,7 +20398,7 @@
             <p:cNvPr id="21" name="TextBox 20">
               <a:extLst>
                 <a:ext uri="{FF2B5EF4-FFF2-40B4-BE49-F238E27FC236}">
-                  <a16:creationId xmlns:a16="http://schemas.microsoft.com/office/drawing/2014/main" xmlns="" id="{031669E7-0A75-4765-A3C9-535DBEFB2C6E}"/>
+                  <a16:creationId xmlns="" xmlns:a16="http://schemas.microsoft.com/office/drawing/2014/main" id="{031669E7-0A75-4765-A3C9-535DBEFB2C6E}"/>
                 </a:ext>
               </a:extLst>
             </p:cNvPr>
@@ -22107,7 +20503,7 @@
             <p:cNvPr id="22" name="직선 연결선 21">
               <a:extLst>
                 <a:ext uri="{FF2B5EF4-FFF2-40B4-BE49-F238E27FC236}">
-                  <a16:creationId xmlns:a16="http://schemas.microsoft.com/office/drawing/2014/main" xmlns="" id="{6E26D6E1-2459-45B0-B5E0-FB756942F9EC}"/>
+                  <a16:creationId xmlns="" xmlns:a16="http://schemas.microsoft.com/office/drawing/2014/main" id="{6E26D6E1-2459-45B0-B5E0-FB756942F9EC}"/>
                 </a:ext>
               </a:extLst>
             </p:cNvPr>
@@ -22148,114 +20544,97 @@
           </p:style>
         </p:cxnSp>
       </p:grpSp>
-      <p:grpSp>
-        <p:nvGrpSpPr>
-          <p:cNvPr id="6" name="그룹 5"/>
-          <p:cNvGrpSpPr>
-            <a:grpSpLocks noChangeAspect="1"/>
-          </p:cNvGrpSpPr>
+      <p:sp>
+        <p:nvSpPr>
+          <p:cNvPr id="29" name="직사각형 28">
+            <a:extLst>
+              <a:ext uri="{FF2B5EF4-FFF2-40B4-BE49-F238E27FC236}">
+                <a16:creationId xmlns="" xmlns:a16="http://schemas.microsoft.com/office/drawing/2014/main" id="{00E4F0BD-BA36-4D7C-9E39-07076F34FDF9}"/>
+              </a:ext>
+            </a:extLst>
+          </p:cNvPr>
+          <p:cNvSpPr/>
           <p:nvPr/>
-        </p:nvGrpSpPr>
-        <p:grpSpPr>
+        </p:nvSpPr>
+        <p:spPr>
           <a:xfrm>
             <a:off x="234126" y="1876988"/>
-            <a:ext cx="5516210" cy="3778106"/>
-            <a:chOff x="234127" y="1876989"/>
-            <a:chExt cx="3677473" cy="2518737"/>
+            <a:ext cx="5516210" cy="3778104"/>
           </a:xfrm>
-        </p:grpSpPr>
-        <p:sp>
-          <p:nvSpPr>
-            <p:cNvPr id="29" name="직사각형 28">
-              <a:extLst>
-                <a:ext uri="{FF2B5EF4-FFF2-40B4-BE49-F238E27FC236}">
-                  <a16:creationId xmlns:a16="http://schemas.microsoft.com/office/drawing/2014/main" xmlns="" id="{00E4F0BD-BA36-4D7C-9E39-07076F34FDF9}"/>
-                </a:ext>
-              </a:extLst>
-            </p:cNvPr>
-            <p:cNvSpPr/>
-            <p:nvPr/>
-          </p:nvSpPr>
-          <p:spPr>
-            <a:xfrm>
-              <a:off x="234127" y="1876989"/>
-              <a:ext cx="3677473" cy="2518736"/>
-            </a:xfrm>
-            <a:prstGeom prst="rect">
-              <a:avLst/>
-            </a:prstGeom>
-            <a:solidFill>
-              <a:srgbClr val="FDDCCF"/>
-            </a:solidFill>
-            <a:ln>
-              <a:noFill/>
-            </a:ln>
-          </p:spPr>
-          <p:style>
-            <a:lnRef idx="2">
-              <a:schemeClr val="accent1">
-                <a:shade val="50000"/>
-              </a:schemeClr>
-            </a:lnRef>
-            <a:fillRef idx="1">
-              <a:schemeClr val="accent1"/>
-            </a:fillRef>
-            <a:effectRef idx="0">
-              <a:schemeClr val="accent1"/>
-            </a:effectRef>
-            <a:fontRef idx="minor">
-              <a:schemeClr val="lt1"/>
-            </a:fontRef>
-          </p:style>
-          <p:txBody>
-            <a:bodyPr rtlCol="0" anchor="ctr"/>
-            <a:lstStyle/>
-            <a:p>
-              <a:pPr algn="ctr"/>
-              <a:endParaRPr lang="ko-KR" altLang="en-US"/>
-            </a:p>
-          </p:txBody>
-        </p:sp>
-        <p:pic>
-          <p:nvPicPr>
-            <p:cNvPr id="8194" name="Picture 2" descr="모바일 청첩장에 대한 이미지 검색결과"/>
-            <p:cNvPicPr>
-              <a:picLocks noChangeAspect="1" noChangeArrowheads="1"/>
-            </p:cNvPicPr>
-            <p:nvPr/>
-          </p:nvPicPr>
-          <p:blipFill rotWithShape="1">
-            <a:blip r:embed="rId2">
-              <a:extLst>
-                <a:ext uri="{28A0092B-C50C-407E-A947-70E740481C1C}">
-                  <a14:useLocalDpi xmlns:a14="http://schemas.microsoft.com/office/drawing/2010/main" val="0"/>
-                </a:ext>
-              </a:extLst>
-            </a:blip>
-            <a:srcRect l="30444" t="7515" r="30622" b="7659"/>
-            <a:stretch/>
-          </p:blipFill>
-          <p:spPr bwMode="auto">
-            <a:xfrm>
-              <a:off x="1387728" y="1876990"/>
-              <a:ext cx="1252932" cy="2518736"/>
-            </a:xfrm>
-            <a:prstGeom prst="rect">
-              <a:avLst/>
-            </a:prstGeom>
+          <a:prstGeom prst="rect">
+            <a:avLst/>
+          </a:prstGeom>
+          <a:solidFill>
+            <a:srgbClr val="FDDCCF"/>
+          </a:solidFill>
+          <a:ln>
             <a:noFill/>
+          </a:ln>
+        </p:spPr>
+        <p:style>
+          <a:lnRef idx="2">
+            <a:schemeClr val="accent1">
+              <a:shade val="50000"/>
+            </a:schemeClr>
+          </a:lnRef>
+          <a:fillRef idx="1">
+            <a:schemeClr val="accent1"/>
+          </a:fillRef>
+          <a:effectRef idx="0">
+            <a:schemeClr val="accent1"/>
+          </a:effectRef>
+          <a:fontRef idx="minor">
+            <a:schemeClr val="lt1"/>
+          </a:fontRef>
+        </p:style>
+        <p:txBody>
+          <a:bodyPr rtlCol="0" anchor="ctr"/>
+          <a:lstStyle/>
+          <a:p>
+            <a:pPr algn="ctr"/>
+            <a:endParaRPr lang="ko-KR" altLang="en-US"/>
+          </a:p>
+        </p:txBody>
+      </p:sp>
+      <p:pic>
+        <p:nvPicPr>
+          <p:cNvPr id="8194" name="Picture 2" descr="모바일 청첩장에 대한 이미지 검색결과"/>
+          <p:cNvPicPr>
+            <a:picLocks noChangeAspect="1" noChangeArrowheads="1"/>
+          </p:cNvPicPr>
+          <p:nvPr/>
+        </p:nvPicPr>
+        <p:blipFill rotWithShape="1">
+          <a:blip r:embed="rId2">
             <a:extLst>
-              <a:ext uri="{909E8E84-426E-40DD-AFC4-6F175D3DCCD1}">
-                <a14:hiddenFill xmlns:a14="http://schemas.microsoft.com/office/drawing/2010/main">
-                  <a:solidFill>
-                    <a:srgbClr val="FFFFFF"/>
-                  </a:solidFill>
-                </a14:hiddenFill>
+              <a:ext uri="{28A0092B-C50C-407E-A947-70E740481C1C}">
+                <a14:useLocalDpi xmlns:a14="http://schemas.microsoft.com/office/drawing/2010/main" val="0"/>
               </a:ext>
             </a:extLst>
-          </p:spPr>
-        </p:pic>
-      </p:grpSp>
+          </a:blip>
+          <a:srcRect l="30444" t="7515" r="30622" b="7659"/>
+          <a:stretch/>
+        </p:blipFill>
+        <p:spPr bwMode="auto">
+          <a:xfrm>
+            <a:off x="1964528" y="1876990"/>
+            <a:ext cx="1879398" cy="3778104"/>
+          </a:xfrm>
+          <a:prstGeom prst="rect">
+            <a:avLst/>
+          </a:prstGeom>
+          <a:noFill/>
+          <a:extLst>
+            <a:ext uri="{909E8E84-426E-40DD-AFC4-6F175D3DCCD1}">
+              <a14:hiddenFill xmlns:a14="http://schemas.microsoft.com/office/drawing/2010/main">
+                <a:solidFill>
+                  <a:srgbClr val="FFFFFF"/>
+                </a:solidFill>
+              </a14:hiddenFill>
+            </a:ext>
+          </a:extLst>
+        </p:spPr>
+      </p:pic>
       <p:sp>
         <p:nvSpPr>
           <p:cNvPr id="7" name="TextBox 6"/>
@@ -22741,7 +21120,7 @@
   <a:extraClrSchemeLst/>
   <a:extLst>
     <a:ext uri="{05A4C25C-085E-4340-85A3-A5531E510DB2}">
-      <thm15:themeFamily xmlns:thm15="http://schemas.microsoft.com/office/thememl/2012/main" xmlns="" name="Office Theme" id="{62F939B6-93AF-4DB8-9C6B-D6C7DFDC589F}" vid="{4A3C46E8-61CC-4603-A589-7422A47A8E4A}"/>
+      <thm15:themeFamily xmlns="" xmlns:thm15="http://schemas.microsoft.com/office/thememl/2012/main" name="Office Theme" id="{62F939B6-93AF-4DB8-9C6B-D6C7DFDC589F}" vid="{4A3C46E8-61CC-4603-A589-7422A47A8E4A}"/>
     </a:ext>
   </a:extLst>
 </a:theme>
@@ -23036,7 +21415,7 @@
   <a:extraClrSchemeLst/>
   <a:extLst>
     <a:ext uri="{05A4C25C-085E-4340-85A3-A5531E510DB2}">
-      <thm15:themeFamily xmlns:thm15="http://schemas.microsoft.com/office/thememl/2012/main" xmlns="" name="Office Theme" id="{62F939B6-93AF-4DB8-9C6B-D6C7DFDC589F}" vid="{4A3C46E8-61CC-4603-A589-7422A47A8E4A}"/>
+      <thm15:themeFamily xmlns="" xmlns:thm15="http://schemas.microsoft.com/office/thememl/2012/main" name="Office Theme" id="{62F939B6-93AF-4DB8-9C6B-D6C7DFDC589F}" vid="{4A3C46E8-61CC-4603-A589-7422A47A8E4A}"/>
     </a:ext>
   </a:extLst>
 </a:theme>

--- a/Document/기획 발표자료.pptx
+++ b/Document/기획 발표자료.pptx
@@ -128,7 +128,7 @@
   </p:defaultTextStyle>
   <p:extLst>
     <p:ext uri="{EFAFB233-063F-42B5-8137-9DF3F51BA10A}">
-      <p15:sldGuideLst xmlns="" xmlns:p15="http://schemas.microsoft.com/office/powerpoint/2012/main">
+      <p15:sldGuideLst xmlns:p15="http://schemas.microsoft.com/office/powerpoint/2012/main" xmlns="">
         <p15:guide id="1" orient="horz" pos="2183" userDrawn="1">
           <p15:clr>
             <a:srgbClr val="A4A3A4"/>
@@ -516,7 +516,7 @@
           <p:cNvPr id="2" name="제목 1">
             <a:extLst>
               <a:ext uri="{FF2B5EF4-FFF2-40B4-BE49-F238E27FC236}">
-                <a16:creationId xmlns="" xmlns:a16="http://schemas.microsoft.com/office/drawing/2014/main" id="{9E91CDC5-C4AF-495F-A82C-9BBAC978DA86}"/>
+                <a16:creationId xmlns:a16="http://schemas.microsoft.com/office/drawing/2014/main" xmlns="" id="{9E91CDC5-C4AF-495F-A82C-9BBAC978DA86}"/>
               </a:ext>
             </a:extLst>
           </p:cNvPr>
@@ -553,7 +553,7 @@
           <p:cNvPr id="3" name="부제목 2">
             <a:extLst>
               <a:ext uri="{FF2B5EF4-FFF2-40B4-BE49-F238E27FC236}">
-                <a16:creationId xmlns="" xmlns:a16="http://schemas.microsoft.com/office/drawing/2014/main" id="{59167BE1-3C1E-4280-B5C8-7A8529E5ECD4}"/>
+                <a16:creationId xmlns:a16="http://schemas.microsoft.com/office/drawing/2014/main" xmlns="" id="{59167BE1-3C1E-4280-B5C8-7A8529E5ECD4}"/>
               </a:ext>
             </a:extLst>
           </p:cNvPr>
@@ -623,7 +623,7 @@
           <p:cNvPr id="4" name="날짜 개체 틀 3">
             <a:extLst>
               <a:ext uri="{FF2B5EF4-FFF2-40B4-BE49-F238E27FC236}">
-                <a16:creationId xmlns="" xmlns:a16="http://schemas.microsoft.com/office/drawing/2014/main" id="{47E1464F-6CFE-4504-846E-984CA11EC30E}"/>
+                <a16:creationId xmlns:a16="http://schemas.microsoft.com/office/drawing/2014/main" xmlns="" id="{47E1464F-6CFE-4504-846E-984CA11EC30E}"/>
               </a:ext>
             </a:extLst>
           </p:cNvPr>
@@ -652,7 +652,7 @@
           <p:cNvPr id="5" name="바닥글 개체 틀 4">
             <a:extLst>
               <a:ext uri="{FF2B5EF4-FFF2-40B4-BE49-F238E27FC236}">
-                <a16:creationId xmlns="" xmlns:a16="http://schemas.microsoft.com/office/drawing/2014/main" id="{89C72ADD-2CA7-43DD-999A-FF195517EAB1}"/>
+                <a16:creationId xmlns:a16="http://schemas.microsoft.com/office/drawing/2014/main" xmlns="" id="{89C72ADD-2CA7-43DD-999A-FF195517EAB1}"/>
               </a:ext>
             </a:extLst>
           </p:cNvPr>
@@ -677,7 +677,7 @@
           <p:cNvPr id="6" name="슬라이드 번호 개체 틀 5">
             <a:extLst>
               <a:ext uri="{FF2B5EF4-FFF2-40B4-BE49-F238E27FC236}">
-                <a16:creationId xmlns="" xmlns:a16="http://schemas.microsoft.com/office/drawing/2014/main" id="{DD036878-F297-4225-BA27-94ECCD1F4BB6}"/>
+                <a16:creationId xmlns:a16="http://schemas.microsoft.com/office/drawing/2014/main" xmlns="" id="{DD036878-F297-4225-BA27-94ECCD1F4BB6}"/>
               </a:ext>
             </a:extLst>
           </p:cNvPr>
@@ -736,7 +736,7 @@
           <p:cNvPr id="2" name="제목 1">
             <a:extLst>
               <a:ext uri="{FF2B5EF4-FFF2-40B4-BE49-F238E27FC236}">
-                <a16:creationId xmlns="" xmlns:a16="http://schemas.microsoft.com/office/drawing/2014/main" id="{D812EFFD-2C44-4CF5-9C63-834517E2820E}"/>
+                <a16:creationId xmlns:a16="http://schemas.microsoft.com/office/drawing/2014/main" xmlns="" id="{D812EFFD-2C44-4CF5-9C63-834517E2820E}"/>
               </a:ext>
             </a:extLst>
           </p:cNvPr>
@@ -773,7 +773,7 @@
           <p:cNvPr id="3" name="그림 개체 틀 2">
             <a:extLst>
               <a:ext uri="{FF2B5EF4-FFF2-40B4-BE49-F238E27FC236}">
-                <a16:creationId xmlns="" xmlns:a16="http://schemas.microsoft.com/office/drawing/2014/main" id="{2771E371-E36F-4331-B9B9-87A5A2F8736B}"/>
+                <a16:creationId xmlns:a16="http://schemas.microsoft.com/office/drawing/2014/main" xmlns="" id="{2771E371-E36F-4331-B9B9-87A5A2F8736B}"/>
               </a:ext>
             </a:extLst>
           </p:cNvPr>
@@ -840,7 +840,7 @@
           <p:cNvPr id="4" name="텍스트 개체 틀 3">
             <a:extLst>
               <a:ext uri="{FF2B5EF4-FFF2-40B4-BE49-F238E27FC236}">
-                <a16:creationId xmlns="" xmlns:a16="http://schemas.microsoft.com/office/drawing/2014/main" id="{0535ABB1-E37E-4E84-B7B3-DEE70D47C87E}"/>
+                <a16:creationId xmlns:a16="http://schemas.microsoft.com/office/drawing/2014/main" xmlns="" id="{0535ABB1-E37E-4E84-B7B3-DEE70D47C87E}"/>
               </a:ext>
             </a:extLst>
           </p:cNvPr>
@@ -911,7 +911,7 @@
           <p:cNvPr id="5" name="날짜 개체 틀 4">
             <a:extLst>
               <a:ext uri="{FF2B5EF4-FFF2-40B4-BE49-F238E27FC236}">
-                <a16:creationId xmlns="" xmlns:a16="http://schemas.microsoft.com/office/drawing/2014/main" id="{6DF83503-808B-4CDD-A29E-524744AF42C2}"/>
+                <a16:creationId xmlns:a16="http://schemas.microsoft.com/office/drawing/2014/main" xmlns="" id="{6DF83503-808B-4CDD-A29E-524744AF42C2}"/>
               </a:ext>
             </a:extLst>
           </p:cNvPr>
@@ -940,7 +940,7 @@
           <p:cNvPr id="6" name="바닥글 개체 틀 5">
             <a:extLst>
               <a:ext uri="{FF2B5EF4-FFF2-40B4-BE49-F238E27FC236}">
-                <a16:creationId xmlns="" xmlns:a16="http://schemas.microsoft.com/office/drawing/2014/main" id="{4F9330C6-35EC-452B-AA4D-686496D64A93}"/>
+                <a16:creationId xmlns:a16="http://schemas.microsoft.com/office/drawing/2014/main" xmlns="" id="{4F9330C6-35EC-452B-AA4D-686496D64A93}"/>
               </a:ext>
             </a:extLst>
           </p:cNvPr>
@@ -965,7 +965,7 @@
           <p:cNvPr id="7" name="슬라이드 번호 개체 틀 6">
             <a:extLst>
               <a:ext uri="{FF2B5EF4-FFF2-40B4-BE49-F238E27FC236}">
-                <a16:creationId xmlns="" xmlns:a16="http://schemas.microsoft.com/office/drawing/2014/main" id="{51E2BBE6-0646-4341-AF77-F4AA5C8E8350}"/>
+                <a16:creationId xmlns:a16="http://schemas.microsoft.com/office/drawing/2014/main" xmlns="" id="{51E2BBE6-0646-4341-AF77-F4AA5C8E8350}"/>
               </a:ext>
             </a:extLst>
           </p:cNvPr>
@@ -1024,7 +1024,7 @@
           <p:cNvPr id="2" name="제목 1">
             <a:extLst>
               <a:ext uri="{FF2B5EF4-FFF2-40B4-BE49-F238E27FC236}">
-                <a16:creationId xmlns="" xmlns:a16="http://schemas.microsoft.com/office/drawing/2014/main" id="{A4E6192F-16F7-4156-980D-9BC4689D37F3}"/>
+                <a16:creationId xmlns:a16="http://schemas.microsoft.com/office/drawing/2014/main" xmlns="" id="{A4E6192F-16F7-4156-980D-9BC4689D37F3}"/>
               </a:ext>
             </a:extLst>
           </p:cNvPr>
@@ -1052,7 +1052,7 @@
           <p:cNvPr id="3" name="세로 텍스트 개체 틀 2">
             <a:extLst>
               <a:ext uri="{FF2B5EF4-FFF2-40B4-BE49-F238E27FC236}">
-                <a16:creationId xmlns="" xmlns:a16="http://schemas.microsoft.com/office/drawing/2014/main" id="{0BF856BF-E6A0-427B-9743-BF1E7FF5CAD7}"/>
+                <a16:creationId xmlns:a16="http://schemas.microsoft.com/office/drawing/2014/main" xmlns="" id="{0BF856BF-E6A0-427B-9743-BF1E7FF5CAD7}"/>
               </a:ext>
             </a:extLst>
           </p:cNvPr>
@@ -1109,7 +1109,7 @@
           <p:cNvPr id="4" name="날짜 개체 틀 3">
             <a:extLst>
               <a:ext uri="{FF2B5EF4-FFF2-40B4-BE49-F238E27FC236}">
-                <a16:creationId xmlns="" xmlns:a16="http://schemas.microsoft.com/office/drawing/2014/main" id="{0DFFE4D9-2BF8-4E1E-AE82-B786BB4DF4DD}"/>
+                <a16:creationId xmlns:a16="http://schemas.microsoft.com/office/drawing/2014/main" xmlns="" id="{0DFFE4D9-2BF8-4E1E-AE82-B786BB4DF4DD}"/>
               </a:ext>
             </a:extLst>
           </p:cNvPr>
@@ -1138,7 +1138,7 @@
           <p:cNvPr id="5" name="바닥글 개체 틀 4">
             <a:extLst>
               <a:ext uri="{FF2B5EF4-FFF2-40B4-BE49-F238E27FC236}">
-                <a16:creationId xmlns="" xmlns:a16="http://schemas.microsoft.com/office/drawing/2014/main" id="{A6E63A7A-1947-4DE4-9856-08522CA44F16}"/>
+                <a16:creationId xmlns:a16="http://schemas.microsoft.com/office/drawing/2014/main" xmlns="" id="{A6E63A7A-1947-4DE4-9856-08522CA44F16}"/>
               </a:ext>
             </a:extLst>
           </p:cNvPr>
@@ -1163,7 +1163,7 @@
           <p:cNvPr id="6" name="슬라이드 번호 개체 틀 5">
             <a:extLst>
               <a:ext uri="{FF2B5EF4-FFF2-40B4-BE49-F238E27FC236}">
-                <a16:creationId xmlns="" xmlns:a16="http://schemas.microsoft.com/office/drawing/2014/main" id="{EFABCBC7-7058-49AA-A7A6-7325A683B03F}"/>
+                <a16:creationId xmlns:a16="http://schemas.microsoft.com/office/drawing/2014/main" xmlns="" id="{EFABCBC7-7058-49AA-A7A6-7325A683B03F}"/>
               </a:ext>
             </a:extLst>
           </p:cNvPr>
@@ -1222,7 +1222,7 @@
           <p:cNvPr id="2" name="세로 제목 1">
             <a:extLst>
               <a:ext uri="{FF2B5EF4-FFF2-40B4-BE49-F238E27FC236}">
-                <a16:creationId xmlns="" xmlns:a16="http://schemas.microsoft.com/office/drawing/2014/main" id="{FD43799D-65B0-4C27-935C-B5ADC678A83B}"/>
+                <a16:creationId xmlns:a16="http://schemas.microsoft.com/office/drawing/2014/main" xmlns="" id="{FD43799D-65B0-4C27-935C-B5ADC678A83B}"/>
               </a:ext>
             </a:extLst>
           </p:cNvPr>
@@ -1255,7 +1255,7 @@
           <p:cNvPr id="3" name="세로 텍스트 개체 틀 2">
             <a:extLst>
               <a:ext uri="{FF2B5EF4-FFF2-40B4-BE49-F238E27FC236}">
-                <a16:creationId xmlns="" xmlns:a16="http://schemas.microsoft.com/office/drawing/2014/main" id="{A512EDD2-456F-4ECD-8D59-B82DE904176B}"/>
+                <a16:creationId xmlns:a16="http://schemas.microsoft.com/office/drawing/2014/main" xmlns="" id="{A512EDD2-456F-4ECD-8D59-B82DE904176B}"/>
               </a:ext>
             </a:extLst>
           </p:cNvPr>
@@ -1317,7 +1317,7 @@
           <p:cNvPr id="4" name="날짜 개체 틀 3">
             <a:extLst>
               <a:ext uri="{FF2B5EF4-FFF2-40B4-BE49-F238E27FC236}">
-                <a16:creationId xmlns="" xmlns:a16="http://schemas.microsoft.com/office/drawing/2014/main" id="{707E441A-B1AA-4483-8EAE-0E2161F6E926}"/>
+                <a16:creationId xmlns:a16="http://schemas.microsoft.com/office/drawing/2014/main" xmlns="" id="{707E441A-B1AA-4483-8EAE-0E2161F6E926}"/>
               </a:ext>
             </a:extLst>
           </p:cNvPr>
@@ -1346,7 +1346,7 @@
           <p:cNvPr id="5" name="바닥글 개체 틀 4">
             <a:extLst>
               <a:ext uri="{FF2B5EF4-FFF2-40B4-BE49-F238E27FC236}">
-                <a16:creationId xmlns="" xmlns:a16="http://schemas.microsoft.com/office/drawing/2014/main" id="{97BB58B4-905A-4499-A703-717A03D445A6}"/>
+                <a16:creationId xmlns:a16="http://schemas.microsoft.com/office/drawing/2014/main" xmlns="" id="{97BB58B4-905A-4499-A703-717A03D445A6}"/>
               </a:ext>
             </a:extLst>
           </p:cNvPr>
@@ -1371,7 +1371,7 @@
           <p:cNvPr id="6" name="슬라이드 번호 개체 틀 5">
             <a:extLst>
               <a:ext uri="{FF2B5EF4-FFF2-40B4-BE49-F238E27FC236}">
-                <a16:creationId xmlns="" xmlns:a16="http://schemas.microsoft.com/office/drawing/2014/main" id="{689D1B0A-9198-4794-B122-59565E11F213}"/>
+                <a16:creationId xmlns:a16="http://schemas.microsoft.com/office/drawing/2014/main" xmlns="" id="{689D1B0A-9198-4794-B122-59565E11F213}"/>
               </a:ext>
             </a:extLst>
           </p:cNvPr>
@@ -1430,7 +1430,7 @@
           <p:cNvPr id="2" name="제목 1">
             <a:extLst>
               <a:ext uri="{FF2B5EF4-FFF2-40B4-BE49-F238E27FC236}">
-                <a16:creationId xmlns="" xmlns:a16="http://schemas.microsoft.com/office/drawing/2014/main" id="{7619C25F-D4C1-48C7-8550-36DA83BD74E7}"/>
+                <a16:creationId xmlns:a16="http://schemas.microsoft.com/office/drawing/2014/main" xmlns="" id="{7619C25F-D4C1-48C7-8550-36DA83BD74E7}"/>
               </a:ext>
             </a:extLst>
           </p:cNvPr>
@@ -1458,7 +1458,7 @@
           <p:cNvPr id="3" name="내용 개체 틀 2">
             <a:extLst>
               <a:ext uri="{FF2B5EF4-FFF2-40B4-BE49-F238E27FC236}">
-                <a16:creationId xmlns="" xmlns:a16="http://schemas.microsoft.com/office/drawing/2014/main" id="{210A4B44-B642-4041-81A5-C2E27B13BCDA}"/>
+                <a16:creationId xmlns:a16="http://schemas.microsoft.com/office/drawing/2014/main" xmlns="" id="{210A4B44-B642-4041-81A5-C2E27B13BCDA}"/>
               </a:ext>
             </a:extLst>
           </p:cNvPr>
@@ -1515,7 +1515,7 @@
           <p:cNvPr id="4" name="날짜 개체 틀 3">
             <a:extLst>
               <a:ext uri="{FF2B5EF4-FFF2-40B4-BE49-F238E27FC236}">
-                <a16:creationId xmlns="" xmlns:a16="http://schemas.microsoft.com/office/drawing/2014/main" id="{4B7D8DB0-BA70-465B-979A-E807A25FC998}"/>
+                <a16:creationId xmlns:a16="http://schemas.microsoft.com/office/drawing/2014/main" xmlns="" id="{4B7D8DB0-BA70-465B-979A-E807A25FC998}"/>
               </a:ext>
             </a:extLst>
           </p:cNvPr>
@@ -1544,7 +1544,7 @@
           <p:cNvPr id="5" name="바닥글 개체 틀 4">
             <a:extLst>
               <a:ext uri="{FF2B5EF4-FFF2-40B4-BE49-F238E27FC236}">
-                <a16:creationId xmlns="" xmlns:a16="http://schemas.microsoft.com/office/drawing/2014/main" id="{E021F5CD-D06B-47CA-98E3-8E6ECA4D4541}"/>
+                <a16:creationId xmlns:a16="http://schemas.microsoft.com/office/drawing/2014/main" xmlns="" id="{E021F5CD-D06B-47CA-98E3-8E6ECA4D4541}"/>
               </a:ext>
             </a:extLst>
           </p:cNvPr>
@@ -1569,7 +1569,7 @@
           <p:cNvPr id="6" name="슬라이드 번호 개체 틀 5">
             <a:extLst>
               <a:ext uri="{FF2B5EF4-FFF2-40B4-BE49-F238E27FC236}">
-                <a16:creationId xmlns="" xmlns:a16="http://schemas.microsoft.com/office/drawing/2014/main" id="{9639434C-538B-4EFC-A59C-025960C8418E}"/>
+                <a16:creationId xmlns:a16="http://schemas.microsoft.com/office/drawing/2014/main" xmlns="" id="{9639434C-538B-4EFC-A59C-025960C8418E}"/>
               </a:ext>
             </a:extLst>
           </p:cNvPr>
@@ -1628,7 +1628,7 @@
           <p:cNvPr id="2" name="제목 1">
             <a:extLst>
               <a:ext uri="{FF2B5EF4-FFF2-40B4-BE49-F238E27FC236}">
-                <a16:creationId xmlns="" xmlns:a16="http://schemas.microsoft.com/office/drawing/2014/main" id="{47CB8FC9-79A6-4F59-901B-387E956322C4}"/>
+                <a16:creationId xmlns:a16="http://schemas.microsoft.com/office/drawing/2014/main" xmlns="" id="{47CB8FC9-79A6-4F59-901B-387E956322C4}"/>
               </a:ext>
             </a:extLst>
           </p:cNvPr>
@@ -1665,7 +1665,7 @@
           <p:cNvPr id="3" name="텍스트 개체 틀 2">
             <a:extLst>
               <a:ext uri="{FF2B5EF4-FFF2-40B4-BE49-F238E27FC236}">
-                <a16:creationId xmlns="" xmlns:a16="http://schemas.microsoft.com/office/drawing/2014/main" id="{CF374E13-91A7-459F-9F92-52279A00116B}"/>
+                <a16:creationId xmlns:a16="http://schemas.microsoft.com/office/drawing/2014/main" xmlns="" id="{CF374E13-91A7-459F-9F92-52279A00116B}"/>
               </a:ext>
             </a:extLst>
           </p:cNvPr>
@@ -1790,7 +1790,7 @@
           <p:cNvPr id="4" name="날짜 개체 틀 3">
             <a:extLst>
               <a:ext uri="{FF2B5EF4-FFF2-40B4-BE49-F238E27FC236}">
-                <a16:creationId xmlns="" xmlns:a16="http://schemas.microsoft.com/office/drawing/2014/main" id="{6251BF19-B66C-406A-8C88-234FBEE92F30}"/>
+                <a16:creationId xmlns:a16="http://schemas.microsoft.com/office/drawing/2014/main" xmlns="" id="{6251BF19-B66C-406A-8C88-234FBEE92F30}"/>
               </a:ext>
             </a:extLst>
           </p:cNvPr>
@@ -1819,7 +1819,7 @@
           <p:cNvPr id="5" name="바닥글 개체 틀 4">
             <a:extLst>
               <a:ext uri="{FF2B5EF4-FFF2-40B4-BE49-F238E27FC236}">
-                <a16:creationId xmlns="" xmlns:a16="http://schemas.microsoft.com/office/drawing/2014/main" id="{A2FD0ACB-CAFB-4BC4-AEC9-CBE22E7A96CE}"/>
+                <a16:creationId xmlns:a16="http://schemas.microsoft.com/office/drawing/2014/main" xmlns="" id="{A2FD0ACB-CAFB-4BC4-AEC9-CBE22E7A96CE}"/>
               </a:ext>
             </a:extLst>
           </p:cNvPr>
@@ -1844,7 +1844,7 @@
           <p:cNvPr id="6" name="슬라이드 번호 개체 틀 5">
             <a:extLst>
               <a:ext uri="{FF2B5EF4-FFF2-40B4-BE49-F238E27FC236}">
-                <a16:creationId xmlns="" xmlns:a16="http://schemas.microsoft.com/office/drawing/2014/main" id="{FD8FFA3E-5D83-409D-85AE-A26DD94C1EAA}"/>
+                <a16:creationId xmlns:a16="http://schemas.microsoft.com/office/drawing/2014/main" xmlns="" id="{FD8FFA3E-5D83-409D-85AE-A26DD94C1EAA}"/>
               </a:ext>
             </a:extLst>
           </p:cNvPr>
@@ -1903,7 +1903,7 @@
           <p:cNvPr id="2" name="제목 1">
             <a:extLst>
               <a:ext uri="{FF2B5EF4-FFF2-40B4-BE49-F238E27FC236}">
-                <a16:creationId xmlns="" xmlns:a16="http://schemas.microsoft.com/office/drawing/2014/main" id="{9A4E10F1-A1BF-45B4-BDEA-E9BC488E36A2}"/>
+                <a16:creationId xmlns:a16="http://schemas.microsoft.com/office/drawing/2014/main" xmlns="" id="{9A4E10F1-A1BF-45B4-BDEA-E9BC488E36A2}"/>
               </a:ext>
             </a:extLst>
           </p:cNvPr>
@@ -1931,7 +1931,7 @@
           <p:cNvPr id="3" name="내용 개체 틀 2">
             <a:extLst>
               <a:ext uri="{FF2B5EF4-FFF2-40B4-BE49-F238E27FC236}">
-                <a16:creationId xmlns="" xmlns:a16="http://schemas.microsoft.com/office/drawing/2014/main" id="{F7876CB5-2C9E-4A91-A4AC-635D35402EBA}"/>
+                <a16:creationId xmlns:a16="http://schemas.microsoft.com/office/drawing/2014/main" xmlns="" id="{F7876CB5-2C9E-4A91-A4AC-635D35402EBA}"/>
               </a:ext>
             </a:extLst>
           </p:cNvPr>
@@ -1993,7 +1993,7 @@
           <p:cNvPr id="4" name="내용 개체 틀 3">
             <a:extLst>
               <a:ext uri="{FF2B5EF4-FFF2-40B4-BE49-F238E27FC236}">
-                <a16:creationId xmlns="" xmlns:a16="http://schemas.microsoft.com/office/drawing/2014/main" id="{DE5ED927-99CF-4776-9116-5C5CB9583B94}"/>
+                <a16:creationId xmlns:a16="http://schemas.microsoft.com/office/drawing/2014/main" xmlns="" id="{DE5ED927-99CF-4776-9116-5C5CB9583B94}"/>
               </a:ext>
             </a:extLst>
           </p:cNvPr>
@@ -2055,7 +2055,7 @@
           <p:cNvPr id="5" name="날짜 개체 틀 4">
             <a:extLst>
               <a:ext uri="{FF2B5EF4-FFF2-40B4-BE49-F238E27FC236}">
-                <a16:creationId xmlns="" xmlns:a16="http://schemas.microsoft.com/office/drawing/2014/main" id="{17A8313B-3679-43EC-AA63-4BD31C7E3F36}"/>
+                <a16:creationId xmlns:a16="http://schemas.microsoft.com/office/drawing/2014/main" xmlns="" id="{17A8313B-3679-43EC-AA63-4BD31C7E3F36}"/>
               </a:ext>
             </a:extLst>
           </p:cNvPr>
@@ -2084,7 +2084,7 @@
           <p:cNvPr id="6" name="바닥글 개체 틀 5">
             <a:extLst>
               <a:ext uri="{FF2B5EF4-FFF2-40B4-BE49-F238E27FC236}">
-                <a16:creationId xmlns="" xmlns:a16="http://schemas.microsoft.com/office/drawing/2014/main" id="{CB829C10-0C89-485D-A298-8DCE439BDCA6}"/>
+                <a16:creationId xmlns:a16="http://schemas.microsoft.com/office/drawing/2014/main" xmlns="" id="{CB829C10-0C89-485D-A298-8DCE439BDCA6}"/>
               </a:ext>
             </a:extLst>
           </p:cNvPr>
@@ -2109,7 +2109,7 @@
           <p:cNvPr id="7" name="슬라이드 번호 개체 틀 6">
             <a:extLst>
               <a:ext uri="{FF2B5EF4-FFF2-40B4-BE49-F238E27FC236}">
-                <a16:creationId xmlns="" xmlns:a16="http://schemas.microsoft.com/office/drawing/2014/main" id="{7599E11A-D9D2-4AF0-8C11-B23B9732727F}"/>
+                <a16:creationId xmlns:a16="http://schemas.microsoft.com/office/drawing/2014/main" xmlns="" id="{7599E11A-D9D2-4AF0-8C11-B23B9732727F}"/>
               </a:ext>
             </a:extLst>
           </p:cNvPr>
@@ -2168,7 +2168,7 @@
           <p:cNvPr id="2" name="제목 1">
             <a:extLst>
               <a:ext uri="{FF2B5EF4-FFF2-40B4-BE49-F238E27FC236}">
-                <a16:creationId xmlns="" xmlns:a16="http://schemas.microsoft.com/office/drawing/2014/main" id="{DAA7C695-5C55-418F-9CB3-B9D561392EED}"/>
+                <a16:creationId xmlns:a16="http://schemas.microsoft.com/office/drawing/2014/main" xmlns="" id="{DAA7C695-5C55-418F-9CB3-B9D561392EED}"/>
               </a:ext>
             </a:extLst>
           </p:cNvPr>
@@ -2201,7 +2201,7 @@
           <p:cNvPr id="3" name="텍스트 개체 틀 2">
             <a:extLst>
               <a:ext uri="{FF2B5EF4-FFF2-40B4-BE49-F238E27FC236}">
-                <a16:creationId xmlns="" xmlns:a16="http://schemas.microsoft.com/office/drawing/2014/main" id="{6643B665-A833-430F-A833-B8773FC4AE69}"/>
+                <a16:creationId xmlns:a16="http://schemas.microsoft.com/office/drawing/2014/main" xmlns="" id="{6643B665-A833-430F-A833-B8773FC4AE69}"/>
               </a:ext>
             </a:extLst>
           </p:cNvPr>
@@ -2272,7 +2272,7 @@
           <p:cNvPr id="4" name="내용 개체 틀 3">
             <a:extLst>
               <a:ext uri="{FF2B5EF4-FFF2-40B4-BE49-F238E27FC236}">
-                <a16:creationId xmlns="" xmlns:a16="http://schemas.microsoft.com/office/drawing/2014/main" id="{C68EF6B3-CAC5-4330-9E2B-799EBC43882E}"/>
+                <a16:creationId xmlns:a16="http://schemas.microsoft.com/office/drawing/2014/main" xmlns="" id="{C68EF6B3-CAC5-4330-9E2B-799EBC43882E}"/>
               </a:ext>
             </a:extLst>
           </p:cNvPr>
@@ -2334,7 +2334,7 @@
           <p:cNvPr id="5" name="텍스트 개체 틀 4">
             <a:extLst>
               <a:ext uri="{FF2B5EF4-FFF2-40B4-BE49-F238E27FC236}">
-                <a16:creationId xmlns="" xmlns:a16="http://schemas.microsoft.com/office/drawing/2014/main" id="{602B5059-389F-40E6-8933-D542945DD7C2}"/>
+                <a16:creationId xmlns:a16="http://schemas.microsoft.com/office/drawing/2014/main" xmlns="" id="{602B5059-389F-40E6-8933-D542945DD7C2}"/>
               </a:ext>
             </a:extLst>
           </p:cNvPr>
@@ -2405,7 +2405,7 @@
           <p:cNvPr id="6" name="내용 개체 틀 5">
             <a:extLst>
               <a:ext uri="{FF2B5EF4-FFF2-40B4-BE49-F238E27FC236}">
-                <a16:creationId xmlns="" xmlns:a16="http://schemas.microsoft.com/office/drawing/2014/main" id="{0BDA89CE-5E2C-46DE-A67B-BBC8444EB605}"/>
+                <a16:creationId xmlns:a16="http://schemas.microsoft.com/office/drawing/2014/main" xmlns="" id="{0BDA89CE-5E2C-46DE-A67B-BBC8444EB605}"/>
               </a:ext>
             </a:extLst>
           </p:cNvPr>
@@ -2467,7 +2467,7 @@
           <p:cNvPr id="7" name="날짜 개체 틀 6">
             <a:extLst>
               <a:ext uri="{FF2B5EF4-FFF2-40B4-BE49-F238E27FC236}">
-                <a16:creationId xmlns="" xmlns:a16="http://schemas.microsoft.com/office/drawing/2014/main" id="{F84FC68A-BE51-485F-8C17-CE78BF80BFFD}"/>
+                <a16:creationId xmlns:a16="http://schemas.microsoft.com/office/drawing/2014/main" xmlns="" id="{F84FC68A-BE51-485F-8C17-CE78BF80BFFD}"/>
               </a:ext>
             </a:extLst>
           </p:cNvPr>
@@ -2496,7 +2496,7 @@
           <p:cNvPr id="8" name="바닥글 개체 틀 7">
             <a:extLst>
               <a:ext uri="{FF2B5EF4-FFF2-40B4-BE49-F238E27FC236}">
-                <a16:creationId xmlns="" xmlns:a16="http://schemas.microsoft.com/office/drawing/2014/main" id="{1A09F476-F1B5-4639-912D-5A8740A3B5F6}"/>
+                <a16:creationId xmlns:a16="http://schemas.microsoft.com/office/drawing/2014/main" xmlns="" id="{1A09F476-F1B5-4639-912D-5A8740A3B5F6}"/>
               </a:ext>
             </a:extLst>
           </p:cNvPr>
@@ -2521,7 +2521,7 @@
           <p:cNvPr id="9" name="슬라이드 번호 개체 틀 8">
             <a:extLst>
               <a:ext uri="{FF2B5EF4-FFF2-40B4-BE49-F238E27FC236}">
-                <a16:creationId xmlns="" xmlns:a16="http://schemas.microsoft.com/office/drawing/2014/main" id="{C78E17CC-6223-4CA8-9429-2BE8F9D5D5C6}"/>
+                <a16:creationId xmlns:a16="http://schemas.microsoft.com/office/drawing/2014/main" xmlns="" id="{C78E17CC-6223-4CA8-9429-2BE8F9D5D5C6}"/>
               </a:ext>
             </a:extLst>
           </p:cNvPr>
@@ -2580,7 +2580,7 @@
           <p:cNvPr id="2" name="제목 1">
             <a:extLst>
               <a:ext uri="{FF2B5EF4-FFF2-40B4-BE49-F238E27FC236}">
-                <a16:creationId xmlns="" xmlns:a16="http://schemas.microsoft.com/office/drawing/2014/main" id="{F858DC61-F3C0-443B-B218-20B654E60979}"/>
+                <a16:creationId xmlns:a16="http://schemas.microsoft.com/office/drawing/2014/main" xmlns="" id="{F858DC61-F3C0-443B-B218-20B654E60979}"/>
               </a:ext>
             </a:extLst>
           </p:cNvPr>
@@ -2608,7 +2608,7 @@
           <p:cNvPr id="3" name="날짜 개체 틀 2">
             <a:extLst>
               <a:ext uri="{FF2B5EF4-FFF2-40B4-BE49-F238E27FC236}">
-                <a16:creationId xmlns="" xmlns:a16="http://schemas.microsoft.com/office/drawing/2014/main" id="{4E72E576-A139-48B1-8AE3-9C1285E3F483}"/>
+                <a16:creationId xmlns:a16="http://schemas.microsoft.com/office/drawing/2014/main" xmlns="" id="{4E72E576-A139-48B1-8AE3-9C1285E3F483}"/>
               </a:ext>
             </a:extLst>
           </p:cNvPr>
@@ -2637,7 +2637,7 @@
           <p:cNvPr id="4" name="바닥글 개체 틀 3">
             <a:extLst>
               <a:ext uri="{FF2B5EF4-FFF2-40B4-BE49-F238E27FC236}">
-                <a16:creationId xmlns="" xmlns:a16="http://schemas.microsoft.com/office/drawing/2014/main" id="{AB07625C-D6E9-4D8E-8942-530AF08F4B8B}"/>
+                <a16:creationId xmlns:a16="http://schemas.microsoft.com/office/drawing/2014/main" xmlns="" id="{AB07625C-D6E9-4D8E-8942-530AF08F4B8B}"/>
               </a:ext>
             </a:extLst>
           </p:cNvPr>
@@ -2662,7 +2662,7 @@
           <p:cNvPr id="5" name="슬라이드 번호 개체 틀 4">
             <a:extLst>
               <a:ext uri="{FF2B5EF4-FFF2-40B4-BE49-F238E27FC236}">
-                <a16:creationId xmlns="" xmlns:a16="http://schemas.microsoft.com/office/drawing/2014/main" id="{BF74A675-8EAE-40F8-8508-391FBE91CC0D}"/>
+                <a16:creationId xmlns:a16="http://schemas.microsoft.com/office/drawing/2014/main" xmlns="" id="{BF74A675-8EAE-40F8-8508-391FBE91CC0D}"/>
               </a:ext>
             </a:extLst>
           </p:cNvPr>
@@ -2721,7 +2721,7 @@
           <p:cNvPr id="2" name="날짜 개체 틀 1">
             <a:extLst>
               <a:ext uri="{FF2B5EF4-FFF2-40B4-BE49-F238E27FC236}">
-                <a16:creationId xmlns="" xmlns:a16="http://schemas.microsoft.com/office/drawing/2014/main" id="{7BBCE153-304C-46C8-86F2-379BAD5AB8CE}"/>
+                <a16:creationId xmlns:a16="http://schemas.microsoft.com/office/drawing/2014/main" xmlns="" id="{7BBCE153-304C-46C8-86F2-379BAD5AB8CE}"/>
               </a:ext>
             </a:extLst>
           </p:cNvPr>
@@ -2750,7 +2750,7 @@
           <p:cNvPr id="3" name="바닥글 개체 틀 2">
             <a:extLst>
               <a:ext uri="{FF2B5EF4-FFF2-40B4-BE49-F238E27FC236}">
-                <a16:creationId xmlns="" xmlns:a16="http://schemas.microsoft.com/office/drawing/2014/main" id="{B589C162-04F6-4462-81FE-9B483243ED48}"/>
+                <a16:creationId xmlns:a16="http://schemas.microsoft.com/office/drawing/2014/main" xmlns="" id="{B589C162-04F6-4462-81FE-9B483243ED48}"/>
               </a:ext>
             </a:extLst>
           </p:cNvPr>
@@ -2775,7 +2775,7 @@
           <p:cNvPr id="4" name="슬라이드 번호 개체 틀 3">
             <a:extLst>
               <a:ext uri="{FF2B5EF4-FFF2-40B4-BE49-F238E27FC236}">
-                <a16:creationId xmlns="" xmlns:a16="http://schemas.microsoft.com/office/drawing/2014/main" id="{E437322D-84B1-41E3-A180-6D707DC967C0}"/>
+                <a16:creationId xmlns:a16="http://schemas.microsoft.com/office/drawing/2014/main" xmlns="" id="{E437322D-84B1-41E3-A180-6D707DC967C0}"/>
               </a:ext>
             </a:extLst>
           </p:cNvPr>
@@ -2804,7 +2804,7 @@
           <p:cNvPr id="6" name="TextBox 5">
             <a:extLst>
               <a:ext uri="{FF2B5EF4-FFF2-40B4-BE49-F238E27FC236}">
-                <a16:creationId xmlns="" xmlns:a16="http://schemas.microsoft.com/office/drawing/2014/main" id="{EA1559A0-4CBE-4EF2-84C1-3D643003F365}"/>
+                <a16:creationId xmlns:a16="http://schemas.microsoft.com/office/drawing/2014/main" xmlns="" id="{EA1559A0-4CBE-4EF2-84C1-3D643003F365}"/>
               </a:ext>
             </a:extLst>
           </p:cNvPr>
@@ -2886,7 +2886,7 @@
           <p:cNvPr id="2" name="날짜 개체 틀 1">
             <a:extLst>
               <a:ext uri="{FF2B5EF4-FFF2-40B4-BE49-F238E27FC236}">
-                <a16:creationId xmlns="" xmlns:a16="http://schemas.microsoft.com/office/drawing/2014/main" id="{7BBCE153-304C-46C8-86F2-379BAD5AB8CE}"/>
+                <a16:creationId xmlns:a16="http://schemas.microsoft.com/office/drawing/2014/main" xmlns="" id="{7BBCE153-304C-46C8-86F2-379BAD5AB8CE}"/>
               </a:ext>
             </a:extLst>
           </p:cNvPr>
@@ -2915,7 +2915,7 @@
           <p:cNvPr id="3" name="바닥글 개체 틀 2">
             <a:extLst>
               <a:ext uri="{FF2B5EF4-FFF2-40B4-BE49-F238E27FC236}">
-                <a16:creationId xmlns="" xmlns:a16="http://schemas.microsoft.com/office/drawing/2014/main" id="{B589C162-04F6-4462-81FE-9B483243ED48}"/>
+                <a16:creationId xmlns:a16="http://schemas.microsoft.com/office/drawing/2014/main" xmlns="" id="{B589C162-04F6-4462-81FE-9B483243ED48}"/>
               </a:ext>
             </a:extLst>
           </p:cNvPr>
@@ -2940,7 +2940,7 @@
           <p:cNvPr id="4" name="슬라이드 번호 개체 틀 3">
             <a:extLst>
               <a:ext uri="{FF2B5EF4-FFF2-40B4-BE49-F238E27FC236}">
-                <a16:creationId xmlns="" xmlns:a16="http://schemas.microsoft.com/office/drawing/2014/main" id="{E437322D-84B1-41E3-A180-6D707DC967C0}"/>
+                <a16:creationId xmlns:a16="http://schemas.microsoft.com/office/drawing/2014/main" xmlns="" id="{E437322D-84B1-41E3-A180-6D707DC967C0}"/>
               </a:ext>
             </a:extLst>
           </p:cNvPr>
@@ -2969,7 +2969,7 @@
           <p:cNvPr id="5" name="직사각형 4">
             <a:extLst>
               <a:ext uri="{FF2B5EF4-FFF2-40B4-BE49-F238E27FC236}">
-                <a16:creationId xmlns="" xmlns:a16="http://schemas.microsoft.com/office/drawing/2014/main" id="{C672B046-0BED-48B8-B0A1-3A7516FDA0CF}"/>
+                <a16:creationId xmlns:a16="http://schemas.microsoft.com/office/drawing/2014/main" xmlns="" id="{C672B046-0BED-48B8-B0A1-3A7516FDA0CF}"/>
               </a:ext>
             </a:extLst>
           </p:cNvPr>
@@ -3018,7 +3018,7 @@
           <p:cNvPr id="7" name="직선 연결선 6">
             <a:extLst>
               <a:ext uri="{FF2B5EF4-FFF2-40B4-BE49-F238E27FC236}">
-                <a16:creationId xmlns="" xmlns:a16="http://schemas.microsoft.com/office/drawing/2014/main" id="{B1EF740D-F6D4-46B7-8678-1D7C5E167101}"/>
+                <a16:creationId xmlns:a16="http://schemas.microsoft.com/office/drawing/2014/main" xmlns="" id="{B1EF740D-F6D4-46B7-8678-1D7C5E167101}"/>
               </a:ext>
             </a:extLst>
           </p:cNvPr>
@@ -3084,7 +3084,7 @@
           <p:cNvPr id="2" name="제목 1">
             <a:extLst>
               <a:ext uri="{FF2B5EF4-FFF2-40B4-BE49-F238E27FC236}">
-                <a16:creationId xmlns="" xmlns:a16="http://schemas.microsoft.com/office/drawing/2014/main" id="{A10127AB-4DD1-4B5A-9A0F-D5B9819067C4}"/>
+                <a16:creationId xmlns:a16="http://schemas.microsoft.com/office/drawing/2014/main" xmlns="" id="{A10127AB-4DD1-4B5A-9A0F-D5B9819067C4}"/>
               </a:ext>
             </a:extLst>
           </p:cNvPr>
@@ -3121,7 +3121,7 @@
           <p:cNvPr id="3" name="내용 개체 틀 2">
             <a:extLst>
               <a:ext uri="{FF2B5EF4-FFF2-40B4-BE49-F238E27FC236}">
-                <a16:creationId xmlns="" xmlns:a16="http://schemas.microsoft.com/office/drawing/2014/main" id="{0A4DF600-33EA-4D56-BB0F-20F468C63FFF}"/>
+                <a16:creationId xmlns:a16="http://schemas.microsoft.com/office/drawing/2014/main" xmlns="" id="{0A4DF600-33EA-4D56-BB0F-20F468C63FFF}"/>
               </a:ext>
             </a:extLst>
           </p:cNvPr>
@@ -3211,7 +3211,7 @@
           <p:cNvPr id="4" name="텍스트 개체 틀 3">
             <a:extLst>
               <a:ext uri="{FF2B5EF4-FFF2-40B4-BE49-F238E27FC236}">
-                <a16:creationId xmlns="" xmlns:a16="http://schemas.microsoft.com/office/drawing/2014/main" id="{4695F78C-48CF-40BE-A301-D10D936F5661}"/>
+                <a16:creationId xmlns:a16="http://schemas.microsoft.com/office/drawing/2014/main" xmlns="" id="{4695F78C-48CF-40BE-A301-D10D936F5661}"/>
               </a:ext>
             </a:extLst>
           </p:cNvPr>
@@ -3282,7 +3282,7 @@
           <p:cNvPr id="5" name="날짜 개체 틀 4">
             <a:extLst>
               <a:ext uri="{FF2B5EF4-FFF2-40B4-BE49-F238E27FC236}">
-                <a16:creationId xmlns="" xmlns:a16="http://schemas.microsoft.com/office/drawing/2014/main" id="{80A6ECAA-5EC0-4964-86F7-1B7368120CBF}"/>
+                <a16:creationId xmlns:a16="http://schemas.microsoft.com/office/drawing/2014/main" xmlns="" id="{80A6ECAA-5EC0-4964-86F7-1B7368120CBF}"/>
               </a:ext>
             </a:extLst>
           </p:cNvPr>
@@ -3311,7 +3311,7 @@
           <p:cNvPr id="6" name="바닥글 개체 틀 5">
             <a:extLst>
               <a:ext uri="{FF2B5EF4-FFF2-40B4-BE49-F238E27FC236}">
-                <a16:creationId xmlns="" xmlns:a16="http://schemas.microsoft.com/office/drawing/2014/main" id="{2FD29CC7-3886-4A7D-AFBD-40F7F3286671}"/>
+                <a16:creationId xmlns:a16="http://schemas.microsoft.com/office/drawing/2014/main" xmlns="" id="{2FD29CC7-3886-4A7D-AFBD-40F7F3286671}"/>
               </a:ext>
             </a:extLst>
           </p:cNvPr>
@@ -3336,7 +3336,7 @@
           <p:cNvPr id="7" name="슬라이드 번호 개체 틀 6">
             <a:extLst>
               <a:ext uri="{FF2B5EF4-FFF2-40B4-BE49-F238E27FC236}">
-                <a16:creationId xmlns="" xmlns:a16="http://schemas.microsoft.com/office/drawing/2014/main" id="{2E786EEC-31F6-42F3-A43E-2AF0F04CA71E}"/>
+                <a16:creationId xmlns:a16="http://schemas.microsoft.com/office/drawing/2014/main" xmlns="" id="{2E786EEC-31F6-42F3-A43E-2AF0F04CA71E}"/>
               </a:ext>
             </a:extLst>
           </p:cNvPr>
@@ -3400,7 +3400,7 @@
           <p:cNvPr id="2" name="제목 개체 틀 1">
             <a:extLst>
               <a:ext uri="{FF2B5EF4-FFF2-40B4-BE49-F238E27FC236}">
-                <a16:creationId xmlns="" xmlns:a16="http://schemas.microsoft.com/office/drawing/2014/main" id="{1E45836A-B023-4C91-BC5F-CDABB59554FE}"/>
+                <a16:creationId xmlns:a16="http://schemas.microsoft.com/office/drawing/2014/main" xmlns="" id="{1E45836A-B023-4C91-BC5F-CDABB59554FE}"/>
               </a:ext>
             </a:extLst>
           </p:cNvPr>
@@ -3438,7 +3438,7 @@
           <p:cNvPr id="3" name="텍스트 개체 틀 2">
             <a:extLst>
               <a:ext uri="{FF2B5EF4-FFF2-40B4-BE49-F238E27FC236}">
-                <a16:creationId xmlns="" xmlns:a16="http://schemas.microsoft.com/office/drawing/2014/main" id="{39E9E701-F446-4710-B19E-CEEF272879C3}"/>
+                <a16:creationId xmlns:a16="http://schemas.microsoft.com/office/drawing/2014/main" xmlns="" id="{39E9E701-F446-4710-B19E-CEEF272879C3}"/>
               </a:ext>
             </a:extLst>
           </p:cNvPr>
@@ -3505,7 +3505,7 @@
           <p:cNvPr id="4" name="날짜 개체 틀 3">
             <a:extLst>
               <a:ext uri="{FF2B5EF4-FFF2-40B4-BE49-F238E27FC236}">
-                <a16:creationId xmlns="" xmlns:a16="http://schemas.microsoft.com/office/drawing/2014/main" id="{5C736A5A-3E0A-4497-9A09-57DDDF4ABFE3}"/>
+                <a16:creationId xmlns:a16="http://schemas.microsoft.com/office/drawing/2014/main" xmlns="" id="{5C736A5A-3E0A-4497-9A09-57DDDF4ABFE3}"/>
               </a:ext>
             </a:extLst>
           </p:cNvPr>
@@ -3552,7 +3552,7 @@
           <p:cNvPr id="5" name="바닥글 개체 틀 4">
             <a:extLst>
               <a:ext uri="{FF2B5EF4-FFF2-40B4-BE49-F238E27FC236}">
-                <a16:creationId xmlns="" xmlns:a16="http://schemas.microsoft.com/office/drawing/2014/main" id="{C9D867AD-22ED-4DFA-B1E8-805FAA5BC01D}"/>
+                <a16:creationId xmlns:a16="http://schemas.microsoft.com/office/drawing/2014/main" xmlns="" id="{C9D867AD-22ED-4DFA-B1E8-805FAA5BC01D}"/>
               </a:ext>
             </a:extLst>
           </p:cNvPr>
@@ -3595,7 +3595,7 @@
           <p:cNvPr id="6" name="슬라이드 번호 개체 틀 5">
             <a:extLst>
               <a:ext uri="{FF2B5EF4-FFF2-40B4-BE49-F238E27FC236}">
-                <a16:creationId xmlns="" xmlns:a16="http://schemas.microsoft.com/office/drawing/2014/main" id="{CA530E4C-9130-42B5-98F3-F6B2A94F8324}"/>
+                <a16:creationId xmlns:a16="http://schemas.microsoft.com/office/drawing/2014/main" xmlns="" id="{CA530E4C-9130-42B5-98F3-F6B2A94F8324}"/>
               </a:ext>
             </a:extLst>
           </p:cNvPr>
@@ -3964,7 +3964,7 @@
           <p:cNvPr id="8" name="그림 7">
             <a:extLst>
               <a:ext uri="{FF2B5EF4-FFF2-40B4-BE49-F238E27FC236}">
-                <a16:creationId xmlns="" xmlns:a16="http://schemas.microsoft.com/office/drawing/2014/main" id="{87F07B2D-F042-4FF1-BC13-82D44E6988B9}"/>
+                <a16:creationId xmlns:a16="http://schemas.microsoft.com/office/drawing/2014/main" xmlns="" id="{87F07B2D-F042-4FF1-BC13-82D44E6988B9}"/>
               </a:ext>
             </a:extLst>
           </p:cNvPr>
@@ -4000,7 +4000,7 @@
           <p:cNvPr id="5" name="직사각형 4">
             <a:extLst>
               <a:ext uri="{FF2B5EF4-FFF2-40B4-BE49-F238E27FC236}">
-                <a16:creationId xmlns="" xmlns:a16="http://schemas.microsoft.com/office/drawing/2014/main" id="{7206CD00-DC72-469F-94C5-BD075FF21380}"/>
+                <a16:creationId xmlns:a16="http://schemas.microsoft.com/office/drawing/2014/main" xmlns="" id="{7206CD00-DC72-469F-94C5-BD075FF21380}"/>
               </a:ext>
             </a:extLst>
           </p:cNvPr>
@@ -4054,7 +4054,7 @@
           <p:cNvPr id="4" name="TextBox 3">
             <a:extLst>
               <a:ext uri="{FF2B5EF4-FFF2-40B4-BE49-F238E27FC236}">
-                <a16:creationId xmlns="" xmlns:a16="http://schemas.microsoft.com/office/drawing/2014/main" id="{01A885B9-1823-4A3F-8A93-1D59CF9EFC41}"/>
+                <a16:creationId xmlns:a16="http://schemas.microsoft.com/office/drawing/2014/main" xmlns="" id="{01A885B9-1823-4A3F-8A93-1D59CF9EFC41}"/>
               </a:ext>
             </a:extLst>
           </p:cNvPr>
@@ -4364,7 +4364,7 @@
           <p:cNvPr id="2" name="TextBox 1">
             <a:extLst>
               <a:ext uri="{FF2B5EF4-FFF2-40B4-BE49-F238E27FC236}">
-                <a16:creationId xmlns="" xmlns:a16="http://schemas.microsoft.com/office/drawing/2014/main" id="{31A5AC5C-D727-4084-9BA7-A2CDFEA8D97E}"/>
+                <a16:creationId xmlns:a16="http://schemas.microsoft.com/office/drawing/2014/main" xmlns="" id="{31A5AC5C-D727-4084-9BA7-A2CDFEA8D97E}"/>
               </a:ext>
             </a:extLst>
           </p:cNvPr>
@@ -4416,7 +4416,7 @@
           <p:cNvPr id="3" name="TextBox 2">
             <a:extLst>
               <a:ext uri="{FF2B5EF4-FFF2-40B4-BE49-F238E27FC236}">
-                <a16:creationId xmlns="" xmlns:a16="http://schemas.microsoft.com/office/drawing/2014/main" id="{1AF5377B-ADAB-436A-AF5E-3EE08A3BAC04}"/>
+                <a16:creationId xmlns:a16="http://schemas.microsoft.com/office/drawing/2014/main" xmlns="" id="{1AF5377B-ADAB-436A-AF5E-3EE08A3BAC04}"/>
               </a:ext>
             </a:extLst>
           </p:cNvPr>
@@ -4468,7 +4468,7 @@
           <p:cNvPr id="14" name="직사각형 13">
             <a:extLst>
               <a:ext uri="{FF2B5EF4-FFF2-40B4-BE49-F238E27FC236}">
-                <a16:creationId xmlns="" xmlns:a16="http://schemas.microsoft.com/office/drawing/2014/main" id="{55871BD9-92F1-4B0E-BB43-ACB4ADF09645}"/>
+                <a16:creationId xmlns:a16="http://schemas.microsoft.com/office/drawing/2014/main" xmlns="" id="{55871BD9-92F1-4B0E-BB43-ACB4ADF09645}"/>
               </a:ext>
             </a:extLst>
           </p:cNvPr>
@@ -4626,7 +4626,7 @@
             <p:cNvPr id="35" name="TextBox 34">
               <a:extLst>
                 <a:ext uri="{FF2B5EF4-FFF2-40B4-BE49-F238E27FC236}">
-                  <a16:creationId xmlns="" xmlns:a16="http://schemas.microsoft.com/office/drawing/2014/main" id="{0F5B2BAC-C6F6-4279-8224-B27B178BD07B}"/>
+                  <a16:creationId xmlns:a16="http://schemas.microsoft.com/office/drawing/2014/main" xmlns="" id="{0F5B2BAC-C6F6-4279-8224-B27B178BD07B}"/>
                 </a:ext>
               </a:extLst>
             </p:cNvPr>
@@ -4731,7 +4731,7 @@
             <p:cNvPr id="36" name="직선 연결선 35">
               <a:extLst>
                 <a:ext uri="{FF2B5EF4-FFF2-40B4-BE49-F238E27FC236}">
-                  <a16:creationId xmlns="" xmlns:a16="http://schemas.microsoft.com/office/drawing/2014/main" id="{62C2A2A0-6AD7-41C3-8981-DAFA06972EA6}"/>
+                  <a16:creationId xmlns:a16="http://schemas.microsoft.com/office/drawing/2014/main" xmlns="" id="{62C2A2A0-6AD7-41C3-8981-DAFA06972EA6}"/>
                 </a:ext>
               </a:extLst>
             </p:cNvPr>
@@ -4776,7 +4776,7 @@
             <p:cNvPr id="37" name="TextBox 36">
               <a:extLst>
                 <a:ext uri="{FF2B5EF4-FFF2-40B4-BE49-F238E27FC236}">
-                  <a16:creationId xmlns="" xmlns:a16="http://schemas.microsoft.com/office/drawing/2014/main" id="{099C952E-6D4E-4DB7-82C8-05415BEFA7D5}"/>
+                  <a16:creationId xmlns:a16="http://schemas.microsoft.com/office/drawing/2014/main" xmlns="" id="{099C952E-6D4E-4DB7-82C8-05415BEFA7D5}"/>
                 </a:ext>
               </a:extLst>
             </p:cNvPr>
@@ -6604,7 +6604,7 @@
           <p:cNvPr id="2" name="TextBox 1">
             <a:extLst>
               <a:ext uri="{FF2B5EF4-FFF2-40B4-BE49-F238E27FC236}">
-                <a16:creationId xmlns="" xmlns:a16="http://schemas.microsoft.com/office/drawing/2014/main" id="{31A5AC5C-D727-4084-9BA7-A2CDFEA8D97E}"/>
+                <a16:creationId xmlns:a16="http://schemas.microsoft.com/office/drawing/2014/main" xmlns="" id="{31A5AC5C-D727-4084-9BA7-A2CDFEA8D97E}"/>
               </a:ext>
             </a:extLst>
           </p:cNvPr>
@@ -6656,7 +6656,7 @@
           <p:cNvPr id="3" name="TextBox 2">
             <a:extLst>
               <a:ext uri="{FF2B5EF4-FFF2-40B4-BE49-F238E27FC236}">
-                <a16:creationId xmlns="" xmlns:a16="http://schemas.microsoft.com/office/drawing/2014/main" id="{1AF5377B-ADAB-436A-AF5E-3EE08A3BAC04}"/>
+                <a16:creationId xmlns:a16="http://schemas.microsoft.com/office/drawing/2014/main" xmlns="" id="{1AF5377B-ADAB-436A-AF5E-3EE08A3BAC04}"/>
               </a:ext>
             </a:extLst>
           </p:cNvPr>
@@ -6724,7 +6724,7 @@
             <p:cNvPr id="53" name="직사각형 52">
               <a:extLst>
                 <a:ext uri="{FF2B5EF4-FFF2-40B4-BE49-F238E27FC236}">
-                  <a16:creationId xmlns="" xmlns:a16="http://schemas.microsoft.com/office/drawing/2014/main" id="{55871BD9-92F1-4B0E-BB43-ACB4ADF09645}"/>
+                  <a16:creationId xmlns:a16="http://schemas.microsoft.com/office/drawing/2014/main" xmlns="" id="{55871BD9-92F1-4B0E-BB43-ACB4ADF09645}"/>
                 </a:ext>
               </a:extLst>
             </p:cNvPr>
@@ -7100,7 +7100,7 @@
             <p:cNvPr id="64" name="TextBox 63">
               <a:extLst>
                 <a:ext uri="{FF2B5EF4-FFF2-40B4-BE49-F238E27FC236}">
-                  <a16:creationId xmlns="" xmlns:a16="http://schemas.microsoft.com/office/drawing/2014/main" id="{0F5B2BAC-C6F6-4279-8224-B27B178BD07B}"/>
+                  <a16:creationId xmlns:a16="http://schemas.microsoft.com/office/drawing/2014/main" xmlns="" id="{0F5B2BAC-C6F6-4279-8224-B27B178BD07B}"/>
                 </a:ext>
               </a:extLst>
             </p:cNvPr>
@@ -7205,7 +7205,7 @@
             <p:cNvPr id="65" name="직선 연결선 64">
               <a:extLst>
                 <a:ext uri="{FF2B5EF4-FFF2-40B4-BE49-F238E27FC236}">
-                  <a16:creationId xmlns="" xmlns:a16="http://schemas.microsoft.com/office/drawing/2014/main" id="{62C2A2A0-6AD7-41C3-8981-DAFA06972EA6}"/>
+                  <a16:creationId xmlns:a16="http://schemas.microsoft.com/office/drawing/2014/main" xmlns="" id="{62C2A2A0-6AD7-41C3-8981-DAFA06972EA6}"/>
                 </a:ext>
               </a:extLst>
             </p:cNvPr>
@@ -7250,7 +7250,7 @@
             <p:cNvPr id="66" name="TextBox 65">
               <a:extLst>
                 <a:ext uri="{FF2B5EF4-FFF2-40B4-BE49-F238E27FC236}">
-                  <a16:creationId xmlns="" xmlns:a16="http://schemas.microsoft.com/office/drawing/2014/main" id="{099C952E-6D4E-4DB7-82C8-05415BEFA7D5}"/>
+                  <a16:creationId xmlns:a16="http://schemas.microsoft.com/office/drawing/2014/main" xmlns="" id="{099C952E-6D4E-4DB7-82C8-05415BEFA7D5}"/>
                 </a:ext>
               </a:extLst>
             </p:cNvPr>
@@ -7500,7 +7500,7 @@
           <p:cNvPr id="2" name="TextBox 1">
             <a:extLst>
               <a:ext uri="{FF2B5EF4-FFF2-40B4-BE49-F238E27FC236}">
-                <a16:creationId xmlns="" xmlns:a16="http://schemas.microsoft.com/office/drawing/2014/main" id="{31A5AC5C-D727-4084-9BA7-A2CDFEA8D97E}"/>
+                <a16:creationId xmlns:a16="http://schemas.microsoft.com/office/drawing/2014/main" xmlns="" id="{31A5AC5C-D727-4084-9BA7-A2CDFEA8D97E}"/>
               </a:ext>
             </a:extLst>
           </p:cNvPr>
@@ -7552,7 +7552,7 @@
           <p:cNvPr id="3" name="TextBox 2">
             <a:extLst>
               <a:ext uri="{FF2B5EF4-FFF2-40B4-BE49-F238E27FC236}">
-                <a16:creationId xmlns="" xmlns:a16="http://schemas.microsoft.com/office/drawing/2014/main" id="{1AF5377B-ADAB-436A-AF5E-3EE08A3BAC04}"/>
+                <a16:creationId xmlns:a16="http://schemas.microsoft.com/office/drawing/2014/main" xmlns="" id="{1AF5377B-ADAB-436A-AF5E-3EE08A3BAC04}"/>
               </a:ext>
             </a:extLst>
           </p:cNvPr>
@@ -7620,7 +7620,7 @@
             <p:cNvPr id="22" name="직사각형 21">
               <a:extLst>
                 <a:ext uri="{FF2B5EF4-FFF2-40B4-BE49-F238E27FC236}">
-                  <a16:creationId xmlns="" xmlns:a16="http://schemas.microsoft.com/office/drawing/2014/main" id="{55871BD9-92F1-4B0E-BB43-ACB4ADF09645}"/>
+                  <a16:creationId xmlns:a16="http://schemas.microsoft.com/office/drawing/2014/main" xmlns="" id="{55871BD9-92F1-4B0E-BB43-ACB4ADF09645}"/>
                 </a:ext>
               </a:extLst>
             </p:cNvPr>
@@ -7987,7 +7987,7 @@
             <p:cNvPr id="32" name="TextBox 31">
               <a:extLst>
                 <a:ext uri="{FF2B5EF4-FFF2-40B4-BE49-F238E27FC236}">
-                  <a16:creationId xmlns="" xmlns:a16="http://schemas.microsoft.com/office/drawing/2014/main" id="{0F5B2BAC-C6F6-4279-8224-B27B178BD07B}"/>
+                  <a16:creationId xmlns:a16="http://schemas.microsoft.com/office/drawing/2014/main" xmlns="" id="{0F5B2BAC-C6F6-4279-8224-B27B178BD07B}"/>
                 </a:ext>
               </a:extLst>
             </p:cNvPr>
@@ -8092,7 +8092,7 @@
             <p:cNvPr id="33" name="직선 연결선 32">
               <a:extLst>
                 <a:ext uri="{FF2B5EF4-FFF2-40B4-BE49-F238E27FC236}">
-                  <a16:creationId xmlns="" xmlns:a16="http://schemas.microsoft.com/office/drawing/2014/main" id="{62C2A2A0-6AD7-41C3-8981-DAFA06972EA6}"/>
+                  <a16:creationId xmlns:a16="http://schemas.microsoft.com/office/drawing/2014/main" xmlns="" id="{62C2A2A0-6AD7-41C3-8981-DAFA06972EA6}"/>
                 </a:ext>
               </a:extLst>
             </p:cNvPr>
@@ -8137,7 +8137,7 @@
             <p:cNvPr id="34" name="TextBox 33">
               <a:extLst>
                 <a:ext uri="{FF2B5EF4-FFF2-40B4-BE49-F238E27FC236}">
-                  <a16:creationId xmlns="" xmlns:a16="http://schemas.microsoft.com/office/drawing/2014/main" id="{099C952E-6D4E-4DB7-82C8-05415BEFA7D5}"/>
+                  <a16:creationId xmlns:a16="http://schemas.microsoft.com/office/drawing/2014/main" xmlns="" id="{099C952E-6D4E-4DB7-82C8-05415BEFA7D5}"/>
                 </a:ext>
               </a:extLst>
             </p:cNvPr>
@@ -8387,7 +8387,7 @@
           <p:cNvPr id="2" name="TextBox 1">
             <a:extLst>
               <a:ext uri="{FF2B5EF4-FFF2-40B4-BE49-F238E27FC236}">
-                <a16:creationId xmlns="" xmlns:a16="http://schemas.microsoft.com/office/drawing/2014/main" id="{31A5AC5C-D727-4084-9BA7-A2CDFEA8D97E}"/>
+                <a16:creationId xmlns:a16="http://schemas.microsoft.com/office/drawing/2014/main" xmlns="" id="{31A5AC5C-D727-4084-9BA7-A2CDFEA8D97E}"/>
               </a:ext>
             </a:extLst>
           </p:cNvPr>
@@ -8439,7 +8439,7 @@
           <p:cNvPr id="3" name="TextBox 2">
             <a:extLst>
               <a:ext uri="{FF2B5EF4-FFF2-40B4-BE49-F238E27FC236}">
-                <a16:creationId xmlns="" xmlns:a16="http://schemas.microsoft.com/office/drawing/2014/main" id="{1AF5377B-ADAB-436A-AF5E-3EE08A3BAC04}"/>
+                <a16:creationId xmlns:a16="http://schemas.microsoft.com/office/drawing/2014/main" xmlns="" id="{1AF5377B-ADAB-436A-AF5E-3EE08A3BAC04}"/>
               </a:ext>
             </a:extLst>
           </p:cNvPr>
@@ -8507,7 +8507,7 @@
             <p:cNvPr id="36" name="직사각형 35">
               <a:extLst>
                 <a:ext uri="{FF2B5EF4-FFF2-40B4-BE49-F238E27FC236}">
-                  <a16:creationId xmlns="" xmlns:a16="http://schemas.microsoft.com/office/drawing/2014/main" id="{55871BD9-92F1-4B0E-BB43-ACB4ADF09645}"/>
+                  <a16:creationId xmlns:a16="http://schemas.microsoft.com/office/drawing/2014/main" xmlns="" id="{55871BD9-92F1-4B0E-BB43-ACB4ADF09645}"/>
                 </a:ext>
               </a:extLst>
             </p:cNvPr>
@@ -8790,7 +8790,7 @@
             <p:cNvPr id="47" name="TextBox 46">
               <a:extLst>
                 <a:ext uri="{FF2B5EF4-FFF2-40B4-BE49-F238E27FC236}">
-                  <a16:creationId xmlns="" xmlns:a16="http://schemas.microsoft.com/office/drawing/2014/main" id="{0F5B2BAC-C6F6-4279-8224-B27B178BD07B}"/>
+                  <a16:creationId xmlns:a16="http://schemas.microsoft.com/office/drawing/2014/main" xmlns="" id="{0F5B2BAC-C6F6-4279-8224-B27B178BD07B}"/>
                 </a:ext>
               </a:extLst>
             </p:cNvPr>
@@ -8895,7 +8895,7 @@
             <p:cNvPr id="48" name="직선 연결선 47">
               <a:extLst>
                 <a:ext uri="{FF2B5EF4-FFF2-40B4-BE49-F238E27FC236}">
-                  <a16:creationId xmlns="" xmlns:a16="http://schemas.microsoft.com/office/drawing/2014/main" id="{62C2A2A0-6AD7-41C3-8981-DAFA06972EA6}"/>
+                  <a16:creationId xmlns:a16="http://schemas.microsoft.com/office/drawing/2014/main" xmlns="" id="{62C2A2A0-6AD7-41C3-8981-DAFA06972EA6}"/>
                 </a:ext>
               </a:extLst>
             </p:cNvPr>
@@ -8940,7 +8940,7 @@
             <p:cNvPr id="49" name="TextBox 48">
               <a:extLst>
                 <a:ext uri="{FF2B5EF4-FFF2-40B4-BE49-F238E27FC236}">
-                  <a16:creationId xmlns="" xmlns:a16="http://schemas.microsoft.com/office/drawing/2014/main" id="{099C952E-6D4E-4DB7-82C8-05415BEFA7D5}"/>
+                  <a16:creationId xmlns:a16="http://schemas.microsoft.com/office/drawing/2014/main" xmlns="" id="{099C952E-6D4E-4DB7-82C8-05415BEFA7D5}"/>
                 </a:ext>
               </a:extLst>
             </p:cNvPr>
@@ -9098,7 +9098,7 @@
           <p:cNvPr id="2" name="TextBox 1">
             <a:extLst>
               <a:ext uri="{FF2B5EF4-FFF2-40B4-BE49-F238E27FC236}">
-                <a16:creationId xmlns="" xmlns:a16="http://schemas.microsoft.com/office/drawing/2014/main" id="{31A5AC5C-D727-4084-9BA7-A2CDFEA8D97E}"/>
+                <a16:creationId xmlns:a16="http://schemas.microsoft.com/office/drawing/2014/main" xmlns="" id="{31A5AC5C-D727-4084-9BA7-A2CDFEA8D97E}"/>
               </a:ext>
             </a:extLst>
           </p:cNvPr>
@@ -9150,7 +9150,7 @@
           <p:cNvPr id="3" name="TextBox 2">
             <a:extLst>
               <a:ext uri="{FF2B5EF4-FFF2-40B4-BE49-F238E27FC236}">
-                <a16:creationId xmlns="" xmlns:a16="http://schemas.microsoft.com/office/drawing/2014/main" id="{1AF5377B-ADAB-436A-AF5E-3EE08A3BAC04}"/>
+                <a16:creationId xmlns:a16="http://schemas.microsoft.com/office/drawing/2014/main" xmlns="" id="{1AF5377B-ADAB-436A-AF5E-3EE08A3BAC04}"/>
               </a:ext>
             </a:extLst>
           </p:cNvPr>
@@ -9216,7 +9216,7 @@
             <p:cNvPr id="15" name="직사각형 14">
               <a:extLst>
                 <a:ext uri="{FF2B5EF4-FFF2-40B4-BE49-F238E27FC236}">
-                  <a16:creationId xmlns="" xmlns:a16="http://schemas.microsoft.com/office/drawing/2014/main" id="{CA27B7D0-EBD9-4613-9D31-3E0F60E07C28}"/>
+                  <a16:creationId xmlns:a16="http://schemas.microsoft.com/office/drawing/2014/main" xmlns="" id="{CA27B7D0-EBD9-4613-9D31-3E0F60E07C28}"/>
                 </a:ext>
               </a:extLst>
             </p:cNvPr>
@@ -9957,7 +9957,7 @@
             <p:cNvPr id="23" name="TextBox 22">
               <a:extLst>
                 <a:ext uri="{FF2B5EF4-FFF2-40B4-BE49-F238E27FC236}">
-                  <a16:creationId xmlns="" xmlns:a16="http://schemas.microsoft.com/office/drawing/2014/main" id="{E294F02C-A92E-4996-9F46-8AB10287263A}"/>
+                  <a16:creationId xmlns:a16="http://schemas.microsoft.com/office/drawing/2014/main" xmlns="" id="{E294F02C-A92E-4996-9F46-8AB10287263A}"/>
                 </a:ext>
               </a:extLst>
             </p:cNvPr>
@@ -10074,7 +10074,7 @@
             <p:cNvPr id="24" name="직선 연결선 23">
               <a:extLst>
                 <a:ext uri="{FF2B5EF4-FFF2-40B4-BE49-F238E27FC236}">
-                  <a16:creationId xmlns="" xmlns:a16="http://schemas.microsoft.com/office/drawing/2014/main" id="{0BE537EE-66B6-4F46-A073-4D39CD9D7D92}"/>
+                  <a16:creationId xmlns:a16="http://schemas.microsoft.com/office/drawing/2014/main" xmlns="" id="{0BE537EE-66B6-4F46-A073-4D39CD9D7D92}"/>
                 </a:ext>
               </a:extLst>
             </p:cNvPr>
@@ -10119,7 +10119,7 @@
             <p:cNvPr id="25" name="TextBox 24">
               <a:extLst>
                 <a:ext uri="{FF2B5EF4-FFF2-40B4-BE49-F238E27FC236}">
-                  <a16:creationId xmlns="" xmlns:a16="http://schemas.microsoft.com/office/drawing/2014/main" id="{49623981-F273-400F-98FB-8969C4EAA720}"/>
+                  <a16:creationId xmlns:a16="http://schemas.microsoft.com/office/drawing/2014/main" xmlns="" id="{49623981-F273-400F-98FB-8969C4EAA720}"/>
                 </a:ext>
               </a:extLst>
             </p:cNvPr>
@@ -10253,7 +10253,7 @@
           <p:cNvPr id="2" name="TextBox 1">
             <a:extLst>
               <a:ext uri="{FF2B5EF4-FFF2-40B4-BE49-F238E27FC236}">
-                <a16:creationId xmlns="" xmlns:a16="http://schemas.microsoft.com/office/drawing/2014/main" id="{31A5AC5C-D727-4084-9BA7-A2CDFEA8D97E}"/>
+                <a16:creationId xmlns:a16="http://schemas.microsoft.com/office/drawing/2014/main" xmlns="" id="{31A5AC5C-D727-4084-9BA7-A2CDFEA8D97E}"/>
               </a:ext>
             </a:extLst>
           </p:cNvPr>
@@ -10305,7 +10305,7 @@
           <p:cNvPr id="3" name="TextBox 2">
             <a:extLst>
               <a:ext uri="{FF2B5EF4-FFF2-40B4-BE49-F238E27FC236}">
-                <a16:creationId xmlns="" xmlns:a16="http://schemas.microsoft.com/office/drawing/2014/main" id="{1AF5377B-ADAB-436A-AF5E-3EE08A3BAC04}"/>
+                <a16:creationId xmlns:a16="http://schemas.microsoft.com/office/drawing/2014/main" xmlns="" id="{1AF5377B-ADAB-436A-AF5E-3EE08A3BAC04}"/>
               </a:ext>
             </a:extLst>
           </p:cNvPr>
@@ -10360,7 +10360,7 @@
           <p:cNvPr id="5" name="직사각형 4">
             <a:extLst>
               <a:ext uri="{FF2B5EF4-FFF2-40B4-BE49-F238E27FC236}">
-                <a16:creationId xmlns="" xmlns:a16="http://schemas.microsoft.com/office/drawing/2014/main" id="{F7EC1B8F-B43B-498E-B130-39B18DE49D5E}"/>
+                <a16:creationId xmlns:a16="http://schemas.microsoft.com/office/drawing/2014/main" xmlns="" id="{F7EC1B8F-B43B-498E-B130-39B18DE49D5E}"/>
               </a:ext>
             </a:extLst>
           </p:cNvPr>
@@ -10912,38 +10912,18 @@
           <a:p>
             <a:pPr algn="ctr"/>
             <a:r>
-              <a:rPr lang="en-US" altLang="ko-KR" b="1" dirty="0" smtClean="0">
-                <a:latin typeface="나눔고딕" pitchFamily="50" charset="-127"/>
-                <a:ea typeface="나눔고딕" pitchFamily="50" charset="-127"/>
-              </a:rPr>
-              <a:t>POS</a:t>
-            </a:r>
-            <a:r>
               <a:rPr lang="ko-KR" altLang="en-US" b="1" dirty="0" smtClean="0">
                 <a:latin typeface="나눔고딕" pitchFamily="50" charset="-127"/>
                 <a:ea typeface="나눔고딕" pitchFamily="50" charset="-127"/>
               </a:rPr>
-              <a:t>기기 대여료 및 </a:t>
-            </a:r>
-            <a:r>
-              <a:rPr lang="en-US" altLang="ko-KR" b="1" dirty="0" smtClean="0">
-                <a:latin typeface="나눔고딕" pitchFamily="50" charset="-127"/>
-                <a:ea typeface="나눔고딕" pitchFamily="50" charset="-127"/>
-              </a:rPr>
-              <a:t/>
-            </a:r>
-            <a:br>
-              <a:rPr lang="en-US" altLang="ko-KR" b="1" dirty="0" smtClean="0">
-                <a:latin typeface="나눔고딕" pitchFamily="50" charset="-127"/>
-                <a:ea typeface="나눔고딕" pitchFamily="50" charset="-127"/>
-              </a:rPr>
-            </a:br>
+              <a:t>솔루션 </a:t>
+            </a:r>
             <a:r>
               <a:rPr lang="ko-KR" altLang="en-US" b="1" dirty="0" smtClean="0">
                 <a:latin typeface="나눔고딕" pitchFamily="50" charset="-127"/>
                 <a:ea typeface="나눔고딕" pitchFamily="50" charset="-127"/>
               </a:rPr>
-              <a:t>솔루션 이용 수수료</a:t>
+              <a:t>이용 수수료</a:t>
             </a:r>
             <a:endParaRPr lang="ko-KR" altLang="en-US" b="1" dirty="0">
               <a:latin typeface="나눔고딕" pitchFamily="50" charset="-127"/>
@@ -11321,7 +11301,7 @@
           <p:cNvPr id="21" name="직사각형 20">
             <a:extLst>
               <a:ext uri="{FF2B5EF4-FFF2-40B4-BE49-F238E27FC236}">
-                <a16:creationId xmlns="" xmlns:a16="http://schemas.microsoft.com/office/drawing/2014/main" id="{DA3295B1-C51B-4562-B50A-B91A54108E14}"/>
+                <a16:creationId xmlns:a16="http://schemas.microsoft.com/office/drawing/2014/main" xmlns="" id="{DA3295B1-C51B-4562-B50A-B91A54108E14}"/>
               </a:ext>
             </a:extLst>
           </p:cNvPr>
@@ -11373,7 +11353,7 @@
           <p:cNvPr id="2" name="TextBox 1">
             <a:extLst>
               <a:ext uri="{FF2B5EF4-FFF2-40B4-BE49-F238E27FC236}">
-                <a16:creationId xmlns="" xmlns:a16="http://schemas.microsoft.com/office/drawing/2014/main" id="{31A5AC5C-D727-4084-9BA7-A2CDFEA8D97E}"/>
+                <a16:creationId xmlns:a16="http://schemas.microsoft.com/office/drawing/2014/main" xmlns="" id="{31A5AC5C-D727-4084-9BA7-A2CDFEA8D97E}"/>
               </a:ext>
             </a:extLst>
           </p:cNvPr>
@@ -11425,7 +11405,7 @@
           <p:cNvPr id="3" name="TextBox 2">
             <a:extLst>
               <a:ext uri="{FF2B5EF4-FFF2-40B4-BE49-F238E27FC236}">
-                <a16:creationId xmlns="" xmlns:a16="http://schemas.microsoft.com/office/drawing/2014/main" id="{1AF5377B-ADAB-436A-AF5E-3EE08A3BAC04}"/>
+                <a16:creationId xmlns:a16="http://schemas.microsoft.com/office/drawing/2014/main" xmlns="" id="{1AF5377B-ADAB-436A-AF5E-3EE08A3BAC04}"/>
               </a:ext>
             </a:extLst>
           </p:cNvPr>
@@ -11489,7 +11469,7 @@
           <p:cNvPr id="8" name="화살표: 왼쪽/오른쪽/위쪽/아래쪽 7">
             <a:extLst>
               <a:ext uri="{FF2B5EF4-FFF2-40B4-BE49-F238E27FC236}">
-                <a16:creationId xmlns="" xmlns:a16="http://schemas.microsoft.com/office/drawing/2014/main" id="{A66CF545-FC95-4F8B-84BF-457D310B110F}"/>
+                <a16:creationId xmlns:a16="http://schemas.microsoft.com/office/drawing/2014/main" xmlns="" id="{A66CF545-FC95-4F8B-84BF-457D310B110F}"/>
               </a:ext>
             </a:extLst>
           </p:cNvPr>
@@ -11551,7 +11531,7 @@
           <p:cNvPr id="9" name="자유형: 도형 8">
             <a:extLst>
               <a:ext uri="{FF2B5EF4-FFF2-40B4-BE49-F238E27FC236}">
-                <a16:creationId xmlns="" xmlns:a16="http://schemas.microsoft.com/office/drawing/2014/main" id="{BBCD3977-56EF-4ECE-AE45-68FAAD17D69B}"/>
+                <a16:creationId xmlns:a16="http://schemas.microsoft.com/office/drawing/2014/main" xmlns="" id="{BBCD3977-56EF-4ECE-AE45-68FAAD17D69B}"/>
               </a:ext>
             </a:extLst>
           </p:cNvPr>
@@ -11718,7 +11698,7 @@
           <p:cNvPr id="10" name="자유형: 도형 9">
             <a:extLst>
               <a:ext uri="{FF2B5EF4-FFF2-40B4-BE49-F238E27FC236}">
-                <a16:creationId xmlns="" xmlns:a16="http://schemas.microsoft.com/office/drawing/2014/main" id="{BC094EF9-638E-47D5-878E-3CA9319979CD}"/>
+                <a16:creationId xmlns:a16="http://schemas.microsoft.com/office/drawing/2014/main" xmlns="" id="{BC094EF9-638E-47D5-878E-3CA9319979CD}"/>
               </a:ext>
             </a:extLst>
           </p:cNvPr>
@@ -11881,7 +11861,7 @@
           <p:cNvPr id="11" name="자유형: 도형 10">
             <a:extLst>
               <a:ext uri="{FF2B5EF4-FFF2-40B4-BE49-F238E27FC236}">
-                <a16:creationId xmlns="" xmlns:a16="http://schemas.microsoft.com/office/drawing/2014/main" id="{64694E24-F42D-436F-847A-801F979961F1}"/>
+                <a16:creationId xmlns:a16="http://schemas.microsoft.com/office/drawing/2014/main" xmlns="" id="{64694E24-F42D-436F-847A-801F979961F1}"/>
               </a:ext>
             </a:extLst>
           </p:cNvPr>
@@ -12044,7 +12024,7 @@
           <p:cNvPr id="16" name="자유형: 도형 15">
             <a:extLst>
               <a:ext uri="{FF2B5EF4-FFF2-40B4-BE49-F238E27FC236}">
-                <a16:creationId xmlns="" xmlns:a16="http://schemas.microsoft.com/office/drawing/2014/main" id="{853DAF57-F3EF-49B8-B175-11E77BC9617A}"/>
+                <a16:creationId xmlns:a16="http://schemas.microsoft.com/office/drawing/2014/main" xmlns="" id="{853DAF57-F3EF-49B8-B175-11E77BC9617A}"/>
               </a:ext>
             </a:extLst>
           </p:cNvPr>
@@ -12207,7 +12187,7 @@
           <p:cNvPr id="18" name="TextBox 17">
             <a:extLst>
               <a:ext uri="{FF2B5EF4-FFF2-40B4-BE49-F238E27FC236}">
-                <a16:creationId xmlns="" xmlns:a16="http://schemas.microsoft.com/office/drawing/2014/main" id="{A58FE1A7-E27C-48B0-8251-139B9D547520}"/>
+                <a16:creationId xmlns:a16="http://schemas.microsoft.com/office/drawing/2014/main" xmlns="" id="{A58FE1A7-E27C-48B0-8251-139B9D547520}"/>
               </a:ext>
             </a:extLst>
           </p:cNvPr>
@@ -12324,7 +12304,7 @@
           <p:cNvPr id="19" name="TextBox 18">
             <a:extLst>
               <a:ext uri="{FF2B5EF4-FFF2-40B4-BE49-F238E27FC236}">
-                <a16:creationId xmlns="" xmlns:a16="http://schemas.microsoft.com/office/drawing/2014/main" id="{AA95C253-8790-48B5-A58C-F17D810649CA}"/>
+                <a16:creationId xmlns:a16="http://schemas.microsoft.com/office/drawing/2014/main" xmlns="" id="{AA95C253-8790-48B5-A58C-F17D810649CA}"/>
               </a:ext>
             </a:extLst>
           </p:cNvPr>
@@ -12510,7 +12490,7 @@
           <p:cNvPr id="20" name="직선 연결선 19">
             <a:extLst>
               <a:ext uri="{FF2B5EF4-FFF2-40B4-BE49-F238E27FC236}">
-                <a16:creationId xmlns="" xmlns:a16="http://schemas.microsoft.com/office/drawing/2014/main" id="{E1750C7E-0415-4964-955E-CD4A12301413}"/>
+                <a16:creationId xmlns:a16="http://schemas.microsoft.com/office/drawing/2014/main" xmlns="" id="{E1750C7E-0415-4964-955E-CD4A12301413}"/>
               </a:ext>
             </a:extLst>
           </p:cNvPr>
@@ -12593,7 +12573,7 @@
           <p:cNvPr id="21" name="직사각형 20">
             <a:extLst>
               <a:ext uri="{FF2B5EF4-FFF2-40B4-BE49-F238E27FC236}">
-                <a16:creationId xmlns="" xmlns:a16="http://schemas.microsoft.com/office/drawing/2014/main" id="{DA3295B1-C51B-4562-B50A-B91A54108E14}"/>
+                <a16:creationId xmlns:a16="http://schemas.microsoft.com/office/drawing/2014/main" xmlns="" id="{DA3295B1-C51B-4562-B50A-B91A54108E14}"/>
               </a:ext>
             </a:extLst>
           </p:cNvPr>
@@ -12645,7 +12625,7 @@
           <p:cNvPr id="2" name="TextBox 1">
             <a:extLst>
               <a:ext uri="{FF2B5EF4-FFF2-40B4-BE49-F238E27FC236}">
-                <a16:creationId xmlns="" xmlns:a16="http://schemas.microsoft.com/office/drawing/2014/main" id="{31A5AC5C-D727-4084-9BA7-A2CDFEA8D97E}"/>
+                <a16:creationId xmlns:a16="http://schemas.microsoft.com/office/drawing/2014/main" xmlns="" id="{31A5AC5C-D727-4084-9BA7-A2CDFEA8D97E}"/>
               </a:ext>
             </a:extLst>
           </p:cNvPr>
@@ -12697,7 +12677,7 @@
           <p:cNvPr id="3" name="TextBox 2">
             <a:extLst>
               <a:ext uri="{FF2B5EF4-FFF2-40B4-BE49-F238E27FC236}">
-                <a16:creationId xmlns="" xmlns:a16="http://schemas.microsoft.com/office/drawing/2014/main" id="{1AF5377B-ADAB-436A-AF5E-3EE08A3BAC04}"/>
+                <a16:creationId xmlns:a16="http://schemas.microsoft.com/office/drawing/2014/main" xmlns="" id="{1AF5377B-ADAB-436A-AF5E-3EE08A3BAC04}"/>
               </a:ext>
             </a:extLst>
           </p:cNvPr>
@@ -12761,7 +12741,7 @@
           <p:cNvPr id="8" name="화살표: 왼쪽/오른쪽/위쪽/아래쪽 7">
             <a:extLst>
               <a:ext uri="{FF2B5EF4-FFF2-40B4-BE49-F238E27FC236}">
-                <a16:creationId xmlns="" xmlns:a16="http://schemas.microsoft.com/office/drawing/2014/main" id="{A66CF545-FC95-4F8B-84BF-457D310B110F}"/>
+                <a16:creationId xmlns:a16="http://schemas.microsoft.com/office/drawing/2014/main" xmlns="" id="{A66CF545-FC95-4F8B-84BF-457D310B110F}"/>
               </a:ext>
             </a:extLst>
           </p:cNvPr>
@@ -12823,7 +12803,7 @@
           <p:cNvPr id="9" name="자유형: 도형 8">
             <a:extLst>
               <a:ext uri="{FF2B5EF4-FFF2-40B4-BE49-F238E27FC236}">
-                <a16:creationId xmlns="" xmlns:a16="http://schemas.microsoft.com/office/drawing/2014/main" id="{BBCD3977-56EF-4ECE-AE45-68FAAD17D69B}"/>
+                <a16:creationId xmlns:a16="http://schemas.microsoft.com/office/drawing/2014/main" xmlns="" id="{BBCD3977-56EF-4ECE-AE45-68FAAD17D69B}"/>
               </a:ext>
             </a:extLst>
           </p:cNvPr>
@@ -12986,7 +12966,7 @@
           <p:cNvPr id="10" name="자유형: 도형 9">
             <a:extLst>
               <a:ext uri="{FF2B5EF4-FFF2-40B4-BE49-F238E27FC236}">
-                <a16:creationId xmlns="" xmlns:a16="http://schemas.microsoft.com/office/drawing/2014/main" id="{BC094EF9-638E-47D5-878E-3CA9319979CD}"/>
+                <a16:creationId xmlns:a16="http://schemas.microsoft.com/office/drawing/2014/main" xmlns="" id="{BC094EF9-638E-47D5-878E-3CA9319979CD}"/>
               </a:ext>
             </a:extLst>
           </p:cNvPr>
@@ -13153,7 +13133,7 @@
           <p:cNvPr id="11" name="자유형: 도형 10">
             <a:extLst>
               <a:ext uri="{FF2B5EF4-FFF2-40B4-BE49-F238E27FC236}">
-                <a16:creationId xmlns="" xmlns:a16="http://schemas.microsoft.com/office/drawing/2014/main" id="{64694E24-F42D-436F-847A-801F979961F1}"/>
+                <a16:creationId xmlns:a16="http://schemas.microsoft.com/office/drawing/2014/main" xmlns="" id="{64694E24-F42D-436F-847A-801F979961F1}"/>
               </a:ext>
             </a:extLst>
           </p:cNvPr>
@@ -13316,7 +13296,7 @@
           <p:cNvPr id="16" name="자유형: 도형 15">
             <a:extLst>
               <a:ext uri="{FF2B5EF4-FFF2-40B4-BE49-F238E27FC236}">
-                <a16:creationId xmlns="" xmlns:a16="http://schemas.microsoft.com/office/drawing/2014/main" id="{853DAF57-F3EF-49B8-B175-11E77BC9617A}"/>
+                <a16:creationId xmlns:a16="http://schemas.microsoft.com/office/drawing/2014/main" xmlns="" id="{853DAF57-F3EF-49B8-B175-11E77BC9617A}"/>
               </a:ext>
             </a:extLst>
           </p:cNvPr>
@@ -13479,7 +13459,7 @@
           <p:cNvPr id="18" name="TextBox 17">
             <a:extLst>
               <a:ext uri="{FF2B5EF4-FFF2-40B4-BE49-F238E27FC236}">
-                <a16:creationId xmlns="" xmlns:a16="http://schemas.microsoft.com/office/drawing/2014/main" id="{A58FE1A7-E27C-48B0-8251-139B9D547520}"/>
+                <a16:creationId xmlns:a16="http://schemas.microsoft.com/office/drawing/2014/main" xmlns="" id="{A58FE1A7-E27C-48B0-8251-139B9D547520}"/>
               </a:ext>
             </a:extLst>
           </p:cNvPr>
@@ -13596,7 +13576,7 @@
           <p:cNvPr id="19" name="TextBox 18">
             <a:extLst>
               <a:ext uri="{FF2B5EF4-FFF2-40B4-BE49-F238E27FC236}">
-                <a16:creationId xmlns="" xmlns:a16="http://schemas.microsoft.com/office/drawing/2014/main" id="{AA95C253-8790-48B5-A58C-F17D810649CA}"/>
+                <a16:creationId xmlns:a16="http://schemas.microsoft.com/office/drawing/2014/main" xmlns="" id="{AA95C253-8790-48B5-A58C-F17D810649CA}"/>
               </a:ext>
             </a:extLst>
           </p:cNvPr>
@@ -13606,7 +13586,7 @@
         <p:spPr>
           <a:xfrm>
             <a:off x="6544149" y="3065662"/>
-            <a:ext cx="5223120" cy="1938992"/>
+            <a:ext cx="5223120" cy="1323439"/>
           </a:xfrm>
           <a:prstGeom prst="rect">
             <a:avLst/>
@@ -13626,18 +13606,6 @@
               <a:buAutoNum type="arabicPeriod"/>
             </a:pPr>
             <a:r>
-              <a:rPr lang="en-US" altLang="ko-KR" sz="2000" dirty="0" smtClean="0">
-                <a:solidFill>
-                  <a:schemeClr val="tx2">
-                    <a:lumMod val="75000"/>
-                  </a:schemeClr>
-                </a:solidFill>
-                <a:latin typeface="나눔고딕" pitchFamily="50" charset="-127"/>
-                <a:ea typeface="나눔고딕" pitchFamily="50" charset="-127"/>
-              </a:rPr>
-              <a:t>POS </a:t>
-            </a:r>
-            <a:r>
               <a:rPr lang="ko-KR" altLang="en-US" sz="2000" dirty="0" smtClean="0">
                 <a:solidFill>
                   <a:schemeClr val="tx2">
@@ -13647,25 +13615,8 @@
                 <a:latin typeface="나눔고딕" pitchFamily="50" charset="-127"/>
                 <a:ea typeface="나눔고딕" pitchFamily="50" charset="-127"/>
               </a:rPr>
-              <a:t>기기 설치 및 관리비용</a:t>
-            </a:r>
-            <a:endParaRPr lang="en-US" altLang="ko-KR" sz="2000" dirty="0" smtClean="0">
-              <a:solidFill>
-                <a:schemeClr val="tx2">
-                  <a:lumMod val="75000"/>
-                </a:schemeClr>
-              </a:solidFill>
-              <a:latin typeface="나눔고딕" pitchFamily="50" charset="-127"/>
-              <a:ea typeface="나눔고딕" pitchFamily="50" charset="-127"/>
-            </a:endParaRPr>
-          </a:p>
-          <a:p>
-            <a:pPr marL="457200" indent="-457200" algn="just">
-              <a:lnSpc>
-                <a:spcPct val="200000"/>
-              </a:lnSpc>
-              <a:buAutoNum type="arabicPeriod"/>
-            </a:pPr>
+              <a:t>현재 </a:t>
+            </a:r>
             <a:r>
               <a:rPr lang="ko-KR" altLang="en-US" sz="2000" dirty="0" smtClean="0">
                 <a:solidFill>
@@ -13676,7 +13627,7 @@
                 <a:latin typeface="나눔고딕" pitchFamily="50" charset="-127"/>
                 <a:ea typeface="나눔고딕" pitchFamily="50" charset="-127"/>
               </a:rPr>
-              <a:t>현재 기준 사용자에게 서비스 가이드 필요</a:t>
+              <a:t>기준 사용자에게 서비스 가이드 필요</a:t>
             </a:r>
             <a:endParaRPr lang="en-US" altLang="ko-KR" sz="2000" dirty="0" smtClean="0">
               <a:solidFill>
@@ -13724,7 +13675,7 @@
           <p:cNvPr id="20" name="직선 연결선 19">
             <a:extLst>
               <a:ext uri="{FF2B5EF4-FFF2-40B4-BE49-F238E27FC236}">
-                <a16:creationId xmlns="" xmlns:a16="http://schemas.microsoft.com/office/drawing/2014/main" id="{E1750C7E-0415-4964-955E-CD4A12301413}"/>
+                <a16:creationId xmlns:a16="http://schemas.microsoft.com/office/drawing/2014/main" xmlns="" id="{E1750C7E-0415-4964-955E-CD4A12301413}"/>
               </a:ext>
             </a:extLst>
           </p:cNvPr>
@@ -13807,7 +13758,7 @@
           <p:cNvPr id="21" name="직사각형 20">
             <a:extLst>
               <a:ext uri="{FF2B5EF4-FFF2-40B4-BE49-F238E27FC236}">
-                <a16:creationId xmlns="" xmlns:a16="http://schemas.microsoft.com/office/drawing/2014/main" id="{DA3295B1-C51B-4562-B50A-B91A54108E14}"/>
+                <a16:creationId xmlns:a16="http://schemas.microsoft.com/office/drawing/2014/main" xmlns="" id="{DA3295B1-C51B-4562-B50A-B91A54108E14}"/>
               </a:ext>
             </a:extLst>
           </p:cNvPr>
@@ -13859,7 +13810,7 @@
           <p:cNvPr id="2" name="TextBox 1">
             <a:extLst>
               <a:ext uri="{FF2B5EF4-FFF2-40B4-BE49-F238E27FC236}">
-                <a16:creationId xmlns="" xmlns:a16="http://schemas.microsoft.com/office/drawing/2014/main" id="{31A5AC5C-D727-4084-9BA7-A2CDFEA8D97E}"/>
+                <a16:creationId xmlns:a16="http://schemas.microsoft.com/office/drawing/2014/main" xmlns="" id="{31A5AC5C-D727-4084-9BA7-A2CDFEA8D97E}"/>
               </a:ext>
             </a:extLst>
           </p:cNvPr>
@@ -13911,7 +13862,7 @@
           <p:cNvPr id="3" name="TextBox 2">
             <a:extLst>
               <a:ext uri="{FF2B5EF4-FFF2-40B4-BE49-F238E27FC236}">
-                <a16:creationId xmlns="" xmlns:a16="http://schemas.microsoft.com/office/drawing/2014/main" id="{1AF5377B-ADAB-436A-AF5E-3EE08A3BAC04}"/>
+                <a16:creationId xmlns:a16="http://schemas.microsoft.com/office/drawing/2014/main" xmlns="" id="{1AF5377B-ADAB-436A-AF5E-3EE08A3BAC04}"/>
               </a:ext>
             </a:extLst>
           </p:cNvPr>
@@ -13975,7 +13926,7 @@
           <p:cNvPr id="8" name="화살표: 왼쪽/오른쪽/위쪽/아래쪽 7">
             <a:extLst>
               <a:ext uri="{FF2B5EF4-FFF2-40B4-BE49-F238E27FC236}">
-                <a16:creationId xmlns="" xmlns:a16="http://schemas.microsoft.com/office/drawing/2014/main" id="{A66CF545-FC95-4F8B-84BF-457D310B110F}"/>
+                <a16:creationId xmlns:a16="http://schemas.microsoft.com/office/drawing/2014/main" xmlns="" id="{A66CF545-FC95-4F8B-84BF-457D310B110F}"/>
               </a:ext>
             </a:extLst>
           </p:cNvPr>
@@ -14037,7 +13988,7 @@
           <p:cNvPr id="9" name="자유형: 도형 8">
             <a:extLst>
               <a:ext uri="{FF2B5EF4-FFF2-40B4-BE49-F238E27FC236}">
-                <a16:creationId xmlns="" xmlns:a16="http://schemas.microsoft.com/office/drawing/2014/main" id="{BBCD3977-56EF-4ECE-AE45-68FAAD17D69B}"/>
+                <a16:creationId xmlns:a16="http://schemas.microsoft.com/office/drawing/2014/main" xmlns="" id="{BBCD3977-56EF-4ECE-AE45-68FAAD17D69B}"/>
               </a:ext>
             </a:extLst>
           </p:cNvPr>
@@ -14200,7 +14151,7 @@
           <p:cNvPr id="10" name="자유형: 도형 9">
             <a:extLst>
               <a:ext uri="{FF2B5EF4-FFF2-40B4-BE49-F238E27FC236}">
-                <a16:creationId xmlns="" xmlns:a16="http://schemas.microsoft.com/office/drawing/2014/main" id="{BC094EF9-638E-47D5-878E-3CA9319979CD}"/>
+                <a16:creationId xmlns:a16="http://schemas.microsoft.com/office/drawing/2014/main" xmlns="" id="{BC094EF9-638E-47D5-878E-3CA9319979CD}"/>
               </a:ext>
             </a:extLst>
           </p:cNvPr>
@@ -14363,7 +14314,7 @@
           <p:cNvPr id="11" name="자유형: 도형 10">
             <a:extLst>
               <a:ext uri="{FF2B5EF4-FFF2-40B4-BE49-F238E27FC236}">
-                <a16:creationId xmlns="" xmlns:a16="http://schemas.microsoft.com/office/drawing/2014/main" id="{64694E24-F42D-436F-847A-801F979961F1}"/>
+                <a16:creationId xmlns:a16="http://schemas.microsoft.com/office/drawing/2014/main" xmlns="" id="{64694E24-F42D-436F-847A-801F979961F1}"/>
               </a:ext>
             </a:extLst>
           </p:cNvPr>
@@ -14530,7 +14481,7 @@
           <p:cNvPr id="16" name="자유형: 도형 15">
             <a:extLst>
               <a:ext uri="{FF2B5EF4-FFF2-40B4-BE49-F238E27FC236}">
-                <a16:creationId xmlns="" xmlns:a16="http://schemas.microsoft.com/office/drawing/2014/main" id="{853DAF57-F3EF-49B8-B175-11E77BC9617A}"/>
+                <a16:creationId xmlns:a16="http://schemas.microsoft.com/office/drawing/2014/main" xmlns="" id="{853DAF57-F3EF-49B8-B175-11E77BC9617A}"/>
               </a:ext>
             </a:extLst>
           </p:cNvPr>
@@ -14693,7 +14644,7 @@
           <p:cNvPr id="18" name="TextBox 17">
             <a:extLst>
               <a:ext uri="{FF2B5EF4-FFF2-40B4-BE49-F238E27FC236}">
-                <a16:creationId xmlns="" xmlns:a16="http://schemas.microsoft.com/office/drawing/2014/main" id="{A58FE1A7-E27C-48B0-8251-139B9D547520}"/>
+                <a16:creationId xmlns:a16="http://schemas.microsoft.com/office/drawing/2014/main" xmlns="" id="{A58FE1A7-E27C-48B0-8251-139B9D547520}"/>
               </a:ext>
             </a:extLst>
           </p:cNvPr>
@@ -14810,7 +14761,7 @@
           <p:cNvPr id="19" name="TextBox 18">
             <a:extLst>
               <a:ext uri="{FF2B5EF4-FFF2-40B4-BE49-F238E27FC236}">
-                <a16:creationId xmlns="" xmlns:a16="http://schemas.microsoft.com/office/drawing/2014/main" id="{AA95C253-8790-48B5-A58C-F17D810649CA}"/>
+                <a16:creationId xmlns:a16="http://schemas.microsoft.com/office/drawing/2014/main" xmlns="" id="{AA95C253-8790-48B5-A58C-F17D810649CA}"/>
               </a:ext>
             </a:extLst>
           </p:cNvPr>
@@ -14994,7 +14945,7 @@
           <p:cNvPr id="20" name="직선 연결선 19">
             <a:extLst>
               <a:ext uri="{FF2B5EF4-FFF2-40B4-BE49-F238E27FC236}">
-                <a16:creationId xmlns="" xmlns:a16="http://schemas.microsoft.com/office/drawing/2014/main" id="{E1750C7E-0415-4964-955E-CD4A12301413}"/>
+                <a16:creationId xmlns:a16="http://schemas.microsoft.com/office/drawing/2014/main" xmlns="" id="{E1750C7E-0415-4964-955E-CD4A12301413}"/>
               </a:ext>
             </a:extLst>
           </p:cNvPr>
@@ -15077,7 +15028,7 @@
           <p:cNvPr id="21" name="직사각형 20">
             <a:extLst>
               <a:ext uri="{FF2B5EF4-FFF2-40B4-BE49-F238E27FC236}">
-                <a16:creationId xmlns="" xmlns:a16="http://schemas.microsoft.com/office/drawing/2014/main" id="{DA3295B1-C51B-4562-B50A-B91A54108E14}"/>
+                <a16:creationId xmlns:a16="http://schemas.microsoft.com/office/drawing/2014/main" xmlns="" id="{DA3295B1-C51B-4562-B50A-B91A54108E14}"/>
               </a:ext>
             </a:extLst>
           </p:cNvPr>
@@ -15129,7 +15080,7 @@
           <p:cNvPr id="2" name="TextBox 1">
             <a:extLst>
               <a:ext uri="{FF2B5EF4-FFF2-40B4-BE49-F238E27FC236}">
-                <a16:creationId xmlns="" xmlns:a16="http://schemas.microsoft.com/office/drawing/2014/main" id="{31A5AC5C-D727-4084-9BA7-A2CDFEA8D97E}"/>
+                <a16:creationId xmlns:a16="http://schemas.microsoft.com/office/drawing/2014/main" xmlns="" id="{31A5AC5C-D727-4084-9BA7-A2CDFEA8D97E}"/>
               </a:ext>
             </a:extLst>
           </p:cNvPr>
@@ -15181,7 +15132,7 @@
           <p:cNvPr id="3" name="TextBox 2">
             <a:extLst>
               <a:ext uri="{FF2B5EF4-FFF2-40B4-BE49-F238E27FC236}">
-                <a16:creationId xmlns="" xmlns:a16="http://schemas.microsoft.com/office/drawing/2014/main" id="{1AF5377B-ADAB-436A-AF5E-3EE08A3BAC04}"/>
+                <a16:creationId xmlns:a16="http://schemas.microsoft.com/office/drawing/2014/main" xmlns="" id="{1AF5377B-ADAB-436A-AF5E-3EE08A3BAC04}"/>
               </a:ext>
             </a:extLst>
           </p:cNvPr>
@@ -15245,7 +15196,7 @@
           <p:cNvPr id="8" name="화살표: 왼쪽/오른쪽/위쪽/아래쪽 7">
             <a:extLst>
               <a:ext uri="{FF2B5EF4-FFF2-40B4-BE49-F238E27FC236}">
-                <a16:creationId xmlns="" xmlns:a16="http://schemas.microsoft.com/office/drawing/2014/main" id="{A66CF545-FC95-4F8B-84BF-457D310B110F}"/>
+                <a16:creationId xmlns:a16="http://schemas.microsoft.com/office/drawing/2014/main" xmlns="" id="{A66CF545-FC95-4F8B-84BF-457D310B110F}"/>
               </a:ext>
             </a:extLst>
           </p:cNvPr>
@@ -15307,7 +15258,7 @@
           <p:cNvPr id="9" name="자유형: 도형 8">
             <a:extLst>
               <a:ext uri="{FF2B5EF4-FFF2-40B4-BE49-F238E27FC236}">
-                <a16:creationId xmlns="" xmlns:a16="http://schemas.microsoft.com/office/drawing/2014/main" id="{BBCD3977-56EF-4ECE-AE45-68FAAD17D69B}"/>
+                <a16:creationId xmlns:a16="http://schemas.microsoft.com/office/drawing/2014/main" xmlns="" id="{BBCD3977-56EF-4ECE-AE45-68FAAD17D69B}"/>
               </a:ext>
             </a:extLst>
           </p:cNvPr>
@@ -15470,7 +15421,7 @@
           <p:cNvPr id="10" name="자유형: 도형 9">
             <a:extLst>
               <a:ext uri="{FF2B5EF4-FFF2-40B4-BE49-F238E27FC236}">
-                <a16:creationId xmlns="" xmlns:a16="http://schemas.microsoft.com/office/drawing/2014/main" id="{BC094EF9-638E-47D5-878E-3CA9319979CD}"/>
+                <a16:creationId xmlns:a16="http://schemas.microsoft.com/office/drawing/2014/main" xmlns="" id="{BC094EF9-638E-47D5-878E-3CA9319979CD}"/>
               </a:ext>
             </a:extLst>
           </p:cNvPr>
@@ -15633,7 +15584,7 @@
           <p:cNvPr id="11" name="자유형: 도형 10">
             <a:extLst>
               <a:ext uri="{FF2B5EF4-FFF2-40B4-BE49-F238E27FC236}">
-                <a16:creationId xmlns="" xmlns:a16="http://schemas.microsoft.com/office/drawing/2014/main" id="{64694E24-F42D-436F-847A-801F979961F1}"/>
+                <a16:creationId xmlns:a16="http://schemas.microsoft.com/office/drawing/2014/main" xmlns="" id="{64694E24-F42D-436F-847A-801F979961F1}"/>
               </a:ext>
             </a:extLst>
           </p:cNvPr>
@@ -15796,7 +15747,7 @@
           <p:cNvPr id="16" name="자유형: 도형 15">
             <a:extLst>
               <a:ext uri="{FF2B5EF4-FFF2-40B4-BE49-F238E27FC236}">
-                <a16:creationId xmlns="" xmlns:a16="http://schemas.microsoft.com/office/drawing/2014/main" id="{853DAF57-F3EF-49B8-B175-11E77BC9617A}"/>
+                <a16:creationId xmlns:a16="http://schemas.microsoft.com/office/drawing/2014/main" xmlns="" id="{853DAF57-F3EF-49B8-B175-11E77BC9617A}"/>
               </a:ext>
             </a:extLst>
           </p:cNvPr>
@@ -15963,7 +15914,7 @@
           <p:cNvPr id="18" name="TextBox 17">
             <a:extLst>
               <a:ext uri="{FF2B5EF4-FFF2-40B4-BE49-F238E27FC236}">
-                <a16:creationId xmlns="" xmlns:a16="http://schemas.microsoft.com/office/drawing/2014/main" id="{A58FE1A7-E27C-48B0-8251-139B9D547520}"/>
+                <a16:creationId xmlns:a16="http://schemas.microsoft.com/office/drawing/2014/main" xmlns="" id="{A58FE1A7-E27C-48B0-8251-139B9D547520}"/>
               </a:ext>
             </a:extLst>
           </p:cNvPr>
@@ -16080,7 +16031,7 @@
           <p:cNvPr id="19" name="TextBox 18">
             <a:extLst>
               <a:ext uri="{FF2B5EF4-FFF2-40B4-BE49-F238E27FC236}">
-                <a16:creationId xmlns="" xmlns:a16="http://schemas.microsoft.com/office/drawing/2014/main" id="{AA95C253-8790-48B5-A58C-F17D810649CA}"/>
+                <a16:creationId xmlns:a16="http://schemas.microsoft.com/office/drawing/2014/main" xmlns="" id="{AA95C253-8790-48B5-A58C-F17D810649CA}"/>
               </a:ext>
             </a:extLst>
           </p:cNvPr>
@@ -16191,7 +16142,7 @@
           <p:cNvPr id="20" name="직선 연결선 19">
             <a:extLst>
               <a:ext uri="{FF2B5EF4-FFF2-40B4-BE49-F238E27FC236}">
-                <a16:creationId xmlns="" xmlns:a16="http://schemas.microsoft.com/office/drawing/2014/main" id="{E1750C7E-0415-4964-955E-CD4A12301413}"/>
+                <a16:creationId xmlns:a16="http://schemas.microsoft.com/office/drawing/2014/main" xmlns="" id="{E1750C7E-0415-4964-955E-CD4A12301413}"/>
               </a:ext>
             </a:extLst>
           </p:cNvPr>
@@ -16274,7 +16225,7 @@
           <p:cNvPr id="3" name="TextBox 2">
             <a:extLst>
               <a:ext uri="{FF2B5EF4-FFF2-40B4-BE49-F238E27FC236}">
-                <a16:creationId xmlns="" xmlns:a16="http://schemas.microsoft.com/office/drawing/2014/main" id="{1AF5377B-ADAB-436A-AF5E-3EE08A3BAC04}"/>
+                <a16:creationId xmlns:a16="http://schemas.microsoft.com/office/drawing/2014/main" xmlns="" id="{1AF5377B-ADAB-436A-AF5E-3EE08A3BAC04}"/>
               </a:ext>
             </a:extLst>
           </p:cNvPr>
@@ -16329,7 +16280,7 @@
           <p:cNvPr id="4" name="TextBox 3">
             <a:extLst>
               <a:ext uri="{FF2B5EF4-FFF2-40B4-BE49-F238E27FC236}">
-                <a16:creationId xmlns="" xmlns:a16="http://schemas.microsoft.com/office/drawing/2014/main" id="{B37C9F2A-B226-447A-BBA7-8625ED0EF60C}"/>
+                <a16:creationId xmlns:a16="http://schemas.microsoft.com/office/drawing/2014/main" xmlns="" id="{B37C9F2A-B226-447A-BBA7-8625ED0EF60C}"/>
               </a:ext>
             </a:extLst>
           </p:cNvPr>
@@ -16429,7 +16380,7 @@
           <p:cNvPr id="5" name="직사각형 4">
             <a:extLst>
               <a:ext uri="{FF2B5EF4-FFF2-40B4-BE49-F238E27FC236}">
-                <a16:creationId xmlns="" xmlns:a16="http://schemas.microsoft.com/office/drawing/2014/main" id="{F7EC1B8F-B43B-498E-B130-39B18DE49D5E}"/>
+                <a16:creationId xmlns:a16="http://schemas.microsoft.com/office/drawing/2014/main" xmlns="" id="{F7EC1B8F-B43B-498E-B130-39B18DE49D5E}"/>
               </a:ext>
             </a:extLst>
           </p:cNvPr>
@@ -16479,7 +16430,7 @@
           <p:cNvPr id="11" name="TextBox 10">
             <a:extLst>
               <a:ext uri="{FF2B5EF4-FFF2-40B4-BE49-F238E27FC236}">
-                <a16:creationId xmlns="" xmlns:a16="http://schemas.microsoft.com/office/drawing/2014/main" id="{772B8DA8-F095-4916-981E-62DE13CD89F7}"/>
+                <a16:creationId xmlns:a16="http://schemas.microsoft.com/office/drawing/2014/main" xmlns="" id="{772B8DA8-F095-4916-981E-62DE13CD89F7}"/>
               </a:ext>
             </a:extLst>
           </p:cNvPr>
@@ -16713,7 +16664,7 @@
           <p:cNvPr id="3" name="TextBox 2">
             <a:extLst>
               <a:ext uri="{FF2B5EF4-FFF2-40B4-BE49-F238E27FC236}">
-                <a16:creationId xmlns="" xmlns:a16="http://schemas.microsoft.com/office/drawing/2014/main" id="{0F686BC0-53D2-433E-ACBF-7E9A4538D745}"/>
+                <a16:creationId xmlns:a16="http://schemas.microsoft.com/office/drawing/2014/main" xmlns="" id="{0F686BC0-53D2-433E-ACBF-7E9A4538D745}"/>
               </a:ext>
             </a:extLst>
           </p:cNvPr>
@@ -16844,7 +16795,7 @@
           <p:cNvPr id="2" name="TextBox 1">
             <a:extLst>
               <a:ext uri="{FF2B5EF4-FFF2-40B4-BE49-F238E27FC236}">
-                <a16:creationId xmlns="" xmlns:a16="http://schemas.microsoft.com/office/drawing/2014/main" id="{31A5AC5C-D727-4084-9BA7-A2CDFEA8D97E}"/>
+                <a16:creationId xmlns:a16="http://schemas.microsoft.com/office/drawing/2014/main" xmlns="" id="{31A5AC5C-D727-4084-9BA7-A2CDFEA8D97E}"/>
               </a:ext>
             </a:extLst>
           </p:cNvPr>
@@ -16896,7 +16847,7 @@
           <p:cNvPr id="3" name="TextBox 2">
             <a:extLst>
               <a:ext uri="{FF2B5EF4-FFF2-40B4-BE49-F238E27FC236}">
-                <a16:creationId xmlns="" xmlns:a16="http://schemas.microsoft.com/office/drawing/2014/main" id="{1AF5377B-ADAB-436A-AF5E-3EE08A3BAC04}"/>
+                <a16:creationId xmlns:a16="http://schemas.microsoft.com/office/drawing/2014/main" xmlns="" id="{1AF5377B-ADAB-436A-AF5E-3EE08A3BAC04}"/>
               </a:ext>
             </a:extLst>
           </p:cNvPr>
@@ -16948,7 +16899,7 @@
           <p:cNvPr id="5" name="직사각형 4">
             <a:extLst>
               <a:ext uri="{FF2B5EF4-FFF2-40B4-BE49-F238E27FC236}">
-                <a16:creationId xmlns="" xmlns:a16="http://schemas.microsoft.com/office/drawing/2014/main" id="{F7EC1B8F-B43B-498E-B130-39B18DE49D5E}"/>
+                <a16:creationId xmlns:a16="http://schemas.microsoft.com/office/drawing/2014/main" xmlns="" id="{F7EC1B8F-B43B-498E-B130-39B18DE49D5E}"/>
               </a:ext>
             </a:extLst>
           </p:cNvPr>
@@ -16998,7 +16949,7 @@
           <p:cNvPr id="11" name="TextBox 10">
             <a:extLst>
               <a:ext uri="{FF2B5EF4-FFF2-40B4-BE49-F238E27FC236}">
-                <a16:creationId xmlns="" xmlns:a16="http://schemas.microsoft.com/office/drawing/2014/main" id="{772B8DA8-F095-4916-981E-62DE13CD89F7}"/>
+                <a16:creationId xmlns:a16="http://schemas.microsoft.com/office/drawing/2014/main" xmlns="" id="{772B8DA8-F095-4916-981E-62DE13CD89F7}"/>
               </a:ext>
             </a:extLst>
           </p:cNvPr>
@@ -17351,7 +17302,7 @@
           <p:cNvPr id="2" name="TextBox 1">
             <a:extLst>
               <a:ext uri="{FF2B5EF4-FFF2-40B4-BE49-F238E27FC236}">
-                <a16:creationId xmlns="" xmlns:a16="http://schemas.microsoft.com/office/drawing/2014/main" id="{31A5AC5C-D727-4084-9BA7-A2CDFEA8D97E}"/>
+                <a16:creationId xmlns:a16="http://schemas.microsoft.com/office/drawing/2014/main" xmlns="" id="{31A5AC5C-D727-4084-9BA7-A2CDFEA8D97E}"/>
               </a:ext>
             </a:extLst>
           </p:cNvPr>
@@ -17403,7 +17354,7 @@
           <p:cNvPr id="3" name="TextBox 2">
             <a:extLst>
               <a:ext uri="{FF2B5EF4-FFF2-40B4-BE49-F238E27FC236}">
-                <a16:creationId xmlns="" xmlns:a16="http://schemas.microsoft.com/office/drawing/2014/main" id="{1AF5377B-ADAB-436A-AF5E-3EE08A3BAC04}"/>
+                <a16:creationId xmlns:a16="http://schemas.microsoft.com/office/drawing/2014/main" xmlns="" id="{1AF5377B-ADAB-436A-AF5E-3EE08A3BAC04}"/>
               </a:ext>
             </a:extLst>
           </p:cNvPr>
@@ -17455,7 +17406,7 @@
           <p:cNvPr id="5" name="직사각형 4">
             <a:extLst>
               <a:ext uri="{FF2B5EF4-FFF2-40B4-BE49-F238E27FC236}">
-                <a16:creationId xmlns="" xmlns:a16="http://schemas.microsoft.com/office/drawing/2014/main" id="{F7EC1B8F-B43B-498E-B130-39B18DE49D5E}"/>
+                <a16:creationId xmlns:a16="http://schemas.microsoft.com/office/drawing/2014/main" xmlns="" id="{F7EC1B8F-B43B-498E-B130-39B18DE49D5E}"/>
               </a:ext>
             </a:extLst>
           </p:cNvPr>
@@ -17625,7 +17576,7 @@
           <p:cNvPr id="11" name="TextBox 10">
             <a:extLst>
               <a:ext uri="{FF2B5EF4-FFF2-40B4-BE49-F238E27FC236}">
-                <a16:creationId xmlns="" xmlns:a16="http://schemas.microsoft.com/office/drawing/2014/main" id="{772B8DA8-F095-4916-981E-62DE13CD89F7}"/>
+                <a16:creationId xmlns:a16="http://schemas.microsoft.com/office/drawing/2014/main" xmlns="" id="{772B8DA8-F095-4916-981E-62DE13CD89F7}"/>
               </a:ext>
             </a:extLst>
           </p:cNvPr>
@@ -17868,7 +17819,7 @@
           <p:cNvPr id="2" name="TextBox 1">
             <a:extLst>
               <a:ext uri="{FF2B5EF4-FFF2-40B4-BE49-F238E27FC236}">
-                <a16:creationId xmlns="" xmlns:a16="http://schemas.microsoft.com/office/drawing/2014/main" id="{31A5AC5C-D727-4084-9BA7-A2CDFEA8D97E}"/>
+                <a16:creationId xmlns:a16="http://schemas.microsoft.com/office/drawing/2014/main" xmlns="" id="{31A5AC5C-D727-4084-9BA7-A2CDFEA8D97E}"/>
               </a:ext>
             </a:extLst>
           </p:cNvPr>
@@ -17920,7 +17871,7 @@
           <p:cNvPr id="3" name="TextBox 2">
             <a:extLst>
               <a:ext uri="{FF2B5EF4-FFF2-40B4-BE49-F238E27FC236}">
-                <a16:creationId xmlns="" xmlns:a16="http://schemas.microsoft.com/office/drawing/2014/main" id="{1AF5377B-ADAB-436A-AF5E-3EE08A3BAC04}"/>
+                <a16:creationId xmlns:a16="http://schemas.microsoft.com/office/drawing/2014/main" xmlns="" id="{1AF5377B-ADAB-436A-AF5E-3EE08A3BAC04}"/>
               </a:ext>
             </a:extLst>
           </p:cNvPr>
@@ -17972,7 +17923,7 @@
           <p:cNvPr id="5" name="직사각형 4">
             <a:extLst>
               <a:ext uri="{FF2B5EF4-FFF2-40B4-BE49-F238E27FC236}">
-                <a16:creationId xmlns="" xmlns:a16="http://schemas.microsoft.com/office/drawing/2014/main" id="{F7EC1B8F-B43B-498E-B130-39B18DE49D5E}"/>
+                <a16:creationId xmlns:a16="http://schemas.microsoft.com/office/drawing/2014/main" xmlns="" id="{F7EC1B8F-B43B-498E-B130-39B18DE49D5E}"/>
               </a:ext>
             </a:extLst>
           </p:cNvPr>
@@ -18022,7 +17973,7 @@
           <p:cNvPr id="10" name="TextBox 9">
             <a:extLst>
               <a:ext uri="{FF2B5EF4-FFF2-40B4-BE49-F238E27FC236}">
-                <a16:creationId xmlns="" xmlns:a16="http://schemas.microsoft.com/office/drawing/2014/main" id="{772B8DA8-F095-4916-981E-62DE13CD89F7}"/>
+                <a16:creationId xmlns:a16="http://schemas.microsoft.com/office/drawing/2014/main" xmlns="" id="{772B8DA8-F095-4916-981E-62DE13CD89F7}"/>
               </a:ext>
             </a:extLst>
           </p:cNvPr>
@@ -18242,7 +18193,7 @@
           <p:cNvPr id="2" name="TextBox 1">
             <a:extLst>
               <a:ext uri="{FF2B5EF4-FFF2-40B4-BE49-F238E27FC236}">
-                <a16:creationId xmlns="" xmlns:a16="http://schemas.microsoft.com/office/drawing/2014/main" id="{31A5AC5C-D727-4084-9BA7-A2CDFEA8D97E}"/>
+                <a16:creationId xmlns:a16="http://schemas.microsoft.com/office/drawing/2014/main" xmlns="" id="{31A5AC5C-D727-4084-9BA7-A2CDFEA8D97E}"/>
               </a:ext>
             </a:extLst>
           </p:cNvPr>
@@ -18294,7 +18245,7 @@
           <p:cNvPr id="3" name="TextBox 2">
             <a:extLst>
               <a:ext uri="{FF2B5EF4-FFF2-40B4-BE49-F238E27FC236}">
-                <a16:creationId xmlns="" xmlns:a16="http://schemas.microsoft.com/office/drawing/2014/main" id="{1AF5377B-ADAB-436A-AF5E-3EE08A3BAC04}"/>
+                <a16:creationId xmlns:a16="http://schemas.microsoft.com/office/drawing/2014/main" xmlns="" id="{1AF5377B-ADAB-436A-AF5E-3EE08A3BAC04}"/>
               </a:ext>
             </a:extLst>
           </p:cNvPr>
@@ -18346,7 +18297,7 @@
           <p:cNvPr id="5" name="직사각형 4">
             <a:extLst>
               <a:ext uri="{FF2B5EF4-FFF2-40B4-BE49-F238E27FC236}">
-                <a16:creationId xmlns="" xmlns:a16="http://schemas.microsoft.com/office/drawing/2014/main" id="{F7EC1B8F-B43B-498E-B130-39B18DE49D5E}"/>
+                <a16:creationId xmlns:a16="http://schemas.microsoft.com/office/drawing/2014/main" xmlns="" id="{F7EC1B8F-B43B-498E-B130-39B18DE49D5E}"/>
               </a:ext>
             </a:extLst>
           </p:cNvPr>
@@ -18504,7 +18455,7 @@
           <p:cNvPr id="8" name="TextBox 7">
             <a:extLst>
               <a:ext uri="{FF2B5EF4-FFF2-40B4-BE49-F238E27FC236}">
-                <a16:creationId xmlns="" xmlns:a16="http://schemas.microsoft.com/office/drawing/2014/main" id="{772B8DA8-F095-4916-981E-62DE13CD89F7}"/>
+                <a16:creationId xmlns:a16="http://schemas.microsoft.com/office/drawing/2014/main" xmlns="" id="{772B8DA8-F095-4916-981E-62DE13CD89F7}"/>
               </a:ext>
             </a:extLst>
           </p:cNvPr>
@@ -19058,7 +19009,7 @@
           <p:cNvPr id="2" name="TextBox 1">
             <a:extLst>
               <a:ext uri="{FF2B5EF4-FFF2-40B4-BE49-F238E27FC236}">
-                <a16:creationId xmlns="" xmlns:a16="http://schemas.microsoft.com/office/drawing/2014/main" id="{31A5AC5C-D727-4084-9BA7-A2CDFEA8D97E}"/>
+                <a16:creationId xmlns:a16="http://schemas.microsoft.com/office/drawing/2014/main" xmlns="" id="{31A5AC5C-D727-4084-9BA7-A2CDFEA8D97E}"/>
               </a:ext>
             </a:extLst>
           </p:cNvPr>
@@ -19110,7 +19061,7 @@
           <p:cNvPr id="3" name="TextBox 2">
             <a:extLst>
               <a:ext uri="{FF2B5EF4-FFF2-40B4-BE49-F238E27FC236}">
-                <a16:creationId xmlns="" xmlns:a16="http://schemas.microsoft.com/office/drawing/2014/main" id="{1AF5377B-ADAB-436A-AF5E-3EE08A3BAC04}"/>
+                <a16:creationId xmlns:a16="http://schemas.microsoft.com/office/drawing/2014/main" xmlns="" id="{1AF5377B-ADAB-436A-AF5E-3EE08A3BAC04}"/>
               </a:ext>
             </a:extLst>
           </p:cNvPr>
@@ -19162,7 +19113,7 @@
           <p:cNvPr id="5" name="직사각형 4">
             <a:extLst>
               <a:ext uri="{FF2B5EF4-FFF2-40B4-BE49-F238E27FC236}">
-                <a16:creationId xmlns="" xmlns:a16="http://schemas.microsoft.com/office/drawing/2014/main" id="{F7EC1B8F-B43B-498E-B130-39B18DE49D5E}"/>
+                <a16:creationId xmlns:a16="http://schemas.microsoft.com/office/drawing/2014/main" xmlns="" id="{F7EC1B8F-B43B-498E-B130-39B18DE49D5E}"/>
               </a:ext>
             </a:extLst>
           </p:cNvPr>
@@ -19347,7 +19298,7 @@
           <p:cNvPr id="2" name="TextBox 1">
             <a:extLst>
               <a:ext uri="{FF2B5EF4-FFF2-40B4-BE49-F238E27FC236}">
-                <a16:creationId xmlns="" xmlns:a16="http://schemas.microsoft.com/office/drawing/2014/main" id="{31A5AC5C-D727-4084-9BA7-A2CDFEA8D97E}"/>
+                <a16:creationId xmlns:a16="http://schemas.microsoft.com/office/drawing/2014/main" xmlns="" id="{31A5AC5C-D727-4084-9BA7-A2CDFEA8D97E}"/>
               </a:ext>
             </a:extLst>
           </p:cNvPr>
@@ -19399,7 +19350,7 @@
           <p:cNvPr id="3" name="TextBox 2">
             <a:extLst>
               <a:ext uri="{FF2B5EF4-FFF2-40B4-BE49-F238E27FC236}">
-                <a16:creationId xmlns="" xmlns:a16="http://schemas.microsoft.com/office/drawing/2014/main" id="{1AF5377B-ADAB-436A-AF5E-3EE08A3BAC04}"/>
+                <a16:creationId xmlns:a16="http://schemas.microsoft.com/office/drawing/2014/main" xmlns="" id="{1AF5377B-ADAB-436A-AF5E-3EE08A3BAC04}"/>
               </a:ext>
             </a:extLst>
           </p:cNvPr>
@@ -19465,7 +19416,7 @@
             <p:cNvPr id="17" name="TextBox 16">
               <a:extLst>
                 <a:ext uri="{FF2B5EF4-FFF2-40B4-BE49-F238E27FC236}">
-                  <a16:creationId xmlns="" xmlns:a16="http://schemas.microsoft.com/office/drawing/2014/main" id="{DE40AA2A-06C6-42CD-A134-C7A8FD5CDA9D}"/>
+                  <a16:creationId xmlns:a16="http://schemas.microsoft.com/office/drawing/2014/main" xmlns="" id="{DE40AA2A-06C6-42CD-A134-C7A8FD5CDA9D}"/>
                 </a:ext>
               </a:extLst>
             </p:cNvPr>
@@ -19570,7 +19521,7 @@
             <p:cNvPr id="21" name="TextBox 20">
               <a:extLst>
                 <a:ext uri="{FF2B5EF4-FFF2-40B4-BE49-F238E27FC236}">
-                  <a16:creationId xmlns="" xmlns:a16="http://schemas.microsoft.com/office/drawing/2014/main" id="{031669E7-0A75-4765-A3C9-535DBEFB2C6E}"/>
+                  <a16:creationId xmlns:a16="http://schemas.microsoft.com/office/drawing/2014/main" xmlns="" id="{031669E7-0A75-4765-A3C9-535DBEFB2C6E}"/>
                 </a:ext>
               </a:extLst>
             </p:cNvPr>
@@ -19663,7 +19614,7 @@
             <p:cNvPr id="22" name="직선 연결선 21">
               <a:extLst>
                 <a:ext uri="{FF2B5EF4-FFF2-40B4-BE49-F238E27FC236}">
-                  <a16:creationId xmlns="" xmlns:a16="http://schemas.microsoft.com/office/drawing/2014/main" id="{6E26D6E1-2459-45B0-B5E0-FB756942F9EC}"/>
+                  <a16:creationId xmlns:a16="http://schemas.microsoft.com/office/drawing/2014/main" xmlns="" id="{6E26D6E1-2459-45B0-B5E0-FB756942F9EC}"/>
                 </a:ext>
               </a:extLst>
             </p:cNvPr>
@@ -19723,7 +19674,7 @@
             <p:cNvPr id="29" name="직사각형 28">
               <a:extLst>
                 <a:ext uri="{FF2B5EF4-FFF2-40B4-BE49-F238E27FC236}">
-                  <a16:creationId xmlns="" xmlns:a16="http://schemas.microsoft.com/office/drawing/2014/main" id="{00E4F0BD-BA36-4D7C-9E39-07076F34FDF9}"/>
+                  <a16:creationId xmlns:a16="http://schemas.microsoft.com/office/drawing/2014/main" xmlns="" id="{00E4F0BD-BA36-4D7C-9E39-07076F34FDF9}"/>
                 </a:ext>
               </a:extLst>
             </p:cNvPr>
@@ -20163,7 +20114,7 @@
           <p:cNvPr id="2" name="TextBox 1">
             <a:extLst>
               <a:ext uri="{FF2B5EF4-FFF2-40B4-BE49-F238E27FC236}">
-                <a16:creationId xmlns="" xmlns:a16="http://schemas.microsoft.com/office/drawing/2014/main" id="{31A5AC5C-D727-4084-9BA7-A2CDFEA8D97E}"/>
+                <a16:creationId xmlns:a16="http://schemas.microsoft.com/office/drawing/2014/main" xmlns="" id="{31A5AC5C-D727-4084-9BA7-A2CDFEA8D97E}"/>
               </a:ext>
             </a:extLst>
           </p:cNvPr>
@@ -20215,7 +20166,7 @@
           <p:cNvPr id="3" name="TextBox 2">
             <a:extLst>
               <a:ext uri="{FF2B5EF4-FFF2-40B4-BE49-F238E27FC236}">
-                <a16:creationId xmlns="" xmlns:a16="http://schemas.microsoft.com/office/drawing/2014/main" id="{1AF5377B-ADAB-436A-AF5E-3EE08A3BAC04}"/>
+                <a16:creationId xmlns:a16="http://schemas.microsoft.com/office/drawing/2014/main" xmlns="" id="{1AF5377B-ADAB-436A-AF5E-3EE08A3BAC04}"/>
               </a:ext>
             </a:extLst>
           </p:cNvPr>
@@ -20281,7 +20232,7 @@
             <p:cNvPr id="17" name="TextBox 16">
               <a:extLst>
                 <a:ext uri="{FF2B5EF4-FFF2-40B4-BE49-F238E27FC236}">
-                  <a16:creationId xmlns="" xmlns:a16="http://schemas.microsoft.com/office/drawing/2014/main" id="{DE40AA2A-06C6-42CD-A134-C7A8FD5CDA9D}"/>
+                  <a16:creationId xmlns:a16="http://schemas.microsoft.com/office/drawing/2014/main" xmlns="" id="{DE40AA2A-06C6-42CD-A134-C7A8FD5CDA9D}"/>
                 </a:ext>
               </a:extLst>
             </p:cNvPr>
@@ -20398,7 +20349,7 @@
             <p:cNvPr id="21" name="TextBox 20">
               <a:extLst>
                 <a:ext uri="{FF2B5EF4-FFF2-40B4-BE49-F238E27FC236}">
-                  <a16:creationId xmlns="" xmlns:a16="http://schemas.microsoft.com/office/drawing/2014/main" id="{031669E7-0A75-4765-A3C9-535DBEFB2C6E}"/>
+                  <a16:creationId xmlns:a16="http://schemas.microsoft.com/office/drawing/2014/main" xmlns="" id="{031669E7-0A75-4765-A3C9-535DBEFB2C6E}"/>
                 </a:ext>
               </a:extLst>
             </p:cNvPr>
@@ -20503,7 +20454,7 @@
             <p:cNvPr id="22" name="직선 연결선 21">
               <a:extLst>
                 <a:ext uri="{FF2B5EF4-FFF2-40B4-BE49-F238E27FC236}">
-                  <a16:creationId xmlns="" xmlns:a16="http://schemas.microsoft.com/office/drawing/2014/main" id="{6E26D6E1-2459-45B0-B5E0-FB756942F9EC}"/>
+                  <a16:creationId xmlns:a16="http://schemas.microsoft.com/office/drawing/2014/main" xmlns="" id="{6E26D6E1-2459-45B0-B5E0-FB756942F9EC}"/>
                 </a:ext>
               </a:extLst>
             </p:cNvPr>
@@ -20549,7 +20500,7 @@
           <p:cNvPr id="29" name="직사각형 28">
             <a:extLst>
               <a:ext uri="{FF2B5EF4-FFF2-40B4-BE49-F238E27FC236}">
-                <a16:creationId xmlns="" xmlns:a16="http://schemas.microsoft.com/office/drawing/2014/main" id="{00E4F0BD-BA36-4D7C-9E39-07076F34FDF9}"/>
+                <a16:creationId xmlns:a16="http://schemas.microsoft.com/office/drawing/2014/main" xmlns="" id="{00E4F0BD-BA36-4D7C-9E39-07076F34FDF9}"/>
               </a:ext>
             </a:extLst>
           </p:cNvPr>
@@ -21120,7 +21071,7 @@
   <a:extraClrSchemeLst/>
   <a:extLst>
     <a:ext uri="{05A4C25C-085E-4340-85A3-A5531E510DB2}">
-      <thm15:themeFamily xmlns="" xmlns:thm15="http://schemas.microsoft.com/office/thememl/2012/main" name="Office Theme" id="{62F939B6-93AF-4DB8-9C6B-D6C7DFDC589F}" vid="{4A3C46E8-61CC-4603-A589-7422A47A8E4A}"/>
+      <thm15:themeFamily xmlns:thm15="http://schemas.microsoft.com/office/thememl/2012/main" xmlns="" name="Office Theme" id="{62F939B6-93AF-4DB8-9C6B-D6C7DFDC589F}" vid="{4A3C46E8-61CC-4603-A589-7422A47A8E4A}"/>
     </a:ext>
   </a:extLst>
 </a:theme>
@@ -21415,7 +21366,7 @@
   <a:extraClrSchemeLst/>
   <a:extLst>
     <a:ext uri="{05A4C25C-085E-4340-85A3-A5531E510DB2}">
-      <thm15:themeFamily xmlns="" xmlns:thm15="http://schemas.microsoft.com/office/thememl/2012/main" name="Office Theme" id="{62F939B6-93AF-4DB8-9C6B-D6C7DFDC589F}" vid="{4A3C46E8-61CC-4603-A589-7422A47A8E4A}"/>
+      <thm15:themeFamily xmlns:thm15="http://schemas.microsoft.com/office/thememl/2012/main" xmlns="" name="Office Theme" id="{62F939B6-93AF-4DB8-9C6B-D6C7DFDC589F}" vid="{4A3C46E8-61CC-4603-A589-7422A47A8E4A}"/>
     </a:ext>
   </a:extLst>
 </a:theme>
